--- a/docs/Presentation_hu.pptx
+++ b/docs/Presentation_hu.pptx
@@ -4,9 +4,22 @@
   <p:sldMasterIdLst>
     <p:sldMasterId id="2147483648" r:id="rId1"/>
   </p:sldMasterIdLst>
+  <p:notesMasterIdLst>
+    <p:notesMasterId r:id="rId14"/>
+  </p:notesMasterIdLst>
   <p:sldIdLst>
     <p:sldId id="256" r:id="rId2"/>
-    <p:sldId id="257" r:id="rId3"/>
+    <p:sldId id="259" r:id="rId3"/>
+    <p:sldId id="266" r:id="rId4"/>
+    <p:sldId id="260" r:id="rId5"/>
+    <p:sldId id="262" r:id="rId6"/>
+    <p:sldId id="258" r:id="rId7"/>
+    <p:sldId id="263" r:id="rId8"/>
+    <p:sldId id="257" r:id="rId9"/>
+    <p:sldId id="264" r:id="rId10"/>
+    <p:sldId id="265" r:id="rId11"/>
+    <p:sldId id="267" r:id="rId12"/>
+    <p:sldId id="268" r:id="rId13"/>
   </p:sldIdLst>
   <p:sldSz cx="12192000" cy="6858000"/>
   <p:notesSz cx="6858000" cy="9144000"/>
@@ -105,7 +118,1471 @@
       </a:defRPr>
     </a:lvl9pPr>
   </p:defaultTextStyle>
+  <p:extLst>
+    <p:ext uri="{EFAFB233-063F-42B5-8137-9DF3F51BA10A}">
+      <p15:sldGuideLst xmlns:p15="http://schemas.microsoft.com/office/powerpoint/2012/main"/>
+    </p:ext>
+  </p:extLst>
 </p:presentation>
+</file>
+
+<file path=ppt/notesMasters/notesMaster1.xml><?xml version="1.0" encoding="utf-8"?>
+<p:notesMaster xmlns:a="http://schemas.openxmlformats.org/drawingml/2006/main" xmlns:r="http://schemas.openxmlformats.org/officeDocument/2006/relationships" xmlns:p="http://schemas.openxmlformats.org/presentationml/2006/main">
+  <p:cSld>
+    <p:bg>
+      <p:bgRef idx="1001">
+        <a:schemeClr val="bg1"/>
+      </p:bgRef>
+    </p:bg>
+    <p:spTree>
+      <p:nvGrpSpPr>
+        <p:cNvPr id="1" name=""/>
+        <p:cNvGrpSpPr/>
+        <p:nvPr/>
+      </p:nvGrpSpPr>
+      <p:grpSpPr>
+        <a:xfrm>
+          <a:off x="0" y="0"/>
+          <a:ext cx="0" cy="0"/>
+          <a:chOff x="0" y="0"/>
+          <a:chExt cx="0" cy="0"/>
+        </a:xfrm>
+      </p:grpSpPr>
+      <p:sp>
+        <p:nvSpPr>
+          <p:cNvPr id="2" name="Élőfej helye 1"/>
+          <p:cNvSpPr>
+            <a:spLocks noGrp="1"/>
+          </p:cNvSpPr>
+          <p:nvPr>
+            <p:ph type="hdr" sz="quarter"/>
+          </p:nvPr>
+        </p:nvSpPr>
+        <p:spPr>
+          <a:xfrm>
+            <a:off x="0" y="0"/>
+            <a:ext cx="2971800" cy="458788"/>
+          </a:xfrm>
+          <a:prstGeom prst="rect">
+            <a:avLst/>
+          </a:prstGeom>
+        </p:spPr>
+        <p:txBody>
+          <a:bodyPr vert="horz" lIns="91440" tIns="45720" rIns="91440" bIns="45720" rtlCol="0"/>
+          <a:lstStyle>
+            <a:lvl1pPr algn="l">
+              <a:defRPr sz="1200"/>
+            </a:lvl1pPr>
+          </a:lstStyle>
+          <a:p>
+            <a:endParaRPr lang="hu-HU"/>
+          </a:p>
+        </p:txBody>
+      </p:sp>
+      <p:sp>
+        <p:nvSpPr>
+          <p:cNvPr id="3" name="Dátum helye 2"/>
+          <p:cNvSpPr>
+            <a:spLocks noGrp="1"/>
+          </p:cNvSpPr>
+          <p:nvPr>
+            <p:ph type="dt" idx="1"/>
+          </p:nvPr>
+        </p:nvSpPr>
+        <p:spPr>
+          <a:xfrm>
+            <a:off x="3884613" y="0"/>
+            <a:ext cx="2971800" cy="458788"/>
+          </a:xfrm>
+          <a:prstGeom prst="rect">
+            <a:avLst/>
+          </a:prstGeom>
+        </p:spPr>
+        <p:txBody>
+          <a:bodyPr vert="horz" lIns="91440" tIns="45720" rIns="91440" bIns="45720" rtlCol="0"/>
+          <a:lstStyle>
+            <a:lvl1pPr algn="r">
+              <a:defRPr sz="1200"/>
+            </a:lvl1pPr>
+          </a:lstStyle>
+          <a:p>
+            <a:fld id="{521332AA-36E7-4ECB-A7EF-F47766F54705}" type="datetimeFigureOut">
+              <a:rPr lang="hu-HU" smtClean="0"/>
+              <a:t>2022. 05. 22.</a:t>
+            </a:fld>
+            <a:endParaRPr lang="hu-HU"/>
+          </a:p>
+        </p:txBody>
+      </p:sp>
+      <p:sp>
+        <p:nvSpPr>
+          <p:cNvPr id="4" name="Diakép helye 3"/>
+          <p:cNvSpPr>
+            <a:spLocks noGrp="1" noRot="1" noChangeAspect="1"/>
+          </p:cNvSpPr>
+          <p:nvPr>
+            <p:ph type="sldImg" idx="2"/>
+          </p:nvPr>
+        </p:nvSpPr>
+        <p:spPr>
+          <a:xfrm>
+            <a:off x="685800" y="1143000"/>
+            <a:ext cx="5486400" cy="3086100"/>
+          </a:xfrm>
+          <a:prstGeom prst="rect">
+            <a:avLst/>
+          </a:prstGeom>
+          <a:noFill/>
+          <a:ln w="12700">
+            <a:solidFill>
+              <a:prstClr val="black"/>
+            </a:solidFill>
+          </a:ln>
+        </p:spPr>
+        <p:txBody>
+          <a:bodyPr vert="horz" lIns="91440" tIns="45720" rIns="91440" bIns="45720" rtlCol="0" anchor="ctr"/>
+          <a:lstStyle/>
+          <a:p>
+            <a:endParaRPr lang="hu-HU"/>
+          </a:p>
+        </p:txBody>
+      </p:sp>
+      <p:sp>
+        <p:nvSpPr>
+          <p:cNvPr id="5" name="Jegyzetek helye 4"/>
+          <p:cNvSpPr>
+            <a:spLocks noGrp="1"/>
+          </p:cNvSpPr>
+          <p:nvPr>
+            <p:ph type="body" sz="quarter" idx="3"/>
+          </p:nvPr>
+        </p:nvSpPr>
+        <p:spPr>
+          <a:xfrm>
+            <a:off x="685800" y="4400550"/>
+            <a:ext cx="5486400" cy="3600450"/>
+          </a:xfrm>
+          <a:prstGeom prst="rect">
+            <a:avLst/>
+          </a:prstGeom>
+        </p:spPr>
+        <p:txBody>
+          <a:bodyPr vert="horz" lIns="91440" tIns="45720" rIns="91440" bIns="45720" rtlCol="0"/>
+          <a:lstStyle/>
+          <a:p>
+            <a:pPr lvl="0"/>
+            <a:r>
+              <a:rPr lang="hu-HU"/>
+              <a:t>Mintaszöveg szerkesztése</a:t>
+            </a:r>
+          </a:p>
+          <a:p>
+            <a:pPr lvl="1"/>
+            <a:r>
+              <a:rPr lang="hu-HU"/>
+              <a:t>Második szint</a:t>
+            </a:r>
+          </a:p>
+          <a:p>
+            <a:pPr lvl="2"/>
+            <a:r>
+              <a:rPr lang="hu-HU"/>
+              <a:t>Harmadik szint</a:t>
+            </a:r>
+          </a:p>
+          <a:p>
+            <a:pPr lvl="3"/>
+            <a:r>
+              <a:rPr lang="hu-HU"/>
+              <a:t>Negyedik szint</a:t>
+            </a:r>
+          </a:p>
+          <a:p>
+            <a:pPr lvl="4"/>
+            <a:r>
+              <a:rPr lang="hu-HU"/>
+              <a:t>Ötödik szint</a:t>
+            </a:r>
+          </a:p>
+        </p:txBody>
+      </p:sp>
+      <p:sp>
+        <p:nvSpPr>
+          <p:cNvPr id="6" name="Élőláb helye 5"/>
+          <p:cNvSpPr>
+            <a:spLocks noGrp="1"/>
+          </p:cNvSpPr>
+          <p:nvPr>
+            <p:ph type="ftr" sz="quarter" idx="4"/>
+          </p:nvPr>
+        </p:nvSpPr>
+        <p:spPr>
+          <a:xfrm>
+            <a:off x="0" y="8685213"/>
+            <a:ext cx="2971800" cy="458787"/>
+          </a:xfrm>
+          <a:prstGeom prst="rect">
+            <a:avLst/>
+          </a:prstGeom>
+        </p:spPr>
+        <p:txBody>
+          <a:bodyPr vert="horz" lIns="91440" tIns="45720" rIns="91440" bIns="45720" rtlCol="0" anchor="b"/>
+          <a:lstStyle>
+            <a:lvl1pPr algn="l">
+              <a:defRPr sz="1200"/>
+            </a:lvl1pPr>
+          </a:lstStyle>
+          <a:p>
+            <a:endParaRPr lang="hu-HU"/>
+          </a:p>
+        </p:txBody>
+      </p:sp>
+      <p:sp>
+        <p:nvSpPr>
+          <p:cNvPr id="7" name="Dia számának helye 6"/>
+          <p:cNvSpPr>
+            <a:spLocks noGrp="1"/>
+          </p:cNvSpPr>
+          <p:nvPr>
+            <p:ph type="sldNum" sz="quarter" idx="5"/>
+          </p:nvPr>
+        </p:nvSpPr>
+        <p:spPr>
+          <a:xfrm>
+            <a:off x="3884613" y="8685213"/>
+            <a:ext cx="2971800" cy="458787"/>
+          </a:xfrm>
+          <a:prstGeom prst="rect">
+            <a:avLst/>
+          </a:prstGeom>
+        </p:spPr>
+        <p:txBody>
+          <a:bodyPr vert="horz" lIns="91440" tIns="45720" rIns="91440" bIns="45720" rtlCol="0" anchor="b"/>
+          <a:lstStyle>
+            <a:lvl1pPr algn="r">
+              <a:defRPr sz="1200"/>
+            </a:lvl1pPr>
+          </a:lstStyle>
+          <a:p>
+            <a:fld id="{C8A1C36F-F523-4E6B-A501-26EC36B63833}" type="slidenum">
+              <a:rPr lang="hu-HU" smtClean="0"/>
+              <a:t>‹#›</a:t>
+            </a:fld>
+            <a:endParaRPr lang="hu-HU"/>
+          </a:p>
+        </p:txBody>
+      </p:sp>
+    </p:spTree>
+    <p:extLst>
+      <p:ext uri="{BB962C8B-B14F-4D97-AF65-F5344CB8AC3E}">
+        <p14:creationId xmlns:p14="http://schemas.microsoft.com/office/powerpoint/2010/main" val="1222868562"/>
+      </p:ext>
+    </p:extLst>
+  </p:cSld>
+  <p:clrMap bg1="lt1" tx1="dk1" bg2="lt2" tx2="dk2" accent1="accent1" accent2="accent2" accent3="accent3" accent4="accent4" accent5="accent5" accent6="accent6" hlink="hlink" folHlink="folHlink"/>
+  <p:notesStyle>
+    <a:lvl1pPr marL="0" algn="l" defTabSz="914400" rtl="0" eaLnBrk="1" latinLnBrk="0" hangingPunct="1">
+      <a:defRPr sz="1200" kern="1200">
+        <a:solidFill>
+          <a:schemeClr val="tx1"/>
+        </a:solidFill>
+        <a:latin typeface="+mn-lt"/>
+        <a:ea typeface="+mn-ea"/>
+        <a:cs typeface="+mn-cs"/>
+      </a:defRPr>
+    </a:lvl1pPr>
+    <a:lvl2pPr marL="457200" algn="l" defTabSz="914400" rtl="0" eaLnBrk="1" latinLnBrk="0" hangingPunct="1">
+      <a:defRPr sz="1200" kern="1200">
+        <a:solidFill>
+          <a:schemeClr val="tx1"/>
+        </a:solidFill>
+        <a:latin typeface="+mn-lt"/>
+        <a:ea typeface="+mn-ea"/>
+        <a:cs typeface="+mn-cs"/>
+      </a:defRPr>
+    </a:lvl2pPr>
+    <a:lvl3pPr marL="914400" algn="l" defTabSz="914400" rtl="0" eaLnBrk="1" latinLnBrk="0" hangingPunct="1">
+      <a:defRPr sz="1200" kern="1200">
+        <a:solidFill>
+          <a:schemeClr val="tx1"/>
+        </a:solidFill>
+        <a:latin typeface="+mn-lt"/>
+        <a:ea typeface="+mn-ea"/>
+        <a:cs typeface="+mn-cs"/>
+      </a:defRPr>
+    </a:lvl3pPr>
+    <a:lvl4pPr marL="1371600" algn="l" defTabSz="914400" rtl="0" eaLnBrk="1" latinLnBrk="0" hangingPunct="1">
+      <a:defRPr sz="1200" kern="1200">
+        <a:solidFill>
+          <a:schemeClr val="tx1"/>
+        </a:solidFill>
+        <a:latin typeface="+mn-lt"/>
+        <a:ea typeface="+mn-ea"/>
+        <a:cs typeface="+mn-cs"/>
+      </a:defRPr>
+    </a:lvl4pPr>
+    <a:lvl5pPr marL="1828800" algn="l" defTabSz="914400" rtl="0" eaLnBrk="1" latinLnBrk="0" hangingPunct="1">
+      <a:defRPr sz="1200" kern="1200">
+        <a:solidFill>
+          <a:schemeClr val="tx1"/>
+        </a:solidFill>
+        <a:latin typeface="+mn-lt"/>
+        <a:ea typeface="+mn-ea"/>
+        <a:cs typeface="+mn-cs"/>
+      </a:defRPr>
+    </a:lvl5pPr>
+    <a:lvl6pPr marL="2286000" algn="l" defTabSz="914400" rtl="0" eaLnBrk="1" latinLnBrk="0" hangingPunct="1">
+      <a:defRPr sz="1200" kern="1200">
+        <a:solidFill>
+          <a:schemeClr val="tx1"/>
+        </a:solidFill>
+        <a:latin typeface="+mn-lt"/>
+        <a:ea typeface="+mn-ea"/>
+        <a:cs typeface="+mn-cs"/>
+      </a:defRPr>
+    </a:lvl6pPr>
+    <a:lvl7pPr marL="2743200" algn="l" defTabSz="914400" rtl="0" eaLnBrk="1" latinLnBrk="0" hangingPunct="1">
+      <a:defRPr sz="1200" kern="1200">
+        <a:solidFill>
+          <a:schemeClr val="tx1"/>
+        </a:solidFill>
+        <a:latin typeface="+mn-lt"/>
+        <a:ea typeface="+mn-ea"/>
+        <a:cs typeface="+mn-cs"/>
+      </a:defRPr>
+    </a:lvl7pPr>
+    <a:lvl8pPr marL="3200400" algn="l" defTabSz="914400" rtl="0" eaLnBrk="1" latinLnBrk="0" hangingPunct="1">
+      <a:defRPr sz="1200" kern="1200">
+        <a:solidFill>
+          <a:schemeClr val="tx1"/>
+        </a:solidFill>
+        <a:latin typeface="+mn-lt"/>
+        <a:ea typeface="+mn-ea"/>
+        <a:cs typeface="+mn-cs"/>
+      </a:defRPr>
+    </a:lvl8pPr>
+    <a:lvl9pPr marL="3657600" algn="l" defTabSz="914400" rtl="0" eaLnBrk="1" latinLnBrk="0" hangingPunct="1">
+      <a:defRPr sz="1200" kern="1200">
+        <a:solidFill>
+          <a:schemeClr val="tx1"/>
+        </a:solidFill>
+        <a:latin typeface="+mn-lt"/>
+        <a:ea typeface="+mn-ea"/>
+        <a:cs typeface="+mn-cs"/>
+      </a:defRPr>
+    </a:lvl9pPr>
+  </p:notesStyle>
+</p:notesMaster>
+</file>
+
+<file path=ppt/notesSlides/notesSlide1.xml><?xml version="1.0" encoding="utf-8"?>
+<p:notes xmlns:a="http://schemas.openxmlformats.org/drawingml/2006/main" xmlns:r="http://schemas.openxmlformats.org/officeDocument/2006/relationships" xmlns:p="http://schemas.openxmlformats.org/presentationml/2006/main">
+  <p:cSld>
+    <p:spTree>
+      <p:nvGrpSpPr>
+        <p:cNvPr id="1" name=""/>
+        <p:cNvGrpSpPr/>
+        <p:nvPr/>
+      </p:nvGrpSpPr>
+      <p:grpSpPr>
+        <a:xfrm>
+          <a:off x="0" y="0"/>
+          <a:ext cx="0" cy="0"/>
+          <a:chOff x="0" y="0"/>
+          <a:chExt cx="0" cy="0"/>
+        </a:xfrm>
+      </p:grpSpPr>
+      <p:sp>
+        <p:nvSpPr>
+          <p:cNvPr id="2" name="Diakép helye 1"/>
+          <p:cNvSpPr>
+            <a:spLocks noGrp="1" noRot="1" noChangeAspect="1"/>
+          </p:cNvSpPr>
+          <p:nvPr>
+            <p:ph type="sldImg"/>
+          </p:nvPr>
+        </p:nvSpPr>
+        <p:spPr/>
+      </p:sp>
+      <p:sp>
+        <p:nvSpPr>
+          <p:cNvPr id="3" name="Jegyzetek helye 2"/>
+          <p:cNvSpPr>
+            <a:spLocks noGrp="1"/>
+          </p:cNvSpPr>
+          <p:nvPr>
+            <p:ph type="body" idx="1"/>
+          </p:nvPr>
+        </p:nvSpPr>
+        <p:spPr/>
+        <p:txBody>
+          <a:bodyPr/>
+          <a:lstStyle/>
+          <a:p>
+            <a:r>
+              <a:rPr lang="hu-HU" dirty="0"/>
+              <a:t>0.5 perc</a:t>
+            </a:r>
+          </a:p>
+        </p:txBody>
+      </p:sp>
+      <p:sp>
+        <p:nvSpPr>
+          <p:cNvPr id="4" name="Dia számának helye 3"/>
+          <p:cNvSpPr>
+            <a:spLocks noGrp="1"/>
+          </p:cNvSpPr>
+          <p:nvPr>
+            <p:ph type="sldNum" sz="quarter" idx="5"/>
+          </p:nvPr>
+        </p:nvSpPr>
+        <p:spPr/>
+        <p:txBody>
+          <a:bodyPr/>
+          <a:lstStyle/>
+          <a:p>
+            <a:fld id="{C8A1C36F-F523-4E6B-A501-26EC36B63833}" type="slidenum">
+              <a:rPr lang="hu-HU" smtClean="0"/>
+              <a:t>1</a:t>
+            </a:fld>
+            <a:endParaRPr lang="hu-HU"/>
+          </a:p>
+        </p:txBody>
+      </p:sp>
+    </p:spTree>
+    <p:extLst>
+      <p:ext uri="{BB962C8B-B14F-4D97-AF65-F5344CB8AC3E}">
+        <p14:creationId xmlns:p14="http://schemas.microsoft.com/office/powerpoint/2010/main" val="1195307786"/>
+      </p:ext>
+    </p:extLst>
+  </p:cSld>
+  <p:clrMapOvr>
+    <a:masterClrMapping/>
+  </p:clrMapOvr>
+</p:notes>
+</file>
+
+<file path=ppt/notesSlides/notesSlide10.xml><?xml version="1.0" encoding="utf-8"?>
+<p:notes xmlns:a="http://schemas.openxmlformats.org/drawingml/2006/main" xmlns:r="http://schemas.openxmlformats.org/officeDocument/2006/relationships" xmlns:p="http://schemas.openxmlformats.org/presentationml/2006/main">
+  <p:cSld>
+    <p:spTree>
+      <p:nvGrpSpPr>
+        <p:cNvPr id="1" name=""/>
+        <p:cNvGrpSpPr/>
+        <p:nvPr/>
+      </p:nvGrpSpPr>
+      <p:grpSpPr>
+        <a:xfrm>
+          <a:off x="0" y="0"/>
+          <a:ext cx="0" cy="0"/>
+          <a:chOff x="0" y="0"/>
+          <a:chExt cx="0" cy="0"/>
+        </a:xfrm>
+      </p:grpSpPr>
+      <p:sp>
+        <p:nvSpPr>
+          <p:cNvPr id="2" name="Diakép helye 1"/>
+          <p:cNvSpPr>
+            <a:spLocks noGrp="1" noRot="1" noChangeAspect="1"/>
+          </p:cNvSpPr>
+          <p:nvPr>
+            <p:ph type="sldImg"/>
+          </p:nvPr>
+        </p:nvSpPr>
+        <p:spPr/>
+      </p:sp>
+      <p:sp>
+        <p:nvSpPr>
+          <p:cNvPr id="3" name="Jegyzetek helye 2"/>
+          <p:cNvSpPr>
+            <a:spLocks noGrp="1"/>
+          </p:cNvSpPr>
+          <p:nvPr>
+            <p:ph type="body" idx="1"/>
+          </p:nvPr>
+        </p:nvSpPr>
+        <p:spPr/>
+        <p:txBody>
+          <a:bodyPr/>
+          <a:lstStyle/>
+          <a:p>
+            <a:r>
+              <a:rPr lang="hu-HU" dirty="0"/>
+              <a:t>1 perc</a:t>
+            </a:r>
+          </a:p>
+        </p:txBody>
+      </p:sp>
+      <p:sp>
+        <p:nvSpPr>
+          <p:cNvPr id="4" name="Dia számának helye 3"/>
+          <p:cNvSpPr>
+            <a:spLocks noGrp="1"/>
+          </p:cNvSpPr>
+          <p:nvPr>
+            <p:ph type="sldNum" sz="quarter" idx="5"/>
+          </p:nvPr>
+        </p:nvSpPr>
+        <p:spPr/>
+        <p:txBody>
+          <a:bodyPr/>
+          <a:lstStyle/>
+          <a:p>
+            <a:fld id="{C8A1C36F-F523-4E6B-A501-26EC36B63833}" type="slidenum">
+              <a:rPr lang="hu-HU" smtClean="0"/>
+              <a:t>10</a:t>
+            </a:fld>
+            <a:endParaRPr lang="hu-HU"/>
+          </a:p>
+        </p:txBody>
+      </p:sp>
+    </p:spTree>
+    <p:extLst>
+      <p:ext uri="{BB962C8B-B14F-4D97-AF65-F5344CB8AC3E}">
+        <p14:creationId xmlns:p14="http://schemas.microsoft.com/office/powerpoint/2010/main" val="1440502258"/>
+      </p:ext>
+    </p:extLst>
+  </p:cSld>
+  <p:clrMapOvr>
+    <a:masterClrMapping/>
+  </p:clrMapOvr>
+</p:notes>
+</file>
+
+<file path=ppt/notesSlides/notesSlide11.xml><?xml version="1.0" encoding="utf-8"?>
+<p:notes xmlns:a="http://schemas.openxmlformats.org/drawingml/2006/main" xmlns:r="http://schemas.openxmlformats.org/officeDocument/2006/relationships" xmlns:p="http://schemas.openxmlformats.org/presentationml/2006/main">
+  <p:cSld>
+    <p:spTree>
+      <p:nvGrpSpPr>
+        <p:cNvPr id="1" name=""/>
+        <p:cNvGrpSpPr/>
+        <p:nvPr/>
+      </p:nvGrpSpPr>
+      <p:grpSpPr>
+        <a:xfrm>
+          <a:off x="0" y="0"/>
+          <a:ext cx="0" cy="0"/>
+          <a:chOff x="0" y="0"/>
+          <a:chExt cx="0" cy="0"/>
+        </a:xfrm>
+      </p:grpSpPr>
+      <p:sp>
+        <p:nvSpPr>
+          <p:cNvPr id="2" name="Diakép helye 1"/>
+          <p:cNvSpPr>
+            <a:spLocks noGrp="1" noRot="1" noChangeAspect="1"/>
+          </p:cNvSpPr>
+          <p:nvPr>
+            <p:ph type="sldImg"/>
+          </p:nvPr>
+        </p:nvSpPr>
+        <p:spPr/>
+      </p:sp>
+      <p:sp>
+        <p:nvSpPr>
+          <p:cNvPr id="3" name="Jegyzetek helye 2"/>
+          <p:cNvSpPr>
+            <a:spLocks noGrp="1"/>
+          </p:cNvSpPr>
+          <p:nvPr>
+            <p:ph type="body" idx="1"/>
+          </p:nvPr>
+        </p:nvSpPr>
+        <p:spPr/>
+        <p:txBody>
+          <a:bodyPr/>
+          <a:lstStyle/>
+          <a:p>
+            <a:r>
+              <a:rPr lang="hu-HU" dirty="0"/>
+              <a:t>1 perc</a:t>
+            </a:r>
+          </a:p>
+        </p:txBody>
+      </p:sp>
+      <p:sp>
+        <p:nvSpPr>
+          <p:cNvPr id="4" name="Dia számának helye 3"/>
+          <p:cNvSpPr>
+            <a:spLocks noGrp="1"/>
+          </p:cNvSpPr>
+          <p:nvPr>
+            <p:ph type="sldNum" sz="quarter" idx="5"/>
+          </p:nvPr>
+        </p:nvSpPr>
+        <p:spPr/>
+        <p:txBody>
+          <a:bodyPr/>
+          <a:lstStyle/>
+          <a:p>
+            <a:fld id="{C8A1C36F-F523-4E6B-A501-26EC36B63833}" type="slidenum">
+              <a:rPr lang="hu-HU" smtClean="0"/>
+              <a:t>11</a:t>
+            </a:fld>
+            <a:endParaRPr lang="hu-HU"/>
+          </a:p>
+        </p:txBody>
+      </p:sp>
+    </p:spTree>
+    <p:extLst>
+      <p:ext uri="{BB962C8B-B14F-4D97-AF65-F5344CB8AC3E}">
+        <p14:creationId xmlns:p14="http://schemas.microsoft.com/office/powerpoint/2010/main" val="890584637"/>
+      </p:ext>
+    </p:extLst>
+  </p:cSld>
+  <p:clrMapOvr>
+    <a:masterClrMapping/>
+  </p:clrMapOvr>
+</p:notes>
+</file>
+
+<file path=ppt/notesSlides/notesSlide2.xml><?xml version="1.0" encoding="utf-8"?>
+<p:notes xmlns:a="http://schemas.openxmlformats.org/drawingml/2006/main" xmlns:r="http://schemas.openxmlformats.org/officeDocument/2006/relationships" xmlns:p="http://schemas.openxmlformats.org/presentationml/2006/main">
+  <p:cSld>
+    <p:spTree>
+      <p:nvGrpSpPr>
+        <p:cNvPr id="1" name=""/>
+        <p:cNvGrpSpPr/>
+        <p:nvPr/>
+      </p:nvGrpSpPr>
+      <p:grpSpPr>
+        <a:xfrm>
+          <a:off x="0" y="0"/>
+          <a:ext cx="0" cy="0"/>
+          <a:chOff x="0" y="0"/>
+          <a:chExt cx="0" cy="0"/>
+        </a:xfrm>
+      </p:grpSpPr>
+      <p:sp>
+        <p:nvSpPr>
+          <p:cNvPr id="2" name="Diakép helye 1"/>
+          <p:cNvSpPr>
+            <a:spLocks noGrp="1" noRot="1" noChangeAspect="1"/>
+          </p:cNvSpPr>
+          <p:nvPr>
+            <p:ph type="sldImg"/>
+          </p:nvPr>
+        </p:nvSpPr>
+        <p:spPr/>
+      </p:sp>
+      <p:sp>
+        <p:nvSpPr>
+          <p:cNvPr id="3" name="Jegyzetek helye 2"/>
+          <p:cNvSpPr>
+            <a:spLocks noGrp="1"/>
+          </p:cNvSpPr>
+          <p:nvPr>
+            <p:ph type="body" idx="1"/>
+          </p:nvPr>
+        </p:nvSpPr>
+        <p:spPr/>
+        <p:txBody>
+          <a:bodyPr/>
+          <a:lstStyle/>
+          <a:p>
+            <a:r>
+              <a:rPr lang="hu-HU" dirty="0"/>
+              <a:t>0.5 perc</a:t>
+            </a:r>
+          </a:p>
+          <a:p>
+            <a:r>
+              <a:rPr lang="hu-HU" dirty="0"/>
+              <a:t>Csatornák -&gt; Posztok -&gt; Kommentek. Inspiráció forrása: </a:t>
+            </a:r>
+            <a:r>
+              <a:rPr lang="hu-HU" dirty="0" err="1"/>
+              <a:t>Reddit</a:t>
+            </a:r>
+            <a:endParaRPr lang="hu-HU" dirty="0"/>
+          </a:p>
+        </p:txBody>
+      </p:sp>
+      <p:sp>
+        <p:nvSpPr>
+          <p:cNvPr id="4" name="Dia számának helye 3"/>
+          <p:cNvSpPr>
+            <a:spLocks noGrp="1"/>
+          </p:cNvSpPr>
+          <p:nvPr>
+            <p:ph type="sldNum" sz="quarter" idx="5"/>
+          </p:nvPr>
+        </p:nvSpPr>
+        <p:spPr/>
+        <p:txBody>
+          <a:bodyPr/>
+          <a:lstStyle/>
+          <a:p>
+            <a:fld id="{C8A1C36F-F523-4E6B-A501-26EC36B63833}" type="slidenum">
+              <a:rPr lang="hu-HU" smtClean="0"/>
+              <a:t>2</a:t>
+            </a:fld>
+            <a:endParaRPr lang="hu-HU"/>
+          </a:p>
+        </p:txBody>
+      </p:sp>
+    </p:spTree>
+    <p:extLst>
+      <p:ext uri="{BB962C8B-B14F-4D97-AF65-F5344CB8AC3E}">
+        <p14:creationId xmlns:p14="http://schemas.microsoft.com/office/powerpoint/2010/main" val="2359342425"/>
+      </p:ext>
+    </p:extLst>
+  </p:cSld>
+  <p:clrMapOvr>
+    <a:masterClrMapping/>
+  </p:clrMapOvr>
+</p:notes>
+</file>
+
+<file path=ppt/notesSlides/notesSlide3.xml><?xml version="1.0" encoding="utf-8"?>
+<p:notes xmlns:a="http://schemas.openxmlformats.org/drawingml/2006/main" xmlns:r="http://schemas.openxmlformats.org/officeDocument/2006/relationships" xmlns:p="http://schemas.openxmlformats.org/presentationml/2006/main">
+  <p:cSld>
+    <p:spTree>
+      <p:nvGrpSpPr>
+        <p:cNvPr id="1" name=""/>
+        <p:cNvGrpSpPr/>
+        <p:nvPr/>
+      </p:nvGrpSpPr>
+      <p:grpSpPr>
+        <a:xfrm>
+          <a:off x="0" y="0"/>
+          <a:ext cx="0" cy="0"/>
+          <a:chOff x="0" y="0"/>
+          <a:chExt cx="0" cy="0"/>
+        </a:xfrm>
+      </p:grpSpPr>
+      <p:sp>
+        <p:nvSpPr>
+          <p:cNvPr id="2" name="Diakép helye 1"/>
+          <p:cNvSpPr>
+            <a:spLocks noGrp="1" noRot="1" noChangeAspect="1"/>
+          </p:cNvSpPr>
+          <p:nvPr>
+            <p:ph type="sldImg"/>
+          </p:nvPr>
+        </p:nvSpPr>
+        <p:spPr/>
+      </p:sp>
+      <p:sp>
+        <p:nvSpPr>
+          <p:cNvPr id="3" name="Jegyzetek helye 2"/>
+          <p:cNvSpPr>
+            <a:spLocks noGrp="1"/>
+          </p:cNvSpPr>
+          <p:nvPr>
+            <p:ph type="body" idx="1"/>
+          </p:nvPr>
+        </p:nvSpPr>
+        <p:spPr/>
+        <p:txBody>
+          <a:bodyPr/>
+          <a:lstStyle/>
+          <a:p>
+            <a:r>
+              <a:rPr lang="hu-HU" dirty="0"/>
+              <a:t>0.5 perc</a:t>
+            </a:r>
+          </a:p>
+          <a:p>
+            <a:r>
+              <a:rPr lang="hu-HU" dirty="0"/>
+              <a:t>Google-lel való bejelentkezés. Profil oldal, ahol láthatóak ezek. Fontos, hogy legyen értesítésekre egy felület.</a:t>
+            </a:r>
+          </a:p>
+        </p:txBody>
+      </p:sp>
+      <p:sp>
+        <p:nvSpPr>
+          <p:cNvPr id="4" name="Dia számának helye 3"/>
+          <p:cNvSpPr>
+            <a:spLocks noGrp="1"/>
+          </p:cNvSpPr>
+          <p:nvPr>
+            <p:ph type="sldNum" sz="quarter" idx="5"/>
+          </p:nvPr>
+        </p:nvSpPr>
+        <p:spPr/>
+        <p:txBody>
+          <a:bodyPr/>
+          <a:lstStyle/>
+          <a:p>
+            <a:fld id="{C8A1C36F-F523-4E6B-A501-26EC36B63833}" type="slidenum">
+              <a:rPr lang="hu-HU" smtClean="0"/>
+              <a:t>3</a:t>
+            </a:fld>
+            <a:endParaRPr lang="hu-HU"/>
+          </a:p>
+        </p:txBody>
+      </p:sp>
+    </p:spTree>
+    <p:extLst>
+      <p:ext uri="{BB962C8B-B14F-4D97-AF65-F5344CB8AC3E}">
+        <p14:creationId xmlns:p14="http://schemas.microsoft.com/office/powerpoint/2010/main" val="681010523"/>
+      </p:ext>
+    </p:extLst>
+  </p:cSld>
+  <p:clrMapOvr>
+    <a:masterClrMapping/>
+  </p:clrMapOvr>
+</p:notes>
+</file>
+
+<file path=ppt/notesSlides/notesSlide4.xml><?xml version="1.0" encoding="utf-8"?>
+<p:notes xmlns:a="http://schemas.openxmlformats.org/drawingml/2006/main" xmlns:r="http://schemas.openxmlformats.org/officeDocument/2006/relationships" xmlns:p="http://schemas.openxmlformats.org/presentationml/2006/main">
+  <p:cSld>
+    <p:spTree>
+      <p:nvGrpSpPr>
+        <p:cNvPr id="1" name=""/>
+        <p:cNvGrpSpPr/>
+        <p:nvPr/>
+      </p:nvGrpSpPr>
+      <p:grpSpPr>
+        <a:xfrm>
+          <a:off x="0" y="0"/>
+          <a:ext cx="0" cy="0"/>
+          <a:chOff x="0" y="0"/>
+          <a:chExt cx="0" cy="0"/>
+        </a:xfrm>
+      </p:grpSpPr>
+      <p:sp>
+        <p:nvSpPr>
+          <p:cNvPr id="2" name="Diakép helye 1"/>
+          <p:cNvSpPr>
+            <a:spLocks noGrp="1" noRot="1" noChangeAspect="1"/>
+          </p:cNvSpPr>
+          <p:nvPr>
+            <p:ph type="sldImg"/>
+          </p:nvPr>
+        </p:nvSpPr>
+        <p:spPr/>
+      </p:sp>
+      <p:sp>
+        <p:nvSpPr>
+          <p:cNvPr id="3" name="Jegyzetek helye 2"/>
+          <p:cNvSpPr>
+            <a:spLocks noGrp="1"/>
+          </p:cNvSpPr>
+          <p:nvPr>
+            <p:ph type="body" idx="1"/>
+          </p:nvPr>
+        </p:nvSpPr>
+        <p:spPr/>
+        <p:txBody>
+          <a:bodyPr/>
+          <a:lstStyle/>
+          <a:p>
+            <a:r>
+              <a:rPr lang="hu-HU" dirty="0"/>
+              <a:t>0.5 perc</a:t>
+            </a:r>
+          </a:p>
+          <a:p>
+            <a:r>
+              <a:rPr lang="hu-HU" dirty="0"/>
+              <a:t>Első körben az juthat eszünkbe, hogy az egész alkalmazást mondjuk egy VM-en fogjuk futtatni, fejlesztünk hozzá egy Node.js alkalmazás-szervert, mindent is mögé kötünk, mindent ez fog csinálni.</a:t>
+            </a:r>
+          </a:p>
+        </p:txBody>
+      </p:sp>
+      <p:sp>
+        <p:nvSpPr>
+          <p:cNvPr id="4" name="Dia számának helye 3"/>
+          <p:cNvSpPr>
+            <a:spLocks noGrp="1"/>
+          </p:cNvSpPr>
+          <p:nvPr>
+            <p:ph type="sldNum" sz="quarter" idx="5"/>
+          </p:nvPr>
+        </p:nvSpPr>
+        <p:spPr/>
+        <p:txBody>
+          <a:bodyPr/>
+          <a:lstStyle/>
+          <a:p>
+            <a:fld id="{C8A1C36F-F523-4E6B-A501-26EC36B63833}" type="slidenum">
+              <a:rPr lang="hu-HU" smtClean="0"/>
+              <a:t>4</a:t>
+            </a:fld>
+            <a:endParaRPr lang="hu-HU"/>
+          </a:p>
+        </p:txBody>
+      </p:sp>
+    </p:spTree>
+    <p:extLst>
+      <p:ext uri="{BB962C8B-B14F-4D97-AF65-F5344CB8AC3E}">
+        <p14:creationId xmlns:p14="http://schemas.microsoft.com/office/powerpoint/2010/main" val="3376409641"/>
+      </p:ext>
+    </p:extLst>
+  </p:cSld>
+  <p:clrMapOvr>
+    <a:masterClrMapping/>
+  </p:clrMapOvr>
+</p:notes>
+</file>
+
+<file path=ppt/notesSlides/notesSlide5.xml><?xml version="1.0" encoding="utf-8"?>
+<p:notes xmlns:a="http://schemas.openxmlformats.org/drawingml/2006/main" xmlns:r="http://schemas.openxmlformats.org/officeDocument/2006/relationships" xmlns:p="http://schemas.openxmlformats.org/presentationml/2006/main">
+  <p:cSld>
+    <p:spTree>
+      <p:nvGrpSpPr>
+        <p:cNvPr id="1" name=""/>
+        <p:cNvGrpSpPr/>
+        <p:nvPr/>
+      </p:nvGrpSpPr>
+      <p:grpSpPr>
+        <a:xfrm>
+          <a:off x="0" y="0"/>
+          <a:ext cx="0" cy="0"/>
+          <a:chOff x="0" y="0"/>
+          <a:chExt cx="0" cy="0"/>
+        </a:xfrm>
+      </p:grpSpPr>
+      <p:sp>
+        <p:nvSpPr>
+          <p:cNvPr id="2" name="Diakép helye 1"/>
+          <p:cNvSpPr>
+            <a:spLocks noGrp="1" noRot="1" noChangeAspect="1"/>
+          </p:cNvSpPr>
+          <p:nvPr>
+            <p:ph type="sldImg"/>
+          </p:nvPr>
+        </p:nvSpPr>
+        <p:spPr/>
+      </p:sp>
+      <p:sp>
+        <p:nvSpPr>
+          <p:cNvPr id="3" name="Jegyzetek helye 2"/>
+          <p:cNvSpPr>
+            <a:spLocks noGrp="1"/>
+          </p:cNvSpPr>
+          <p:nvPr>
+            <p:ph type="body" idx="1"/>
+          </p:nvPr>
+        </p:nvSpPr>
+        <p:spPr/>
+        <p:txBody>
+          <a:bodyPr/>
+          <a:lstStyle/>
+          <a:p>
+            <a:r>
+              <a:rPr lang="hu-HU" dirty="0"/>
+              <a:t>1.5 perc</a:t>
+            </a:r>
+          </a:p>
+          <a:p>
+            <a:r>
+              <a:rPr lang="hu-HU" dirty="0" err="1"/>
+              <a:t>Mikroszolgáltatások</a:t>
+            </a:r>
+            <a:r>
+              <a:rPr lang="hu-HU" dirty="0"/>
+              <a:t>: </a:t>
+            </a:r>
+            <a:r>
+              <a:rPr lang="hu-HU" b="0" i="0" dirty="0" err="1">
+                <a:solidFill>
+                  <a:srgbClr val="4C4C51"/>
+                </a:solidFill>
+                <a:effectLst/>
+                <a:latin typeface="Segoe UI" panose="020B0502040204020203" pitchFamily="34" charset="0"/>
+              </a:rPr>
+              <a:t>Architekturális</a:t>
+            </a:r>
+            <a:r>
+              <a:rPr lang="hu-HU" b="0" i="0" dirty="0">
+                <a:solidFill>
+                  <a:srgbClr val="4C4C51"/>
+                </a:solidFill>
+                <a:effectLst/>
+                <a:latin typeface="Segoe UI" panose="020B0502040204020203" pitchFamily="34" charset="0"/>
+              </a:rPr>
+              <a:t> megközelítés, minden főbb funkció vagy szolgáltatás egymástól függetlenül lesz létrehozva és üzembe helyezve. A </a:t>
+            </a:r>
+            <a:r>
+              <a:rPr lang="hu-HU" b="0" i="0" dirty="0" err="1">
+                <a:solidFill>
+                  <a:srgbClr val="4C4C51"/>
+                </a:solidFill>
+                <a:effectLst/>
+                <a:latin typeface="Segoe UI" panose="020B0502040204020203" pitchFamily="34" charset="0"/>
+              </a:rPr>
+              <a:t>mikroszolgáltatás</a:t>
+            </a:r>
+            <a:r>
+              <a:rPr lang="hu-HU" b="0" i="0" dirty="0">
+                <a:solidFill>
+                  <a:srgbClr val="4C4C51"/>
+                </a:solidFill>
+                <a:effectLst/>
+                <a:latin typeface="Segoe UI" panose="020B0502040204020203" pitchFamily="34" charset="0"/>
+              </a:rPr>
+              <a:t> architektúrája elosztott és gyengén kapcsolódó. Jól definiált API-</a:t>
+            </a:r>
+            <a:r>
+              <a:rPr lang="hu-HU" b="0" i="0" dirty="0" err="1">
+                <a:solidFill>
+                  <a:srgbClr val="4C4C51"/>
+                </a:solidFill>
+                <a:effectLst/>
+                <a:latin typeface="Segoe UI" panose="020B0502040204020203" pitchFamily="34" charset="0"/>
+              </a:rPr>
+              <a:t>kkal</a:t>
+            </a:r>
+            <a:r>
+              <a:rPr lang="hu-HU" b="0" i="0" dirty="0">
+                <a:solidFill>
+                  <a:srgbClr val="4C4C51"/>
+                </a:solidFill>
+                <a:effectLst/>
+                <a:latin typeface="Segoe UI" panose="020B0502040204020203" pitchFamily="34" charset="0"/>
+              </a:rPr>
+              <a:t> kommunikálnak. Gyorsan változó igényeknek való megfelelés érdekében lehet érdemes átállni.</a:t>
+            </a:r>
+            <a:endParaRPr lang="hu-HU" dirty="0"/>
+          </a:p>
+          <a:p>
+            <a:r>
+              <a:rPr lang="hu-HU" dirty="0"/>
+              <a:t>Design </a:t>
+            </a:r>
+            <a:r>
+              <a:rPr lang="hu-HU" dirty="0" err="1"/>
+              <a:t>for</a:t>
+            </a:r>
+            <a:r>
+              <a:rPr lang="hu-HU" dirty="0"/>
+              <a:t> </a:t>
+            </a:r>
+            <a:r>
+              <a:rPr lang="hu-HU" dirty="0" err="1"/>
+              <a:t>failure</a:t>
+            </a:r>
+            <a:r>
+              <a:rPr lang="hu-HU" dirty="0"/>
+              <a:t>: amikor hiba miatt megáll egy komponens, nem szabad hogy befolyásolja a teljes rendszer működését.</a:t>
+            </a:r>
+          </a:p>
+        </p:txBody>
+      </p:sp>
+      <p:sp>
+        <p:nvSpPr>
+          <p:cNvPr id="4" name="Dia számának helye 3"/>
+          <p:cNvSpPr>
+            <a:spLocks noGrp="1"/>
+          </p:cNvSpPr>
+          <p:nvPr>
+            <p:ph type="sldNum" sz="quarter" idx="5"/>
+          </p:nvPr>
+        </p:nvSpPr>
+        <p:spPr/>
+        <p:txBody>
+          <a:bodyPr/>
+          <a:lstStyle/>
+          <a:p>
+            <a:fld id="{C8A1C36F-F523-4E6B-A501-26EC36B63833}" type="slidenum">
+              <a:rPr lang="hu-HU" smtClean="0"/>
+              <a:t>5</a:t>
+            </a:fld>
+            <a:endParaRPr lang="hu-HU"/>
+          </a:p>
+        </p:txBody>
+      </p:sp>
+    </p:spTree>
+    <p:extLst>
+      <p:ext uri="{BB962C8B-B14F-4D97-AF65-F5344CB8AC3E}">
+        <p14:creationId xmlns:p14="http://schemas.microsoft.com/office/powerpoint/2010/main" val="4060736890"/>
+      </p:ext>
+    </p:extLst>
+  </p:cSld>
+  <p:clrMapOvr>
+    <a:masterClrMapping/>
+  </p:clrMapOvr>
+</p:notes>
+</file>
+
+<file path=ppt/notesSlides/notesSlide6.xml><?xml version="1.0" encoding="utf-8"?>
+<p:notes xmlns:a="http://schemas.openxmlformats.org/drawingml/2006/main" xmlns:r="http://schemas.openxmlformats.org/officeDocument/2006/relationships" xmlns:p="http://schemas.openxmlformats.org/presentationml/2006/main">
+  <p:cSld>
+    <p:spTree>
+      <p:nvGrpSpPr>
+        <p:cNvPr id="1" name=""/>
+        <p:cNvGrpSpPr/>
+        <p:nvPr/>
+      </p:nvGrpSpPr>
+      <p:grpSpPr>
+        <a:xfrm>
+          <a:off x="0" y="0"/>
+          <a:ext cx="0" cy="0"/>
+          <a:chOff x="0" y="0"/>
+          <a:chExt cx="0" cy="0"/>
+        </a:xfrm>
+      </p:grpSpPr>
+      <p:sp>
+        <p:nvSpPr>
+          <p:cNvPr id="2" name="Diakép helye 1"/>
+          <p:cNvSpPr>
+            <a:spLocks noGrp="1" noRot="1" noChangeAspect="1"/>
+          </p:cNvSpPr>
+          <p:nvPr>
+            <p:ph type="sldImg"/>
+          </p:nvPr>
+        </p:nvSpPr>
+        <p:spPr/>
+      </p:sp>
+      <p:sp>
+        <p:nvSpPr>
+          <p:cNvPr id="3" name="Jegyzetek helye 2"/>
+          <p:cNvSpPr>
+            <a:spLocks noGrp="1"/>
+          </p:cNvSpPr>
+          <p:nvPr>
+            <p:ph type="body" idx="1"/>
+          </p:nvPr>
+        </p:nvSpPr>
+        <p:spPr/>
+        <p:txBody>
+          <a:bodyPr/>
+          <a:lstStyle/>
+          <a:p>
+            <a:r>
+              <a:rPr lang="hu-HU" dirty="0"/>
+              <a:t>0.5 perc</a:t>
+            </a:r>
+          </a:p>
+          <a:p>
+            <a:r>
+              <a:rPr lang="hu-HU" dirty="0"/>
+              <a:t>Csak azt mutatom meg, mi mindent cseréltünk le, és hogy mi minden lett </a:t>
+            </a:r>
+            <a:r>
+              <a:rPr lang="hu-HU" dirty="0" err="1"/>
+              <a:t>serverless</a:t>
+            </a:r>
+            <a:r>
+              <a:rPr lang="hu-HU" dirty="0"/>
+              <a:t> (szó szerint minden).</a:t>
+            </a:r>
+          </a:p>
+        </p:txBody>
+      </p:sp>
+      <p:sp>
+        <p:nvSpPr>
+          <p:cNvPr id="4" name="Dia számának helye 3"/>
+          <p:cNvSpPr>
+            <a:spLocks noGrp="1"/>
+          </p:cNvSpPr>
+          <p:nvPr>
+            <p:ph type="sldNum" sz="quarter" idx="5"/>
+          </p:nvPr>
+        </p:nvSpPr>
+        <p:spPr/>
+        <p:txBody>
+          <a:bodyPr/>
+          <a:lstStyle/>
+          <a:p>
+            <a:fld id="{C8A1C36F-F523-4E6B-A501-26EC36B63833}" type="slidenum">
+              <a:rPr lang="hu-HU" smtClean="0"/>
+              <a:t>6</a:t>
+            </a:fld>
+            <a:endParaRPr lang="hu-HU"/>
+          </a:p>
+        </p:txBody>
+      </p:sp>
+    </p:spTree>
+    <p:extLst>
+      <p:ext uri="{BB962C8B-B14F-4D97-AF65-F5344CB8AC3E}">
+        <p14:creationId xmlns:p14="http://schemas.microsoft.com/office/powerpoint/2010/main" val="635723700"/>
+      </p:ext>
+    </p:extLst>
+  </p:cSld>
+  <p:clrMapOvr>
+    <a:masterClrMapping/>
+  </p:clrMapOvr>
+</p:notes>
+</file>
+
+<file path=ppt/notesSlides/notesSlide7.xml><?xml version="1.0" encoding="utf-8"?>
+<p:notes xmlns:a="http://schemas.openxmlformats.org/drawingml/2006/main" xmlns:r="http://schemas.openxmlformats.org/officeDocument/2006/relationships" xmlns:p="http://schemas.openxmlformats.org/presentationml/2006/main">
+  <p:cSld>
+    <p:spTree>
+      <p:nvGrpSpPr>
+        <p:cNvPr id="1" name=""/>
+        <p:cNvGrpSpPr/>
+        <p:nvPr/>
+      </p:nvGrpSpPr>
+      <p:grpSpPr>
+        <a:xfrm>
+          <a:off x="0" y="0"/>
+          <a:ext cx="0" cy="0"/>
+          <a:chOff x="0" y="0"/>
+          <a:chExt cx="0" cy="0"/>
+        </a:xfrm>
+      </p:grpSpPr>
+      <p:sp>
+        <p:nvSpPr>
+          <p:cNvPr id="2" name="Diakép helye 1"/>
+          <p:cNvSpPr>
+            <a:spLocks noGrp="1" noRot="1" noChangeAspect="1"/>
+          </p:cNvSpPr>
+          <p:nvPr>
+            <p:ph type="sldImg"/>
+          </p:nvPr>
+        </p:nvSpPr>
+        <p:spPr/>
+      </p:sp>
+      <p:sp>
+        <p:nvSpPr>
+          <p:cNvPr id="3" name="Jegyzetek helye 2"/>
+          <p:cNvSpPr>
+            <a:spLocks noGrp="1"/>
+          </p:cNvSpPr>
+          <p:nvPr>
+            <p:ph type="body" idx="1"/>
+          </p:nvPr>
+        </p:nvSpPr>
+        <p:spPr/>
+        <p:txBody>
+          <a:bodyPr/>
+          <a:lstStyle/>
+          <a:p>
+            <a:r>
+              <a:rPr lang="hu-HU" dirty="0"/>
+              <a:t>1.5 perc</a:t>
+            </a:r>
+            <a:br>
+              <a:rPr lang="hu-HU" dirty="0"/>
+            </a:br>
+            <a:r>
+              <a:rPr lang="hu-HU" dirty="0"/>
+              <a:t>Mindenhez 1-1 mondat</a:t>
+            </a:r>
+          </a:p>
+        </p:txBody>
+      </p:sp>
+      <p:sp>
+        <p:nvSpPr>
+          <p:cNvPr id="4" name="Dia számának helye 3"/>
+          <p:cNvSpPr>
+            <a:spLocks noGrp="1"/>
+          </p:cNvSpPr>
+          <p:nvPr>
+            <p:ph type="sldNum" sz="quarter" idx="5"/>
+          </p:nvPr>
+        </p:nvSpPr>
+        <p:spPr/>
+        <p:txBody>
+          <a:bodyPr/>
+          <a:lstStyle/>
+          <a:p>
+            <a:fld id="{C8A1C36F-F523-4E6B-A501-26EC36B63833}" type="slidenum">
+              <a:rPr lang="hu-HU" smtClean="0"/>
+              <a:t>7</a:t>
+            </a:fld>
+            <a:endParaRPr lang="hu-HU"/>
+          </a:p>
+        </p:txBody>
+      </p:sp>
+    </p:spTree>
+    <p:extLst>
+      <p:ext uri="{BB962C8B-B14F-4D97-AF65-F5344CB8AC3E}">
+        <p14:creationId xmlns:p14="http://schemas.microsoft.com/office/powerpoint/2010/main" val="1767878202"/>
+      </p:ext>
+    </p:extLst>
+  </p:cSld>
+  <p:clrMapOvr>
+    <a:masterClrMapping/>
+  </p:clrMapOvr>
+</p:notes>
+</file>
+
+<file path=ppt/notesSlides/notesSlide8.xml><?xml version="1.0" encoding="utf-8"?>
+<p:notes xmlns:a="http://schemas.openxmlformats.org/drawingml/2006/main" xmlns:r="http://schemas.openxmlformats.org/officeDocument/2006/relationships" xmlns:p="http://schemas.openxmlformats.org/presentationml/2006/main">
+  <p:cSld>
+    <p:spTree>
+      <p:nvGrpSpPr>
+        <p:cNvPr id="1" name=""/>
+        <p:cNvGrpSpPr/>
+        <p:nvPr/>
+      </p:nvGrpSpPr>
+      <p:grpSpPr>
+        <a:xfrm>
+          <a:off x="0" y="0"/>
+          <a:ext cx="0" cy="0"/>
+          <a:chOff x="0" y="0"/>
+          <a:chExt cx="0" cy="0"/>
+        </a:xfrm>
+      </p:grpSpPr>
+      <p:sp>
+        <p:nvSpPr>
+          <p:cNvPr id="2" name="Diakép helye 1"/>
+          <p:cNvSpPr>
+            <a:spLocks noGrp="1" noRot="1" noChangeAspect="1"/>
+          </p:cNvSpPr>
+          <p:nvPr>
+            <p:ph type="sldImg"/>
+          </p:nvPr>
+        </p:nvSpPr>
+        <p:spPr/>
+      </p:sp>
+      <p:sp>
+        <p:nvSpPr>
+          <p:cNvPr id="3" name="Jegyzetek helye 2"/>
+          <p:cNvSpPr>
+            <a:spLocks noGrp="1"/>
+          </p:cNvSpPr>
+          <p:nvPr>
+            <p:ph type="body" idx="1"/>
+          </p:nvPr>
+        </p:nvSpPr>
+        <p:spPr/>
+        <p:txBody>
+          <a:bodyPr/>
+          <a:lstStyle/>
+          <a:p>
+            <a:r>
+              <a:rPr lang="hu-HU" dirty="0"/>
+              <a:t>1perc</a:t>
+            </a:r>
+          </a:p>
+          <a:p>
+            <a:r>
+              <a:rPr lang="hu-HU" dirty="0" err="1"/>
+              <a:t>Basically</a:t>
+            </a:r>
+            <a:r>
+              <a:rPr lang="hu-HU" dirty="0"/>
+              <a:t> olvasni lehet, ami rá van írva</a:t>
+            </a:r>
+          </a:p>
+        </p:txBody>
+      </p:sp>
+      <p:sp>
+        <p:nvSpPr>
+          <p:cNvPr id="4" name="Dia számának helye 3"/>
+          <p:cNvSpPr>
+            <a:spLocks noGrp="1"/>
+          </p:cNvSpPr>
+          <p:nvPr>
+            <p:ph type="sldNum" sz="quarter" idx="5"/>
+          </p:nvPr>
+        </p:nvSpPr>
+        <p:spPr/>
+        <p:txBody>
+          <a:bodyPr/>
+          <a:lstStyle/>
+          <a:p>
+            <a:fld id="{C8A1C36F-F523-4E6B-A501-26EC36B63833}" type="slidenum">
+              <a:rPr lang="hu-HU" smtClean="0"/>
+              <a:t>8</a:t>
+            </a:fld>
+            <a:endParaRPr lang="hu-HU"/>
+          </a:p>
+        </p:txBody>
+      </p:sp>
+    </p:spTree>
+    <p:extLst>
+      <p:ext uri="{BB962C8B-B14F-4D97-AF65-F5344CB8AC3E}">
+        <p14:creationId xmlns:p14="http://schemas.microsoft.com/office/powerpoint/2010/main" val="4036887836"/>
+      </p:ext>
+    </p:extLst>
+  </p:cSld>
+  <p:clrMapOvr>
+    <a:masterClrMapping/>
+  </p:clrMapOvr>
+</p:notes>
+</file>
+
+<file path=ppt/notesSlides/notesSlide9.xml><?xml version="1.0" encoding="utf-8"?>
+<p:notes xmlns:a="http://schemas.openxmlformats.org/drawingml/2006/main" xmlns:r="http://schemas.openxmlformats.org/officeDocument/2006/relationships" xmlns:p="http://schemas.openxmlformats.org/presentationml/2006/main">
+  <p:cSld>
+    <p:spTree>
+      <p:nvGrpSpPr>
+        <p:cNvPr id="1" name=""/>
+        <p:cNvGrpSpPr/>
+        <p:nvPr/>
+      </p:nvGrpSpPr>
+      <p:grpSpPr>
+        <a:xfrm>
+          <a:off x="0" y="0"/>
+          <a:ext cx="0" cy="0"/>
+          <a:chOff x="0" y="0"/>
+          <a:chExt cx="0" cy="0"/>
+        </a:xfrm>
+      </p:grpSpPr>
+      <p:sp>
+        <p:nvSpPr>
+          <p:cNvPr id="2" name="Diakép helye 1"/>
+          <p:cNvSpPr>
+            <a:spLocks noGrp="1" noRot="1" noChangeAspect="1"/>
+          </p:cNvSpPr>
+          <p:nvPr>
+            <p:ph type="sldImg"/>
+          </p:nvPr>
+        </p:nvSpPr>
+        <p:spPr/>
+      </p:sp>
+      <p:sp>
+        <p:nvSpPr>
+          <p:cNvPr id="3" name="Jegyzetek helye 2"/>
+          <p:cNvSpPr>
+            <a:spLocks noGrp="1"/>
+          </p:cNvSpPr>
+          <p:nvPr>
+            <p:ph type="body" idx="1"/>
+          </p:nvPr>
+        </p:nvSpPr>
+        <p:spPr/>
+        <p:txBody>
+          <a:bodyPr/>
+          <a:lstStyle/>
+          <a:p>
+            <a:r>
+              <a:rPr lang="hu-HU" dirty="0"/>
+              <a:t>1.5 perc</a:t>
+            </a:r>
+          </a:p>
+          <a:p>
+            <a:r>
+              <a:rPr lang="hu-HU" dirty="0"/>
+              <a:t>Itt is olvasható, de jobb, ha betanulod az egészet.</a:t>
+            </a:r>
+          </a:p>
+        </p:txBody>
+      </p:sp>
+      <p:sp>
+        <p:nvSpPr>
+          <p:cNvPr id="4" name="Dia számának helye 3"/>
+          <p:cNvSpPr>
+            <a:spLocks noGrp="1"/>
+          </p:cNvSpPr>
+          <p:nvPr>
+            <p:ph type="sldNum" sz="quarter" idx="5"/>
+          </p:nvPr>
+        </p:nvSpPr>
+        <p:spPr/>
+        <p:txBody>
+          <a:bodyPr/>
+          <a:lstStyle/>
+          <a:p>
+            <a:fld id="{C8A1C36F-F523-4E6B-A501-26EC36B63833}" type="slidenum">
+              <a:rPr lang="hu-HU" smtClean="0"/>
+              <a:t>9</a:t>
+            </a:fld>
+            <a:endParaRPr lang="hu-HU"/>
+          </a:p>
+        </p:txBody>
+      </p:sp>
+    </p:spTree>
+    <p:extLst>
+      <p:ext uri="{BB962C8B-B14F-4D97-AF65-F5344CB8AC3E}">
+        <p14:creationId xmlns:p14="http://schemas.microsoft.com/office/powerpoint/2010/main" val="1131399679"/>
+      </p:ext>
+    </p:extLst>
+  </p:cSld>
+  <p:clrMapOvr>
+    <a:masterClrMapping/>
+  </p:clrMapOvr>
+</p:notes>
 </file>
 
 <file path=ppt/slideLayouts/slideLayout1.xml><?xml version="1.0" encoding="utf-8"?>
@@ -314,7 +1791,7 @@
             <a:fld id="{9334D819-9F07-4261-B09B-9E467E5D9002}" type="datetimeFigureOut">
               <a:rPr lang="en-US" dirty="0"/>
               <a:pPr/>
-              <a:t>5/10/2022</a:t>
+              <a:t>5/22/2022</a:t>
             </a:fld>
             <a:endParaRPr lang="en-US" dirty="0"/>
           </a:p>
@@ -510,7 +1987,7 @@
           <a:p>
             <a:fld id="{9334D819-9F07-4261-B09B-9E467E5D9002}" type="datetimeFigureOut">
               <a:rPr lang="en-US" dirty="0"/>
-              <a:t>5/10/2022</a:t>
+              <a:t>5/22/2022</a:t>
             </a:fld>
             <a:endParaRPr lang="en-US" dirty="0"/>
           </a:p>
@@ -685,7 +2162,7 @@
           <a:p>
             <a:fld id="{9334D819-9F07-4261-B09B-9E467E5D9002}" type="datetimeFigureOut">
               <a:rPr lang="en-US" dirty="0"/>
-              <a:t>5/10/2022</a:t>
+              <a:t>5/22/2022</a:t>
             </a:fld>
             <a:endParaRPr lang="en-US" dirty="0"/>
           </a:p>
@@ -770,12 +2247,70 @@
         </p:nvSpPr>
         <p:spPr/>
         <p:txBody>
+          <a:bodyPr>
+            <a:normAutofit/>
+          </a:bodyPr>
+          <a:lstStyle>
+            <a:lvl1pPr>
+              <a:defRPr sz="4800"/>
+            </a:lvl1pPr>
+          </a:lstStyle>
+          <a:p>
+            <a:r>
+              <a:rPr lang="hu-HU" dirty="0"/>
+              <a:t>Mintacím szerkesztése</a:t>
+            </a:r>
+            <a:endParaRPr lang="en-US" dirty="0"/>
+          </a:p>
+        </p:txBody>
+      </p:sp>
+      <p:sp>
+        <p:nvSpPr>
+          <p:cNvPr id="3" name="Content Placeholder 2"/>
+          <p:cNvSpPr>
+            <a:spLocks noGrp="1"/>
+          </p:cNvSpPr>
+          <p:nvPr>
+            <p:ph idx="1"/>
+          </p:nvPr>
+        </p:nvSpPr>
+        <p:spPr/>
+        <p:txBody>
           <a:bodyPr/>
           <a:lstStyle/>
           <a:p>
+            <a:pPr lvl="0"/>
             <a:r>
               <a:rPr lang="hu-HU"/>
-              <a:t>Mintacím szerkesztése</a:t>
+              <a:t>Mintaszöveg szerkesztése</a:t>
+            </a:r>
+          </a:p>
+          <a:p>
+            <a:pPr lvl="1"/>
+            <a:r>
+              <a:rPr lang="hu-HU"/>
+              <a:t>Második szint</a:t>
+            </a:r>
+          </a:p>
+          <a:p>
+            <a:pPr lvl="2"/>
+            <a:r>
+              <a:rPr lang="hu-HU"/>
+              <a:t>Harmadik szint</a:t>
+            </a:r>
+          </a:p>
+          <a:p>
+            <a:pPr lvl="3"/>
+            <a:r>
+              <a:rPr lang="hu-HU"/>
+              <a:t>Negyedik szint</a:t>
+            </a:r>
+          </a:p>
+          <a:p>
+            <a:pPr lvl="4"/>
+            <a:r>
+              <a:rPr lang="hu-HU"/>
+              <a:t>Ötödik szint</a:t>
             </a:r>
             <a:endParaRPr lang="en-US" dirty="0"/>
           </a:p>
@@ -783,12 +2318,12 @@
       </p:sp>
       <p:sp>
         <p:nvSpPr>
-          <p:cNvPr id="3" name="Content Placeholder 2"/>
-          <p:cNvSpPr>
-            <a:spLocks noGrp="1"/>
-          </p:cNvSpPr>
-          <p:nvPr>
-            <p:ph idx="1"/>
+          <p:cNvPr id="4" name="Date Placeholder 3"/>
+          <p:cNvSpPr>
+            <a:spLocks noGrp="1"/>
+          </p:cNvSpPr>
+          <p:nvPr>
+            <p:ph type="dt" sz="half" idx="10"/>
           </p:nvPr>
         </p:nvSpPr>
         <p:spPr/>
@@ -796,61 +2331,9 @@
           <a:bodyPr/>
           <a:lstStyle/>
           <a:p>
-            <a:pPr lvl="0"/>
-            <a:r>
-              <a:rPr lang="hu-HU"/>
-              <a:t>Mintaszöveg szerkesztése</a:t>
-            </a:r>
-          </a:p>
-          <a:p>
-            <a:pPr lvl="1"/>
-            <a:r>
-              <a:rPr lang="hu-HU"/>
-              <a:t>Második szint</a:t>
-            </a:r>
-          </a:p>
-          <a:p>
-            <a:pPr lvl="2"/>
-            <a:r>
-              <a:rPr lang="hu-HU"/>
-              <a:t>Harmadik szint</a:t>
-            </a:r>
-          </a:p>
-          <a:p>
-            <a:pPr lvl="3"/>
-            <a:r>
-              <a:rPr lang="hu-HU"/>
-              <a:t>Negyedik szint</a:t>
-            </a:r>
-          </a:p>
-          <a:p>
-            <a:pPr lvl="4"/>
-            <a:r>
-              <a:rPr lang="hu-HU"/>
-              <a:t>Ötödik szint</a:t>
-            </a:r>
-            <a:endParaRPr lang="en-US" dirty="0"/>
-          </a:p>
-        </p:txBody>
-      </p:sp>
-      <p:sp>
-        <p:nvSpPr>
-          <p:cNvPr id="4" name="Date Placeholder 3"/>
-          <p:cNvSpPr>
-            <a:spLocks noGrp="1"/>
-          </p:cNvSpPr>
-          <p:nvPr>
-            <p:ph type="dt" sz="half" idx="10"/>
-          </p:nvPr>
-        </p:nvSpPr>
-        <p:spPr/>
-        <p:txBody>
-          <a:bodyPr/>
-          <a:lstStyle/>
-          <a:p>
             <a:fld id="{9334D819-9F07-4261-B09B-9E467E5D9002}" type="datetimeFigureOut">
               <a:rPr lang="en-US" dirty="0"/>
-              <a:t>5/10/2022</a:t>
+              <a:t>5/22/2022</a:t>
             </a:fld>
             <a:endParaRPr lang="en-US" dirty="0"/>
           </a:p>
@@ -1122,7 +2605,7 @@
             <a:fld id="{9334D819-9F07-4261-B09B-9E467E5D9002}" type="datetimeFigureOut">
               <a:rPr lang="en-US" dirty="0"/>
               <a:pPr/>
-              <a:t>5/10/2022</a:t>
+              <a:t>5/22/2022</a:t>
             </a:fld>
             <a:endParaRPr lang="en-US" dirty="0"/>
           </a:p>
@@ -2333,7 +3816,7 @@
           <a:p>
             <a:fld id="{9334D819-9F07-4261-B09B-9E467E5D9002}" type="datetimeFigureOut">
               <a:rPr lang="en-US" dirty="0"/>
-              <a:t>5/10/2022</a:t>
+              <a:t>5/22/2022</a:t>
             </a:fld>
             <a:endParaRPr lang="en-US" dirty="0"/>
           </a:p>
@@ -2718,7 +4201,7 @@
           <a:p>
             <a:fld id="{9334D819-9F07-4261-B09B-9E467E5D9002}" type="datetimeFigureOut">
               <a:rPr lang="en-US" dirty="0"/>
-              <a:t>5/10/2022</a:t>
+              <a:t>5/22/2022</a:t>
             </a:fld>
             <a:endParaRPr lang="en-US" dirty="0"/>
           </a:p>
@@ -2836,7 +4319,7 @@
           <a:p>
             <a:fld id="{9334D819-9F07-4261-B09B-9E467E5D9002}" type="datetimeFigureOut">
               <a:rPr lang="en-US" dirty="0"/>
-              <a:t>5/10/2022</a:t>
+              <a:t>5/22/2022</a:t>
             </a:fld>
             <a:endParaRPr lang="en-US" dirty="0"/>
           </a:p>
@@ -2926,7 +4409,7 @@
           <a:p>
             <a:fld id="{9334D819-9F07-4261-B09B-9E467E5D9002}" type="datetimeFigureOut">
               <a:rPr lang="en-US" dirty="0"/>
-              <a:t>5/10/2022</a:t>
+              <a:t>5/22/2022</a:t>
             </a:fld>
             <a:endParaRPr lang="en-US" dirty="0"/>
           </a:p>
@@ -3684,7 +5167,7 @@
           <a:p>
             <a:fld id="{9334D819-9F07-4261-B09B-9E467E5D9002}" type="datetimeFigureOut">
               <a:rPr lang="en-US" dirty="0"/>
-              <a:t>5/10/2022</a:t>
+              <a:t>5/22/2022</a:t>
             </a:fld>
             <a:endParaRPr lang="en-US" dirty="0"/>
           </a:p>
@@ -4519,7 +6002,7 @@
           <a:p>
             <a:fld id="{9334D819-9F07-4261-B09B-9E467E5D9002}" type="datetimeFigureOut">
               <a:rPr lang="en-US" dirty="0"/>
-              <a:t>5/10/2022</a:t>
+              <a:t>5/22/2022</a:t>
             </a:fld>
             <a:endParaRPr lang="en-US" dirty="0"/>
           </a:p>
@@ -4742,7 +6225,7 @@
             <a:fld id="{9334D819-9F07-4261-B09B-9E467E5D9002}" type="datetimeFigureOut">
               <a:rPr lang="en-US" smtClean="0"/>
               <a:pPr/>
-              <a:t>5/10/2022</a:t>
+              <a:t>5/22/2022</a:t>
             </a:fld>
             <a:endParaRPr lang="en-US" dirty="0"/>
           </a:p>
@@ -5335,8 +6818,8 @@
         </p:nvSpPr>
         <p:spPr>
           <a:xfrm>
-            <a:off x="5543550" y="4524375"/>
-            <a:ext cx="6142480" cy="1800225"/>
+            <a:off x="3850105" y="4524375"/>
+            <a:ext cx="7835925" cy="1800225"/>
           </a:xfrm>
         </p:spPr>
         <p:txBody>
@@ -5363,7 +6846,7 @@
             </a:pPr>
             <a:r>
               <a:rPr lang="hu-HU" sz="2400" b="0" dirty="0"/>
-              <a:t>Mérnök-informatikus </a:t>
+              <a:t>Mérnökinformatikus </a:t>
             </a:r>
             <a:r>
               <a:rPr lang="hu-HU" sz="2400" b="0" dirty="0" err="1"/>
@@ -5399,6 +6882,1231 @@
     <p:extLst>
       <p:ext uri="{BB962C8B-B14F-4D97-AF65-F5344CB8AC3E}">
         <p14:creationId xmlns:p14="http://schemas.microsoft.com/office/powerpoint/2010/main" val="3013944079"/>
+      </p:ext>
+    </p:extLst>
+  </p:cSld>
+  <p:clrMapOvr>
+    <a:masterClrMapping/>
+  </p:clrMapOvr>
+</p:sld>
+</file>
+
+<file path=ppt/slides/slide10.xml><?xml version="1.0" encoding="utf-8"?>
+<p:sld xmlns:a="http://schemas.openxmlformats.org/drawingml/2006/main" xmlns:r="http://schemas.openxmlformats.org/officeDocument/2006/relationships" xmlns:p="http://schemas.openxmlformats.org/presentationml/2006/main">
+  <p:cSld>
+    <p:spTree>
+      <p:nvGrpSpPr>
+        <p:cNvPr id="1" name=""/>
+        <p:cNvGrpSpPr/>
+        <p:nvPr/>
+      </p:nvGrpSpPr>
+      <p:grpSpPr>
+        <a:xfrm>
+          <a:off x="0" y="0"/>
+          <a:ext cx="0" cy="0"/>
+          <a:chOff x="0" y="0"/>
+          <a:chExt cx="0" cy="0"/>
+        </a:xfrm>
+      </p:grpSpPr>
+      <p:sp>
+        <p:nvSpPr>
+          <p:cNvPr id="2" name="Cím 1">
+            <a:extLst>
+              <a:ext uri="{FF2B5EF4-FFF2-40B4-BE49-F238E27FC236}">
+                <a16:creationId xmlns:a16="http://schemas.microsoft.com/office/drawing/2014/main" id="{C23B21D6-D918-43B3-BB76-CF108CFBB6C9}"/>
+              </a:ext>
+            </a:extLst>
+          </p:cNvPr>
+          <p:cNvSpPr>
+            <a:spLocks noGrp="1"/>
+          </p:cNvSpPr>
+          <p:nvPr>
+            <p:ph type="title"/>
+          </p:nvPr>
+        </p:nvSpPr>
+        <p:spPr/>
+        <p:txBody>
+          <a:bodyPr/>
+          <a:lstStyle/>
+          <a:p>
+            <a:r>
+              <a:rPr lang="hu-HU" dirty="0"/>
+              <a:t>Felhasznált technológiák</a:t>
+            </a:r>
+          </a:p>
+        </p:txBody>
+      </p:sp>
+      <p:sp>
+        <p:nvSpPr>
+          <p:cNvPr id="3" name="Tartalom helye 2">
+            <a:extLst>
+              <a:ext uri="{FF2B5EF4-FFF2-40B4-BE49-F238E27FC236}">
+                <a16:creationId xmlns:a16="http://schemas.microsoft.com/office/drawing/2014/main" id="{3D8FD86E-51FA-4783-8D81-D648449FEFF2}"/>
+              </a:ext>
+            </a:extLst>
+          </p:cNvPr>
+          <p:cNvSpPr>
+            <a:spLocks noGrp="1"/>
+          </p:cNvSpPr>
+          <p:nvPr>
+            <p:ph idx="1"/>
+          </p:nvPr>
+        </p:nvSpPr>
+        <p:spPr>
+          <a:xfrm>
+            <a:off x="1714499" y="1476375"/>
+            <a:ext cx="4772026" cy="4136517"/>
+          </a:xfrm>
+        </p:spPr>
+        <p:txBody>
+          <a:bodyPr>
+            <a:noAutofit/>
+          </a:bodyPr>
+          <a:lstStyle/>
+          <a:p>
+            <a:pPr>
+              <a:lnSpc>
+                <a:spcPct val="100000"/>
+              </a:lnSpc>
+            </a:pPr>
+            <a:r>
+              <a:rPr lang="hu-HU" sz="2400" dirty="0">
+                <a:solidFill>
+                  <a:schemeClr val="tx1"/>
+                </a:solidFill>
+              </a:rPr>
+              <a:t>React.js</a:t>
+            </a:r>
+          </a:p>
+          <a:p>
+            <a:pPr lvl="1">
+              <a:lnSpc>
+                <a:spcPct val="100000"/>
+              </a:lnSpc>
+            </a:pPr>
+            <a:r>
+              <a:rPr lang="hu-HU" sz="2000" dirty="0" err="1">
+                <a:solidFill>
+                  <a:schemeClr val="tx1"/>
+                </a:solidFill>
+              </a:rPr>
+              <a:t>Chakra</a:t>
+            </a:r>
+            <a:r>
+              <a:rPr lang="hu-HU" sz="2000" dirty="0">
+                <a:solidFill>
+                  <a:schemeClr val="tx1"/>
+                </a:solidFill>
+              </a:rPr>
+              <a:t> UI</a:t>
+            </a:r>
+          </a:p>
+          <a:p>
+            <a:pPr lvl="1">
+              <a:lnSpc>
+                <a:spcPct val="100000"/>
+              </a:lnSpc>
+            </a:pPr>
+            <a:r>
+              <a:rPr lang="hu-HU" sz="2000" dirty="0" err="1">
+                <a:solidFill>
+                  <a:schemeClr val="tx1"/>
+                </a:solidFill>
+              </a:rPr>
+              <a:t>React</a:t>
+            </a:r>
+            <a:r>
+              <a:rPr lang="hu-HU" sz="2000" dirty="0">
+                <a:solidFill>
+                  <a:schemeClr val="tx1"/>
+                </a:solidFill>
+              </a:rPr>
+              <a:t> </a:t>
+            </a:r>
+            <a:r>
+              <a:rPr lang="hu-HU" sz="2000" dirty="0" err="1">
+                <a:solidFill>
+                  <a:schemeClr val="tx1"/>
+                </a:solidFill>
+              </a:rPr>
+              <a:t>Query</a:t>
+            </a:r>
+            <a:endParaRPr lang="hu-HU" sz="2000" dirty="0">
+              <a:solidFill>
+                <a:schemeClr val="tx1"/>
+              </a:solidFill>
+            </a:endParaRPr>
+          </a:p>
+          <a:p>
+            <a:pPr lvl="1">
+              <a:lnSpc>
+                <a:spcPct val="100000"/>
+              </a:lnSpc>
+            </a:pPr>
+            <a:r>
+              <a:rPr lang="hu-HU" sz="2000" dirty="0" err="1">
+                <a:solidFill>
+                  <a:schemeClr val="tx1"/>
+                </a:solidFill>
+              </a:rPr>
+              <a:t>React</a:t>
+            </a:r>
+            <a:r>
+              <a:rPr lang="hu-HU" sz="2000" dirty="0">
+                <a:solidFill>
+                  <a:schemeClr val="tx1"/>
+                </a:solidFill>
+              </a:rPr>
+              <a:t> </a:t>
+            </a:r>
+            <a:r>
+              <a:rPr lang="hu-HU" sz="2000" dirty="0" err="1">
+                <a:solidFill>
+                  <a:schemeClr val="tx1"/>
+                </a:solidFill>
+              </a:rPr>
+              <a:t>Hook</a:t>
+            </a:r>
+            <a:r>
+              <a:rPr lang="hu-HU" sz="2000" dirty="0">
+                <a:solidFill>
+                  <a:schemeClr val="tx1"/>
+                </a:solidFill>
+              </a:rPr>
+              <a:t> </a:t>
+            </a:r>
+            <a:r>
+              <a:rPr lang="hu-HU" sz="2000" dirty="0" err="1">
+                <a:solidFill>
+                  <a:schemeClr val="tx1"/>
+                </a:solidFill>
+              </a:rPr>
+              <a:t>Forms</a:t>
+            </a:r>
+            <a:endParaRPr lang="hu-HU" sz="2000" dirty="0">
+              <a:solidFill>
+                <a:schemeClr val="tx1"/>
+              </a:solidFill>
+            </a:endParaRPr>
+          </a:p>
+          <a:p>
+            <a:pPr lvl="1">
+              <a:lnSpc>
+                <a:spcPct val="100000"/>
+              </a:lnSpc>
+            </a:pPr>
+            <a:r>
+              <a:rPr lang="hu-HU" sz="2000" dirty="0">
+                <a:solidFill>
+                  <a:schemeClr val="tx1"/>
+                </a:solidFill>
+              </a:rPr>
+              <a:t>Microsoft </a:t>
+            </a:r>
+            <a:r>
+              <a:rPr lang="hu-HU" sz="2000" dirty="0" err="1">
+                <a:solidFill>
+                  <a:schemeClr val="tx1"/>
+                </a:solidFill>
+              </a:rPr>
+              <a:t>SignalR</a:t>
+            </a:r>
+            <a:r>
+              <a:rPr lang="hu-HU" sz="2000" dirty="0">
+                <a:solidFill>
+                  <a:schemeClr val="tx1"/>
+                </a:solidFill>
+              </a:rPr>
+              <a:t> JS könyvtára</a:t>
+            </a:r>
+          </a:p>
+          <a:p>
+            <a:pPr>
+              <a:lnSpc>
+                <a:spcPct val="100000"/>
+              </a:lnSpc>
+            </a:pPr>
+            <a:r>
+              <a:rPr lang="hu-HU" sz="2400" dirty="0">
+                <a:solidFill>
+                  <a:schemeClr val="tx1"/>
+                </a:solidFill>
+              </a:rPr>
+              <a:t>Node.js</a:t>
+            </a:r>
+          </a:p>
+          <a:p>
+            <a:pPr lvl="1">
+              <a:lnSpc>
+                <a:spcPct val="100000"/>
+              </a:lnSpc>
+            </a:pPr>
+            <a:r>
+              <a:rPr lang="hu-HU" sz="2000" dirty="0" err="1">
+                <a:solidFill>
+                  <a:schemeClr val="tx1"/>
+                </a:solidFill>
+              </a:rPr>
+              <a:t>Blob</a:t>
+            </a:r>
+            <a:r>
+              <a:rPr lang="hu-HU" sz="2000" dirty="0">
+                <a:solidFill>
+                  <a:schemeClr val="tx1"/>
+                </a:solidFill>
+              </a:rPr>
+              <a:t> Storage SDK</a:t>
+            </a:r>
+          </a:p>
+          <a:p>
+            <a:pPr lvl="1">
+              <a:lnSpc>
+                <a:spcPct val="100000"/>
+              </a:lnSpc>
+            </a:pPr>
+            <a:r>
+              <a:rPr lang="hu-HU" sz="2000" dirty="0">
+                <a:solidFill>
+                  <a:schemeClr val="tx1"/>
+                </a:solidFill>
+              </a:rPr>
+              <a:t>Service </a:t>
+            </a:r>
+            <a:r>
+              <a:rPr lang="hu-HU" sz="2000" dirty="0" err="1">
+                <a:solidFill>
+                  <a:schemeClr val="tx1"/>
+                </a:solidFill>
+              </a:rPr>
+              <a:t>Bus</a:t>
+            </a:r>
+            <a:r>
+              <a:rPr lang="hu-HU" sz="2000" dirty="0">
+                <a:solidFill>
+                  <a:schemeClr val="tx1"/>
+                </a:solidFill>
+              </a:rPr>
+              <a:t> SDK</a:t>
+            </a:r>
+          </a:p>
+          <a:p>
+            <a:pPr lvl="1">
+              <a:lnSpc>
+                <a:spcPct val="100000"/>
+              </a:lnSpc>
+            </a:pPr>
+            <a:r>
+              <a:rPr lang="hu-HU" sz="2000" dirty="0" err="1">
+                <a:solidFill>
+                  <a:schemeClr val="tx1"/>
+                </a:solidFill>
+              </a:rPr>
+              <a:t>Cosmos</a:t>
+            </a:r>
+            <a:r>
+              <a:rPr lang="hu-HU" sz="2000" dirty="0">
+                <a:solidFill>
+                  <a:schemeClr val="tx1"/>
+                </a:solidFill>
+              </a:rPr>
+              <a:t> DB SDK (ODM </a:t>
+            </a:r>
+            <a:r>
+              <a:rPr lang="hu-HU" sz="2000" dirty="0" err="1">
+                <a:solidFill>
+                  <a:schemeClr val="tx1"/>
+                </a:solidFill>
+              </a:rPr>
+              <a:t>incl</a:t>
+            </a:r>
+            <a:r>
+              <a:rPr lang="hu-HU" sz="2000" dirty="0">
+                <a:solidFill>
+                  <a:schemeClr val="tx1"/>
+                </a:solidFill>
+              </a:rPr>
+              <a:t>.)</a:t>
+            </a:r>
+          </a:p>
+          <a:p>
+            <a:pPr lvl="1">
+              <a:lnSpc>
+                <a:spcPct val="100000"/>
+              </a:lnSpc>
+            </a:pPr>
+            <a:r>
+              <a:rPr lang="hu-HU" sz="2000" dirty="0" err="1">
+                <a:solidFill>
+                  <a:schemeClr val="tx1"/>
+                </a:solidFill>
+              </a:rPr>
+              <a:t>Jsonwebtoken</a:t>
+            </a:r>
+            <a:r>
+              <a:rPr lang="hu-HU" sz="2000" dirty="0">
+                <a:solidFill>
+                  <a:schemeClr val="tx1"/>
+                </a:solidFill>
+              </a:rPr>
+              <a:t> (JWT)</a:t>
+            </a:r>
+          </a:p>
+        </p:txBody>
+      </p:sp>
+      <p:sp>
+        <p:nvSpPr>
+          <p:cNvPr id="5" name="Tartalom helye 2">
+            <a:extLst>
+              <a:ext uri="{FF2B5EF4-FFF2-40B4-BE49-F238E27FC236}">
+                <a16:creationId xmlns:a16="http://schemas.microsoft.com/office/drawing/2014/main" id="{D070CCA0-85C4-4AEA-A243-735DBEA797D0}"/>
+              </a:ext>
+            </a:extLst>
+          </p:cNvPr>
+          <p:cNvSpPr txBox="1">
+            <a:spLocks/>
+          </p:cNvSpPr>
+          <p:nvPr/>
+        </p:nvSpPr>
+        <p:spPr>
+          <a:xfrm>
+            <a:off x="6738935" y="1466850"/>
+            <a:ext cx="5138739" cy="4136517"/>
+          </a:xfrm>
+          <a:prstGeom prst="rect">
+            <a:avLst/>
+          </a:prstGeom>
+        </p:spPr>
+        <p:txBody>
+          <a:bodyPr vert="horz" lIns="91440" tIns="45720" rIns="91440" bIns="45720" rtlCol="0">
+            <a:noAutofit/>
+          </a:bodyPr>
+          <a:lstStyle>
+            <a:lvl1pPr marL="228600" indent="-228600" algn="l" defTabSz="914400" rtl="0" eaLnBrk="1" latinLnBrk="0" hangingPunct="1">
+              <a:lnSpc>
+                <a:spcPct val="110000"/>
+              </a:lnSpc>
+              <a:spcBef>
+                <a:spcPts val="700"/>
+              </a:spcBef>
+              <a:buClr>
+                <a:schemeClr val="tx2"/>
+              </a:buClr>
+              <a:buFont typeface="Arial" panose="020B0604020202020204" pitchFamily="34" charset="0"/>
+              <a:buChar char="•"/>
+              <a:defRPr sz="2000" kern="1200">
+                <a:solidFill>
+                  <a:schemeClr val="tx1">
+                    <a:lumMod val="65000"/>
+                    <a:lumOff val="35000"/>
+                  </a:schemeClr>
+                </a:solidFill>
+                <a:latin typeface="+mn-lt"/>
+                <a:ea typeface="+mn-ea"/>
+                <a:cs typeface="+mn-cs"/>
+              </a:defRPr>
+            </a:lvl1pPr>
+            <a:lvl2pPr marL="685800" indent="-228600" algn="l" defTabSz="914400" rtl="0" eaLnBrk="1" latinLnBrk="0" hangingPunct="1">
+              <a:lnSpc>
+                <a:spcPct val="110000"/>
+              </a:lnSpc>
+              <a:spcBef>
+                <a:spcPts val="700"/>
+              </a:spcBef>
+              <a:buClr>
+                <a:schemeClr val="tx2"/>
+              </a:buClr>
+              <a:buFont typeface="Gill Sans MT" panose="020B0502020104020203" pitchFamily="34" charset="0"/>
+              <a:buChar char="–"/>
+              <a:defRPr sz="1800" kern="1200">
+                <a:solidFill>
+                  <a:schemeClr val="tx1">
+                    <a:lumMod val="65000"/>
+                    <a:lumOff val="35000"/>
+                  </a:schemeClr>
+                </a:solidFill>
+                <a:latin typeface="+mn-lt"/>
+                <a:ea typeface="+mn-ea"/>
+                <a:cs typeface="+mn-cs"/>
+              </a:defRPr>
+            </a:lvl2pPr>
+            <a:lvl3pPr marL="1143000" indent="-228600" algn="l" defTabSz="914400" rtl="0" eaLnBrk="1" latinLnBrk="0" hangingPunct="1">
+              <a:lnSpc>
+                <a:spcPct val="110000"/>
+              </a:lnSpc>
+              <a:spcBef>
+                <a:spcPts val="700"/>
+              </a:spcBef>
+              <a:buClr>
+                <a:schemeClr val="tx2"/>
+              </a:buClr>
+              <a:buFont typeface="Arial" panose="020B0604020202020204" pitchFamily="34" charset="0"/>
+              <a:buChar char="•"/>
+              <a:defRPr sz="1600" kern="1200">
+                <a:solidFill>
+                  <a:schemeClr val="tx1">
+                    <a:lumMod val="65000"/>
+                    <a:lumOff val="35000"/>
+                  </a:schemeClr>
+                </a:solidFill>
+                <a:latin typeface="+mn-lt"/>
+                <a:ea typeface="+mn-ea"/>
+                <a:cs typeface="+mn-cs"/>
+              </a:defRPr>
+            </a:lvl3pPr>
+            <a:lvl4pPr marL="1600200" indent="-228600" algn="l" defTabSz="914400" rtl="0" eaLnBrk="1" latinLnBrk="0" hangingPunct="1">
+              <a:lnSpc>
+                <a:spcPct val="110000"/>
+              </a:lnSpc>
+              <a:spcBef>
+                <a:spcPts val="700"/>
+              </a:spcBef>
+              <a:buClr>
+                <a:schemeClr val="tx2"/>
+              </a:buClr>
+              <a:buFont typeface="Gill Sans MT" panose="020B0502020104020203" pitchFamily="34" charset="0"/>
+              <a:buChar char="–"/>
+              <a:defRPr sz="1400" kern="1200">
+                <a:solidFill>
+                  <a:schemeClr val="tx1">
+                    <a:lumMod val="65000"/>
+                    <a:lumOff val="35000"/>
+                  </a:schemeClr>
+                </a:solidFill>
+                <a:latin typeface="+mn-lt"/>
+                <a:ea typeface="+mn-ea"/>
+                <a:cs typeface="+mn-cs"/>
+              </a:defRPr>
+            </a:lvl4pPr>
+            <a:lvl5pPr marL="2057400" indent="-228600" algn="l" defTabSz="914400" rtl="0" eaLnBrk="1" latinLnBrk="0" hangingPunct="1">
+              <a:lnSpc>
+                <a:spcPct val="110000"/>
+              </a:lnSpc>
+              <a:spcBef>
+                <a:spcPts val="700"/>
+              </a:spcBef>
+              <a:buClr>
+                <a:schemeClr val="tx2"/>
+              </a:buClr>
+              <a:buFont typeface="Arial" panose="020B0604020202020204" pitchFamily="34" charset="0"/>
+              <a:buChar char="•"/>
+              <a:defRPr sz="1400" kern="1200">
+                <a:solidFill>
+                  <a:schemeClr val="tx1">
+                    <a:lumMod val="65000"/>
+                    <a:lumOff val="35000"/>
+                  </a:schemeClr>
+                </a:solidFill>
+                <a:latin typeface="+mn-lt"/>
+                <a:ea typeface="+mn-ea"/>
+                <a:cs typeface="+mn-cs"/>
+              </a:defRPr>
+            </a:lvl5pPr>
+            <a:lvl6pPr marL="2514600" indent="-228600" algn="l" defTabSz="914400" rtl="0" eaLnBrk="1" latinLnBrk="0" hangingPunct="1">
+              <a:lnSpc>
+                <a:spcPct val="110000"/>
+              </a:lnSpc>
+              <a:spcBef>
+                <a:spcPts val="700"/>
+              </a:spcBef>
+              <a:buClr>
+                <a:schemeClr val="tx2"/>
+              </a:buClr>
+              <a:buFont typeface="Gill Sans MT" panose="020B0502020104020203" pitchFamily="34" charset="0"/>
+              <a:buChar char="–"/>
+              <a:defRPr sz="1400" kern="1200">
+                <a:solidFill>
+                  <a:schemeClr val="tx1">
+                    <a:lumMod val="65000"/>
+                    <a:lumOff val="35000"/>
+                  </a:schemeClr>
+                </a:solidFill>
+                <a:latin typeface="+mn-lt"/>
+                <a:ea typeface="+mn-ea"/>
+                <a:cs typeface="+mn-cs"/>
+              </a:defRPr>
+            </a:lvl6pPr>
+            <a:lvl7pPr marL="2971800" indent="-228600" algn="l" defTabSz="914400" rtl="0" eaLnBrk="1" latinLnBrk="0" hangingPunct="1">
+              <a:lnSpc>
+                <a:spcPct val="110000"/>
+              </a:lnSpc>
+              <a:spcBef>
+                <a:spcPts val="700"/>
+              </a:spcBef>
+              <a:buClr>
+                <a:schemeClr val="tx2"/>
+              </a:buClr>
+              <a:buFont typeface="Arial" panose="020B0604020202020204" pitchFamily="34" charset="0"/>
+              <a:buChar char="•"/>
+              <a:defRPr sz="1400" kern="1200">
+                <a:solidFill>
+                  <a:schemeClr val="tx1">
+                    <a:lumMod val="65000"/>
+                    <a:lumOff val="35000"/>
+                  </a:schemeClr>
+                </a:solidFill>
+                <a:latin typeface="+mn-lt"/>
+                <a:ea typeface="+mn-ea"/>
+                <a:cs typeface="+mn-cs"/>
+              </a:defRPr>
+            </a:lvl7pPr>
+            <a:lvl8pPr marL="3429000" indent="-228600" algn="l" defTabSz="914400" rtl="0" eaLnBrk="1" latinLnBrk="0" hangingPunct="1">
+              <a:lnSpc>
+                <a:spcPct val="110000"/>
+              </a:lnSpc>
+              <a:spcBef>
+                <a:spcPts val="700"/>
+              </a:spcBef>
+              <a:buClr>
+                <a:schemeClr val="tx2"/>
+              </a:buClr>
+              <a:buFont typeface="Gill Sans MT" panose="020B0502020104020203" pitchFamily="34" charset="0"/>
+              <a:buChar char="–"/>
+              <a:defRPr sz="1400" kern="1200" baseline="0">
+                <a:solidFill>
+                  <a:schemeClr val="tx1">
+                    <a:lumMod val="65000"/>
+                    <a:lumOff val="35000"/>
+                  </a:schemeClr>
+                </a:solidFill>
+                <a:latin typeface="+mn-lt"/>
+                <a:ea typeface="+mn-ea"/>
+                <a:cs typeface="+mn-cs"/>
+              </a:defRPr>
+            </a:lvl8pPr>
+            <a:lvl9pPr marL="3886200" indent="-228600" algn="l" defTabSz="914400" rtl="0" eaLnBrk="1" latinLnBrk="0" hangingPunct="1">
+              <a:lnSpc>
+                <a:spcPct val="110000"/>
+              </a:lnSpc>
+              <a:spcBef>
+                <a:spcPts val="700"/>
+              </a:spcBef>
+              <a:buClr>
+                <a:schemeClr val="tx2"/>
+              </a:buClr>
+              <a:buFont typeface="Arial" panose="020B0604020202020204" pitchFamily="34" charset="0"/>
+              <a:buChar char="•"/>
+              <a:defRPr sz="1400" kern="1200" baseline="0">
+                <a:solidFill>
+                  <a:schemeClr val="tx1">
+                    <a:lumMod val="65000"/>
+                    <a:lumOff val="35000"/>
+                  </a:schemeClr>
+                </a:solidFill>
+                <a:latin typeface="+mn-lt"/>
+                <a:ea typeface="+mn-ea"/>
+                <a:cs typeface="+mn-cs"/>
+              </a:defRPr>
+            </a:lvl9pPr>
+          </a:lstStyle>
+          <a:p>
+            <a:r>
+              <a:rPr lang="hu-HU" sz="2400" dirty="0">
+                <a:solidFill>
+                  <a:schemeClr val="tx1"/>
+                </a:solidFill>
+              </a:rPr>
+              <a:t>REST mindenhol</a:t>
+            </a:r>
+          </a:p>
+          <a:p>
+            <a:r>
+              <a:rPr lang="hu-HU" sz="2400" dirty="0">
+                <a:solidFill>
+                  <a:schemeClr val="tx1"/>
+                </a:solidFill>
+              </a:rPr>
+              <a:t>NPM</a:t>
+            </a:r>
+          </a:p>
+          <a:p>
+            <a:pPr lvl="1"/>
+            <a:r>
+              <a:rPr lang="hu-HU" sz="2000" dirty="0" err="1">
+                <a:solidFill>
+                  <a:schemeClr val="tx1"/>
+                </a:solidFill>
+              </a:rPr>
+              <a:t>remark-auth</a:t>
+            </a:r>
+            <a:r>
+              <a:rPr lang="hu-HU" sz="2000" dirty="0">
+                <a:solidFill>
+                  <a:schemeClr val="tx1"/>
+                </a:solidFill>
+              </a:rPr>
+              <a:t> &amp; </a:t>
+            </a:r>
+            <a:r>
+              <a:rPr lang="hu-HU" sz="2000" dirty="0" err="1">
+                <a:solidFill>
+                  <a:schemeClr val="tx1"/>
+                </a:solidFill>
+              </a:rPr>
+              <a:t>remark-types</a:t>
+            </a:r>
+            <a:endParaRPr lang="hu-HU" sz="2000" dirty="0">
+              <a:solidFill>
+                <a:schemeClr val="tx1"/>
+              </a:solidFill>
+            </a:endParaRPr>
+          </a:p>
+          <a:p>
+            <a:r>
+              <a:rPr lang="hu-HU" sz="2400" dirty="0" err="1">
+                <a:solidFill>
+                  <a:schemeClr val="tx1"/>
+                </a:solidFill>
+              </a:rPr>
+              <a:t>VSCode</a:t>
+            </a:r>
+            <a:endParaRPr lang="hu-HU" sz="2400" dirty="0">
+              <a:solidFill>
+                <a:schemeClr val="tx1"/>
+              </a:solidFill>
+            </a:endParaRPr>
+          </a:p>
+          <a:p>
+            <a:pPr lvl="1"/>
+            <a:r>
+              <a:rPr lang="hu-HU" sz="2000" dirty="0">
+                <a:solidFill>
+                  <a:schemeClr val="tx1"/>
+                </a:solidFill>
+              </a:rPr>
+              <a:t>Integrált </a:t>
+            </a:r>
+            <a:r>
+              <a:rPr lang="hu-HU" sz="2000" dirty="0" err="1">
+                <a:solidFill>
+                  <a:schemeClr val="tx1"/>
+                </a:solidFill>
+              </a:rPr>
+              <a:t>Azure</a:t>
+            </a:r>
+            <a:r>
+              <a:rPr lang="hu-HU" sz="2000" dirty="0">
+                <a:solidFill>
+                  <a:schemeClr val="tx1"/>
+                </a:solidFill>
+              </a:rPr>
+              <a:t> bővítményekkel</a:t>
+            </a:r>
+            <a:endParaRPr lang="hu-HU" sz="2400" dirty="0">
+              <a:solidFill>
+                <a:schemeClr val="tx1"/>
+              </a:solidFill>
+            </a:endParaRPr>
+          </a:p>
+          <a:p>
+            <a:r>
+              <a:rPr lang="hu-HU" sz="2400" dirty="0">
+                <a:solidFill>
+                  <a:schemeClr val="tx1"/>
+                </a:solidFill>
+              </a:rPr>
+              <a:t>GitHub </a:t>
+            </a:r>
+            <a:r>
+              <a:rPr lang="hu-HU" sz="2400" dirty="0" err="1">
+                <a:solidFill>
+                  <a:schemeClr val="tx1"/>
+                </a:solidFill>
+              </a:rPr>
+              <a:t>Actions</a:t>
+            </a:r>
+            <a:endParaRPr lang="hu-HU" sz="2400" dirty="0">
+              <a:solidFill>
+                <a:schemeClr val="tx1"/>
+              </a:solidFill>
+            </a:endParaRPr>
+          </a:p>
+          <a:p>
+            <a:pPr lvl="1"/>
+            <a:r>
+              <a:rPr lang="hu-HU" sz="2000" dirty="0" err="1">
+                <a:solidFill>
+                  <a:schemeClr val="tx1"/>
+                </a:solidFill>
+              </a:rPr>
+              <a:t>Static</a:t>
+            </a:r>
+            <a:r>
+              <a:rPr lang="hu-HU" sz="2000" dirty="0">
+                <a:solidFill>
+                  <a:schemeClr val="tx1"/>
+                </a:solidFill>
+              </a:rPr>
+              <a:t> Web App, </a:t>
+            </a:r>
+            <a:r>
+              <a:rPr lang="hu-HU" sz="2000" dirty="0" err="1">
+                <a:solidFill>
+                  <a:schemeClr val="tx1"/>
+                </a:solidFill>
+              </a:rPr>
+              <a:t>Functions</a:t>
+            </a:r>
+            <a:r>
+              <a:rPr lang="hu-HU" sz="2000" dirty="0">
+                <a:solidFill>
+                  <a:schemeClr val="tx1"/>
+                </a:solidFill>
+              </a:rPr>
+              <a:t> és az NPM csomagok publikálására</a:t>
+            </a:r>
+          </a:p>
+          <a:p>
+            <a:r>
+              <a:rPr lang="hu-HU" sz="2400" dirty="0" err="1">
+                <a:solidFill>
+                  <a:schemeClr val="tx1"/>
+                </a:solidFill>
+              </a:rPr>
+              <a:t>Azure</a:t>
+            </a:r>
+            <a:r>
+              <a:rPr lang="hu-HU" sz="2400" dirty="0">
+                <a:solidFill>
+                  <a:schemeClr val="tx1"/>
+                </a:solidFill>
+              </a:rPr>
+              <a:t> </a:t>
+            </a:r>
+            <a:r>
+              <a:rPr lang="hu-HU" sz="2400" dirty="0" err="1">
+                <a:solidFill>
+                  <a:schemeClr val="tx1"/>
+                </a:solidFill>
+              </a:rPr>
+              <a:t>Application</a:t>
+            </a:r>
+            <a:r>
+              <a:rPr lang="hu-HU" sz="2400" dirty="0">
+                <a:solidFill>
+                  <a:schemeClr val="tx1"/>
+                </a:solidFill>
+              </a:rPr>
+              <a:t> </a:t>
+            </a:r>
+            <a:r>
+              <a:rPr lang="hu-HU" sz="2400" dirty="0" err="1">
+                <a:solidFill>
+                  <a:schemeClr val="tx1"/>
+                </a:solidFill>
+              </a:rPr>
+              <a:t>Insights</a:t>
+            </a:r>
+            <a:endParaRPr lang="hu-HU" sz="2400" dirty="0">
+              <a:solidFill>
+                <a:schemeClr val="tx1"/>
+              </a:solidFill>
+            </a:endParaRPr>
+          </a:p>
+        </p:txBody>
+      </p:sp>
+      <p:pic>
+        <p:nvPicPr>
+          <p:cNvPr id="18" name="Kép 17">
+            <a:extLst>
+              <a:ext uri="{FF2B5EF4-FFF2-40B4-BE49-F238E27FC236}">
+                <a16:creationId xmlns:a16="http://schemas.microsoft.com/office/drawing/2014/main" id="{60A2979C-D0AC-4F7B-A119-2FC313BE2FBA}"/>
+              </a:ext>
+            </a:extLst>
+          </p:cNvPr>
+          <p:cNvPicPr>
+            <a:picLocks noChangeAspect="1"/>
+          </p:cNvPicPr>
+          <p:nvPr/>
+        </p:nvPicPr>
+        <p:blipFill>
+          <a:blip r:embed="rId3"/>
+          <a:stretch>
+            <a:fillRect/>
+          </a:stretch>
+        </p:blipFill>
+        <p:spPr>
+          <a:xfrm>
+            <a:off x="10519889" y="379210"/>
+            <a:ext cx="1038225" cy="1038225"/>
+          </a:xfrm>
+          <a:prstGeom prst="rect">
+            <a:avLst/>
+          </a:prstGeom>
+        </p:spPr>
+      </p:pic>
+      <p:pic>
+        <p:nvPicPr>
+          <p:cNvPr id="12" name="Kép 11">
+            <a:extLst>
+              <a:ext uri="{FF2B5EF4-FFF2-40B4-BE49-F238E27FC236}">
+                <a16:creationId xmlns:a16="http://schemas.microsoft.com/office/drawing/2014/main" id="{2BA01EED-4C7C-41E7-AF31-4C3F9E001DF2}"/>
+              </a:ext>
+            </a:extLst>
+          </p:cNvPr>
+          <p:cNvPicPr>
+            <a:picLocks noChangeAspect="1"/>
+          </p:cNvPicPr>
+          <p:nvPr/>
+        </p:nvPicPr>
+        <p:blipFill>
+          <a:blip r:embed="rId4">
+            <a:extLst>
+              <a:ext uri="{837473B0-CC2E-450A-ABE3-18F120FF3D39}">
+                <a1611:picAttrSrcUrl xmlns:a1611="http://schemas.microsoft.com/office/drawing/2016/11/main" r:id="rId5"/>
+              </a:ext>
+            </a:extLst>
+          </a:blip>
+          <a:stretch>
+            <a:fillRect/>
+          </a:stretch>
+        </p:blipFill>
+        <p:spPr>
+          <a:xfrm>
+            <a:off x="9856960" y="723002"/>
+            <a:ext cx="1073448" cy="932558"/>
+          </a:xfrm>
+          <a:prstGeom prst="rect">
+            <a:avLst/>
+          </a:prstGeom>
+        </p:spPr>
+      </p:pic>
+      <p:pic>
+        <p:nvPicPr>
+          <p:cNvPr id="1026" name="Picture 2">
+            <a:extLst>
+              <a:ext uri="{FF2B5EF4-FFF2-40B4-BE49-F238E27FC236}">
+                <a16:creationId xmlns:a16="http://schemas.microsoft.com/office/drawing/2014/main" id="{E76D71C9-D71D-468F-92A9-F2E407A34D82}"/>
+              </a:ext>
+            </a:extLst>
+          </p:cNvPr>
+          <p:cNvPicPr>
+            <a:picLocks noChangeAspect="1" noChangeArrowheads="1"/>
+          </p:cNvPicPr>
+          <p:nvPr/>
+        </p:nvPicPr>
+        <p:blipFill>
+          <a:blip r:embed="rId6">
+            <a:extLst>
+              <a:ext uri="{28A0092B-C50C-407E-A947-70E740481C1C}">
+                <a14:useLocalDpi xmlns:a14="http://schemas.microsoft.com/office/drawing/2010/main" val="0"/>
+              </a:ext>
+            </a:extLst>
+          </a:blip>
+          <a:srcRect/>
+          <a:stretch>
+            <a:fillRect/>
+          </a:stretch>
+        </p:blipFill>
+        <p:spPr bwMode="auto">
+          <a:xfrm>
+            <a:off x="10599562" y="1060248"/>
+            <a:ext cx="952500" cy="952500"/>
+          </a:xfrm>
+          <a:prstGeom prst="rect">
+            <a:avLst/>
+          </a:prstGeom>
+          <a:noFill/>
+          <a:extLst>
+            <a:ext uri="{909E8E84-426E-40DD-AFC4-6F175D3DCCD1}">
+              <a14:hiddenFill xmlns:a14="http://schemas.microsoft.com/office/drawing/2010/main">
+                <a:solidFill>
+                  <a:srgbClr val="FFFFFF"/>
+                </a:solidFill>
+              </a14:hiddenFill>
+            </a:ext>
+          </a:extLst>
+        </p:spPr>
+      </p:pic>
+    </p:spTree>
+    <p:extLst>
+      <p:ext uri="{BB962C8B-B14F-4D97-AF65-F5344CB8AC3E}">
+        <p14:creationId xmlns:p14="http://schemas.microsoft.com/office/powerpoint/2010/main" val="806970077"/>
+      </p:ext>
+    </p:extLst>
+  </p:cSld>
+  <p:clrMapOvr>
+    <a:masterClrMapping/>
+  </p:clrMapOvr>
+</p:sld>
+</file>
+
+<file path=ppt/slides/slide11.xml><?xml version="1.0" encoding="utf-8"?>
+<p:sld xmlns:a="http://schemas.openxmlformats.org/drawingml/2006/main" xmlns:r="http://schemas.openxmlformats.org/officeDocument/2006/relationships" xmlns:p="http://schemas.openxmlformats.org/presentationml/2006/main">
+  <p:cSld>
+    <p:spTree>
+      <p:nvGrpSpPr>
+        <p:cNvPr id="1" name=""/>
+        <p:cNvGrpSpPr/>
+        <p:nvPr/>
+      </p:nvGrpSpPr>
+      <p:grpSpPr>
+        <a:xfrm>
+          <a:off x="0" y="0"/>
+          <a:ext cx="0" cy="0"/>
+          <a:chOff x="0" y="0"/>
+          <a:chExt cx="0" cy="0"/>
+        </a:xfrm>
+      </p:grpSpPr>
+      <p:sp>
+        <p:nvSpPr>
+          <p:cNvPr id="2" name="Cím 1">
+            <a:extLst>
+              <a:ext uri="{FF2B5EF4-FFF2-40B4-BE49-F238E27FC236}">
+                <a16:creationId xmlns:a16="http://schemas.microsoft.com/office/drawing/2014/main" id="{C23B21D6-D918-43B3-BB76-CF108CFBB6C9}"/>
+              </a:ext>
+            </a:extLst>
+          </p:cNvPr>
+          <p:cNvSpPr>
+            <a:spLocks noGrp="1"/>
+          </p:cNvSpPr>
+          <p:nvPr>
+            <p:ph type="title"/>
+          </p:nvPr>
+        </p:nvSpPr>
+        <p:spPr/>
+        <p:txBody>
+          <a:bodyPr/>
+          <a:lstStyle/>
+          <a:p>
+            <a:r>
+              <a:rPr lang="hu-HU" dirty="0"/>
+              <a:t>Kitekintés</a:t>
+            </a:r>
+          </a:p>
+        </p:txBody>
+      </p:sp>
+      <p:sp>
+        <p:nvSpPr>
+          <p:cNvPr id="3" name="Tartalom helye 2">
+            <a:extLst>
+              <a:ext uri="{FF2B5EF4-FFF2-40B4-BE49-F238E27FC236}">
+                <a16:creationId xmlns:a16="http://schemas.microsoft.com/office/drawing/2014/main" id="{3D8FD86E-51FA-4783-8D81-D648449FEFF2}"/>
+              </a:ext>
+            </a:extLst>
+          </p:cNvPr>
+          <p:cNvSpPr>
+            <a:spLocks noGrp="1"/>
+          </p:cNvSpPr>
+          <p:nvPr>
+            <p:ph idx="1"/>
+          </p:nvPr>
+        </p:nvSpPr>
+        <p:spPr>
+          <a:xfrm>
+            <a:off x="1714499" y="1657351"/>
+            <a:ext cx="6638926" cy="3516228"/>
+          </a:xfrm>
+        </p:spPr>
+        <p:txBody>
+          <a:bodyPr>
+            <a:normAutofit/>
+          </a:bodyPr>
+          <a:lstStyle/>
+          <a:p>
+            <a:r>
+              <a:rPr lang="hu-HU" sz="2400" dirty="0">
+                <a:solidFill>
+                  <a:schemeClr val="tx1"/>
+                </a:solidFill>
+              </a:rPr>
+              <a:t>Ajánlórendszer fejlesztése: relevanciapontok</a:t>
+            </a:r>
+          </a:p>
+          <a:p>
+            <a:pPr lvl="1"/>
+            <a:r>
+              <a:rPr lang="hu-HU" sz="2400" dirty="0">
+                <a:solidFill>
+                  <a:schemeClr val="tx1"/>
+                </a:solidFill>
+              </a:rPr>
+              <a:t>Ajánlott posztok, csatornák</a:t>
+            </a:r>
+          </a:p>
+          <a:p>
+            <a:pPr marL="457200" lvl="1" indent="0">
+              <a:buNone/>
+            </a:pPr>
+            <a:endParaRPr lang="hu-HU" sz="2400" dirty="0">
+              <a:solidFill>
+                <a:schemeClr val="tx1"/>
+              </a:solidFill>
+            </a:endParaRPr>
+          </a:p>
+          <a:p>
+            <a:pPr marL="0" lvl="1" indent="0">
+              <a:buNone/>
+            </a:pPr>
+            <a:r>
+              <a:rPr lang="hu-HU" sz="2400" dirty="0">
+                <a:solidFill>
+                  <a:schemeClr val="tx1"/>
+                </a:solidFill>
+              </a:rPr>
+              <a:t>Kipróbálható: </a:t>
+            </a:r>
+            <a:r>
+              <a:rPr lang="hu-HU" sz="2400" dirty="0">
+                <a:solidFill>
+                  <a:schemeClr val="tx1"/>
+                </a:solidFill>
+                <a:hlinkClick r:id="rId3"/>
+              </a:rPr>
+              <a:t>https://remark.triszt4n.xyz/</a:t>
+            </a:r>
+            <a:endParaRPr lang="hu-HU" sz="2400" dirty="0">
+              <a:solidFill>
+                <a:schemeClr val="tx1"/>
+              </a:solidFill>
+            </a:endParaRPr>
+          </a:p>
+          <a:p>
+            <a:pPr marL="0" lvl="1" indent="0">
+              <a:buNone/>
+            </a:pPr>
+            <a:r>
+              <a:rPr lang="hu-HU" sz="2400" dirty="0" err="1">
+                <a:solidFill>
+                  <a:schemeClr val="tx1"/>
+                </a:solidFill>
+              </a:rPr>
+              <a:t>Monorepó</a:t>
+            </a:r>
+            <a:r>
+              <a:rPr lang="hu-HU" sz="2400" dirty="0">
+                <a:solidFill>
+                  <a:schemeClr val="tx1"/>
+                </a:solidFill>
+              </a:rPr>
+              <a:t>: </a:t>
+            </a:r>
+            <a:r>
+              <a:rPr lang="hu-HU" sz="2400" dirty="0">
+                <a:solidFill>
+                  <a:schemeClr val="tx1"/>
+                </a:solidFill>
+                <a:hlinkClick r:id="rId4"/>
+              </a:rPr>
+              <a:t>https://github.com/triszt4n/remark</a:t>
+            </a:r>
+            <a:endParaRPr lang="hu-HU" sz="2400" dirty="0">
+              <a:solidFill>
+                <a:schemeClr val="tx1"/>
+              </a:solidFill>
+            </a:endParaRPr>
+          </a:p>
+          <a:p>
+            <a:pPr marL="0" lvl="1" indent="0">
+              <a:buNone/>
+            </a:pPr>
+            <a:endParaRPr lang="hu-HU" sz="2400" dirty="0">
+              <a:solidFill>
+                <a:schemeClr val="tx1"/>
+              </a:solidFill>
+            </a:endParaRPr>
+          </a:p>
+          <a:p>
+            <a:pPr marL="0" lvl="1" indent="0">
+              <a:buNone/>
+            </a:pPr>
+            <a:endParaRPr lang="hu-HU" sz="2400" dirty="0">
+              <a:solidFill>
+                <a:schemeClr val="tx1"/>
+              </a:solidFill>
+            </a:endParaRPr>
+          </a:p>
+        </p:txBody>
+      </p:sp>
+    </p:spTree>
+    <p:extLst>
+      <p:ext uri="{BB962C8B-B14F-4D97-AF65-F5344CB8AC3E}">
+        <p14:creationId xmlns:p14="http://schemas.microsoft.com/office/powerpoint/2010/main" val="902370395"/>
+      </p:ext>
+    </p:extLst>
+  </p:cSld>
+  <p:clrMapOvr>
+    <a:masterClrMapping/>
+  </p:clrMapOvr>
+</p:sld>
+</file>
+
+<file path=ppt/slides/slide12.xml><?xml version="1.0" encoding="utf-8"?>
+<p:sld xmlns:a="http://schemas.openxmlformats.org/drawingml/2006/main" xmlns:r="http://schemas.openxmlformats.org/officeDocument/2006/relationships" xmlns:p="http://schemas.openxmlformats.org/presentationml/2006/main">
+  <p:cSld>
+    <p:spTree>
+      <p:nvGrpSpPr>
+        <p:cNvPr id="1" name=""/>
+        <p:cNvGrpSpPr/>
+        <p:nvPr/>
+      </p:nvGrpSpPr>
+      <p:grpSpPr>
+        <a:xfrm>
+          <a:off x="0" y="0"/>
+          <a:ext cx="0" cy="0"/>
+          <a:chOff x="0" y="0"/>
+          <a:chExt cx="0" cy="0"/>
+        </a:xfrm>
+      </p:grpSpPr>
+      <p:sp>
+        <p:nvSpPr>
+          <p:cNvPr id="2" name="Cím 1">
+            <a:extLst>
+              <a:ext uri="{FF2B5EF4-FFF2-40B4-BE49-F238E27FC236}">
+                <a16:creationId xmlns:a16="http://schemas.microsoft.com/office/drawing/2014/main" id="{618C4BDD-0748-4AF3-86A2-8CB49803BE13}"/>
+              </a:ext>
+            </a:extLst>
+          </p:cNvPr>
+          <p:cNvSpPr>
+            <a:spLocks noGrp="1"/>
+          </p:cNvSpPr>
+          <p:nvPr>
+            <p:ph type="ctrTitle"/>
+          </p:nvPr>
+        </p:nvSpPr>
+        <p:spPr/>
+        <p:txBody>
+          <a:bodyPr/>
+          <a:lstStyle/>
+          <a:p>
+            <a:r>
+              <a:rPr lang="hu-HU" dirty="0"/>
+              <a:t>Köszönöm a figyelmet!</a:t>
+            </a:r>
+          </a:p>
+        </p:txBody>
+      </p:sp>
+      <p:sp>
+        <p:nvSpPr>
+          <p:cNvPr id="3" name="Alcím 2">
+            <a:extLst>
+              <a:ext uri="{FF2B5EF4-FFF2-40B4-BE49-F238E27FC236}">
+                <a16:creationId xmlns:a16="http://schemas.microsoft.com/office/drawing/2014/main" id="{28FC6D6B-BB0E-41E8-A2F0-BF3CA52C7BD6}"/>
+              </a:ext>
+            </a:extLst>
+          </p:cNvPr>
+          <p:cNvSpPr>
+            <a:spLocks noGrp="1"/>
+          </p:cNvSpPr>
+          <p:nvPr>
+            <p:ph type="subTitle" idx="1"/>
+          </p:nvPr>
+        </p:nvSpPr>
+        <p:spPr/>
+        <p:txBody>
+          <a:bodyPr/>
+          <a:lstStyle/>
+          <a:p>
+            <a:r>
+              <a:rPr lang="hu-HU" b="0" dirty="0"/>
+              <a:t>Piller Trisztán</a:t>
+            </a:r>
+          </a:p>
+        </p:txBody>
+      </p:sp>
+    </p:spTree>
+    <p:extLst>
+      <p:ext uri="{BB962C8B-B14F-4D97-AF65-F5344CB8AC3E}">
+        <p14:creationId xmlns:p14="http://schemas.microsoft.com/office/powerpoint/2010/main" val="2154582528"/>
       </p:ext>
     </p:extLst>
   </p:cSld>
@@ -5446,24 +8154,142 @@
           <a:bodyPr/>
           <a:lstStyle/>
           <a:p>
-            <a:endParaRPr lang="hu-HU"/>
-          </a:p>
-        </p:txBody>
-      </p:sp>
-      <p:sp>
-        <p:nvSpPr>
-          <p:cNvPr id="3" name="Tartalom helye 2">
+            <a:r>
+              <a:rPr lang="hu-HU">
+                <a:sym typeface="Wingdings" panose="05000000000000000000" pitchFamily="2" charset="2"/>
+              </a:rPr>
+              <a:t>Ötlet: közösségi weboldal</a:t>
+            </a:r>
+            <a:endParaRPr lang="hu-HU" dirty="0"/>
+          </a:p>
+        </p:txBody>
+      </p:sp>
+      <p:pic>
+        <p:nvPicPr>
+          <p:cNvPr id="4" name="Kép 3">
             <a:extLst>
               <a:ext uri="{FF2B5EF4-FFF2-40B4-BE49-F238E27FC236}">
-                <a16:creationId xmlns:a16="http://schemas.microsoft.com/office/drawing/2014/main" id="{DE420EB4-2D95-4729-9772-27AC8188D674}"/>
+                <a16:creationId xmlns:a16="http://schemas.microsoft.com/office/drawing/2014/main" id="{05FF7A98-682D-48A2-985E-0DA385B638F8}"/>
               </a:ext>
             </a:extLst>
           </p:cNvPr>
-          <p:cNvSpPr>
-            <a:spLocks noGrp="1"/>
-          </p:cNvSpPr>
-          <p:nvPr>
-            <p:ph idx="1"/>
+          <p:cNvPicPr>
+            <a:picLocks noChangeAspect="1"/>
+          </p:cNvPicPr>
+          <p:nvPr/>
+        </p:nvPicPr>
+        <p:blipFill rotWithShape="1">
+          <a:blip r:embed="rId3"/>
+          <a:srcRect b="6105"/>
+          <a:stretch/>
+        </p:blipFill>
+        <p:spPr>
+          <a:xfrm>
+            <a:off x="1714499" y="1152525"/>
+            <a:ext cx="5625502" cy="3787441"/>
+          </a:xfrm>
+          <a:prstGeom prst="rect">
+            <a:avLst/>
+          </a:prstGeom>
+          <a:ln w="3175">
+            <a:solidFill>
+              <a:schemeClr val="tx1"/>
+            </a:solidFill>
+          </a:ln>
+          <a:effectLst>
+            <a:outerShdw blurRad="50800" dist="38100" dir="2700000" algn="tl" rotWithShape="0">
+              <a:prstClr val="black">
+                <a:alpha val="40000"/>
+              </a:prstClr>
+            </a:outerShdw>
+          </a:effectLst>
+        </p:spPr>
+      </p:pic>
+      <p:pic>
+        <p:nvPicPr>
+          <p:cNvPr id="9" name="Kép 8">
+            <a:extLst>
+              <a:ext uri="{FF2B5EF4-FFF2-40B4-BE49-F238E27FC236}">
+                <a16:creationId xmlns:a16="http://schemas.microsoft.com/office/drawing/2014/main" id="{726DCA42-EF54-4390-900D-36D58E94A07D}"/>
+              </a:ext>
+            </a:extLst>
+          </p:cNvPr>
+          <p:cNvPicPr>
+            <a:picLocks noChangeAspect="1"/>
+          </p:cNvPicPr>
+          <p:nvPr/>
+        </p:nvPicPr>
+        <p:blipFill rotWithShape="1">
+          <a:blip r:embed="rId4"/>
+          <a:srcRect b="9550"/>
+          <a:stretch/>
+        </p:blipFill>
+        <p:spPr>
+          <a:xfrm>
+            <a:off x="6118415" y="2544214"/>
+            <a:ext cx="5644959" cy="3931401"/>
+          </a:xfrm>
+          <a:prstGeom prst="rect">
+            <a:avLst/>
+          </a:prstGeom>
+          <a:ln w="3175">
+            <a:solidFill>
+              <a:schemeClr val="tx1"/>
+            </a:solidFill>
+          </a:ln>
+          <a:effectLst>
+            <a:outerShdw blurRad="50800" dist="38100" dir="2700000" algn="tl" rotWithShape="0">
+              <a:prstClr val="black">
+                <a:alpha val="40000"/>
+              </a:prstClr>
+            </a:outerShdw>
+          </a:effectLst>
+        </p:spPr>
+      </p:pic>
+    </p:spTree>
+    <p:extLst>
+      <p:ext uri="{BB962C8B-B14F-4D97-AF65-F5344CB8AC3E}">
+        <p14:creationId xmlns:p14="http://schemas.microsoft.com/office/powerpoint/2010/main" val="1899837994"/>
+      </p:ext>
+    </p:extLst>
+  </p:cSld>
+  <p:clrMapOvr>
+    <a:masterClrMapping/>
+  </p:clrMapOvr>
+</p:sld>
+</file>
+
+<file path=ppt/slides/slide3.xml><?xml version="1.0" encoding="utf-8"?>
+<p:sld xmlns:a="http://schemas.openxmlformats.org/drawingml/2006/main" xmlns:r="http://schemas.openxmlformats.org/officeDocument/2006/relationships" xmlns:p="http://schemas.openxmlformats.org/presentationml/2006/main">
+  <p:cSld>
+    <p:spTree>
+      <p:nvGrpSpPr>
+        <p:cNvPr id="1" name=""/>
+        <p:cNvGrpSpPr/>
+        <p:nvPr/>
+      </p:nvGrpSpPr>
+      <p:grpSpPr>
+        <a:xfrm>
+          <a:off x="0" y="0"/>
+          <a:ext cx="0" cy="0"/>
+          <a:chOff x="0" y="0"/>
+          <a:chExt cx="0" cy="0"/>
+        </a:xfrm>
+      </p:grpSpPr>
+      <p:sp>
+        <p:nvSpPr>
+          <p:cNvPr id="2" name="Cím 1">
+            <a:extLst>
+              <a:ext uri="{FF2B5EF4-FFF2-40B4-BE49-F238E27FC236}">
+                <a16:creationId xmlns:a16="http://schemas.microsoft.com/office/drawing/2014/main" id="{74D7D8AC-452D-464B-8731-19F64AF78F3B}"/>
+              </a:ext>
+            </a:extLst>
+          </p:cNvPr>
+          <p:cNvSpPr>
+            <a:spLocks noGrp="1"/>
+          </p:cNvSpPr>
+          <p:nvPr>
+            <p:ph type="title"/>
           </p:nvPr>
         </p:nvSpPr>
         <p:spPr/>
@@ -5471,14 +8297,1138 @@
           <a:bodyPr/>
           <a:lstStyle/>
           <a:p>
-            <a:endParaRPr lang="hu-HU"/>
-          </a:p>
-        </p:txBody>
-      </p:sp>
+            <a:r>
+              <a:rPr lang="hu-HU">
+                <a:sym typeface="Wingdings" panose="05000000000000000000" pitchFamily="2" charset="2"/>
+              </a:rPr>
+              <a:t>Ötlet: közösségi weboldal</a:t>
+            </a:r>
+            <a:endParaRPr lang="hu-HU" dirty="0"/>
+          </a:p>
+        </p:txBody>
+      </p:sp>
+      <p:pic>
+        <p:nvPicPr>
+          <p:cNvPr id="8" name="Kép 7" descr="A képen szöveg látható&#10;&#10;Automatikusan generált leírás">
+            <a:extLst>
+              <a:ext uri="{FF2B5EF4-FFF2-40B4-BE49-F238E27FC236}">
+                <a16:creationId xmlns:a16="http://schemas.microsoft.com/office/drawing/2014/main" id="{0E6D5A49-6A27-45B6-958C-93C0E3CBB6B1}"/>
+              </a:ext>
+            </a:extLst>
+          </p:cNvPr>
+          <p:cNvPicPr>
+            <a:picLocks noChangeAspect="1"/>
+          </p:cNvPicPr>
+          <p:nvPr/>
+        </p:nvPicPr>
+        <p:blipFill rotWithShape="1">
+          <a:blip r:embed="rId3"/>
+          <a:srcRect l="1" r="407"/>
+          <a:stretch/>
+        </p:blipFill>
+        <p:spPr>
+          <a:xfrm>
+            <a:off x="1714498" y="1228723"/>
+            <a:ext cx="2457451" cy="4382265"/>
+          </a:xfrm>
+          <a:prstGeom prst="rect">
+            <a:avLst/>
+          </a:prstGeom>
+          <a:ln w="3175">
+            <a:solidFill>
+              <a:schemeClr val="tx1"/>
+            </a:solidFill>
+          </a:ln>
+          <a:effectLst>
+            <a:outerShdw blurRad="50800" dist="38100" dir="2700000" algn="tl" rotWithShape="0">
+              <a:prstClr val="black">
+                <a:alpha val="40000"/>
+              </a:prstClr>
+            </a:outerShdw>
+          </a:effectLst>
+        </p:spPr>
+      </p:pic>
+      <p:pic>
+        <p:nvPicPr>
+          <p:cNvPr id="6" name="Kép 5">
+            <a:extLst>
+              <a:ext uri="{FF2B5EF4-FFF2-40B4-BE49-F238E27FC236}">
+                <a16:creationId xmlns:a16="http://schemas.microsoft.com/office/drawing/2014/main" id="{009E020D-9A2F-4289-825C-98EA5D8BF5F5}"/>
+              </a:ext>
+            </a:extLst>
+          </p:cNvPr>
+          <p:cNvPicPr>
+            <a:picLocks noChangeAspect="1"/>
+          </p:cNvPicPr>
+          <p:nvPr/>
+        </p:nvPicPr>
+        <p:blipFill>
+          <a:blip r:embed="rId4"/>
+          <a:stretch>
+            <a:fillRect/>
+          </a:stretch>
+        </p:blipFill>
+        <p:spPr>
+          <a:xfrm>
+            <a:off x="4443415" y="1228723"/>
+            <a:ext cx="7153276" cy="5089941"/>
+          </a:xfrm>
+          <a:prstGeom prst="rect">
+            <a:avLst/>
+          </a:prstGeom>
+          <a:ln w="3175">
+            <a:solidFill>
+              <a:schemeClr val="tx1"/>
+            </a:solidFill>
+          </a:ln>
+          <a:effectLst>
+            <a:outerShdw blurRad="50800" dist="38100" dir="2700000" algn="tl" rotWithShape="0">
+              <a:prstClr val="black">
+                <a:alpha val="40000"/>
+              </a:prstClr>
+            </a:outerShdw>
+          </a:effectLst>
+        </p:spPr>
+      </p:pic>
+    </p:spTree>
+    <p:extLst>
+      <p:ext uri="{BB962C8B-B14F-4D97-AF65-F5344CB8AC3E}">
+        <p14:creationId xmlns:p14="http://schemas.microsoft.com/office/powerpoint/2010/main" val="178424952"/>
+      </p:ext>
+    </p:extLst>
+  </p:cSld>
+  <p:clrMapOvr>
+    <a:masterClrMapping/>
+  </p:clrMapOvr>
+</p:sld>
+</file>
+
+<file path=ppt/slides/slide4.xml><?xml version="1.0" encoding="utf-8"?>
+<p:sld xmlns:a="http://schemas.openxmlformats.org/drawingml/2006/main" xmlns:r="http://schemas.openxmlformats.org/officeDocument/2006/relationships" xmlns:p="http://schemas.openxmlformats.org/presentationml/2006/main">
+  <p:cSld>
+    <p:spTree>
+      <p:nvGrpSpPr>
+        <p:cNvPr id="1" name=""/>
+        <p:cNvGrpSpPr/>
+        <p:nvPr/>
+      </p:nvGrpSpPr>
+      <p:grpSpPr>
+        <a:xfrm>
+          <a:off x="0" y="0"/>
+          <a:ext cx="0" cy="0"/>
+          <a:chOff x="0" y="0"/>
+          <a:chExt cx="0" cy="0"/>
+        </a:xfrm>
+      </p:grpSpPr>
+      <p:sp>
+        <p:nvSpPr>
+          <p:cNvPr id="2" name="Cím 1">
+            <a:extLst>
+              <a:ext uri="{FF2B5EF4-FFF2-40B4-BE49-F238E27FC236}">
+                <a16:creationId xmlns:a16="http://schemas.microsoft.com/office/drawing/2014/main" id="{74D7D8AC-452D-464B-8731-19F64AF78F3B}"/>
+              </a:ext>
+            </a:extLst>
+          </p:cNvPr>
+          <p:cNvSpPr>
+            <a:spLocks noGrp="1"/>
+          </p:cNvSpPr>
+          <p:nvPr>
+            <p:ph type="title"/>
+          </p:nvPr>
+        </p:nvSpPr>
+        <p:spPr/>
+        <p:txBody>
+          <a:bodyPr>
+            <a:normAutofit/>
+          </a:bodyPr>
+          <a:lstStyle/>
+          <a:p>
+            <a:r>
+              <a:rPr lang="hu-HU" dirty="0">
+                <a:sym typeface="Wingdings" panose="05000000000000000000" pitchFamily="2" charset="2"/>
+              </a:rPr>
+              <a:t>Megvalósítás: Monolit</a:t>
+            </a:r>
+            <a:endParaRPr lang="hu-HU" dirty="0"/>
+          </a:p>
+        </p:txBody>
+      </p:sp>
+      <p:sp>
+        <p:nvSpPr>
+          <p:cNvPr id="10" name="Szövegdoboz 9">
+            <a:extLst>
+              <a:ext uri="{FF2B5EF4-FFF2-40B4-BE49-F238E27FC236}">
+                <a16:creationId xmlns:a16="http://schemas.microsoft.com/office/drawing/2014/main" id="{C553BB27-AC1C-41ED-A3BF-F42C770A7CDD}"/>
+              </a:ext>
+            </a:extLst>
+          </p:cNvPr>
+          <p:cNvSpPr txBox="1"/>
+          <p:nvPr/>
+        </p:nvSpPr>
+        <p:spPr>
+          <a:xfrm>
+            <a:off x="1714498" y="1228725"/>
+            <a:ext cx="6915151" cy="2308324"/>
+          </a:xfrm>
+          <a:prstGeom prst="rect">
+            <a:avLst/>
+          </a:prstGeom>
+          <a:noFill/>
+        </p:spPr>
+        <p:txBody>
+          <a:bodyPr wrap="square" rtlCol="0">
+            <a:spAutoFit/>
+          </a:bodyPr>
+          <a:lstStyle/>
+          <a:p>
+            <a:pPr marL="285750" indent="-285750">
+              <a:buFont typeface="Arial" panose="020B0604020202020204" pitchFamily="34" charset="0"/>
+              <a:buChar char="•"/>
+            </a:pPr>
+            <a:r>
+              <a:rPr lang="hu-HU" sz="2400" dirty="0"/>
+              <a:t>Minden funkcionalitás egy kódbázisban fut</a:t>
+            </a:r>
+          </a:p>
+          <a:p>
+            <a:pPr marL="742950" lvl="1" indent="-285750">
+              <a:buFont typeface="Arial" panose="020B0604020202020204" pitchFamily="34" charset="0"/>
+              <a:buChar char="•"/>
+            </a:pPr>
+            <a:r>
+              <a:rPr lang="hu-HU" sz="2400" dirty="0"/>
+              <a:t>Prezentációs réteg</a:t>
+            </a:r>
+          </a:p>
+          <a:p>
+            <a:pPr marL="742950" lvl="1" indent="-285750">
+              <a:buFont typeface="Arial" panose="020B0604020202020204" pitchFamily="34" charset="0"/>
+              <a:buChar char="•"/>
+            </a:pPr>
+            <a:r>
+              <a:rPr lang="hu-HU" sz="2400" dirty="0"/>
+              <a:t>Üzleti logikai réteg</a:t>
+            </a:r>
+          </a:p>
+          <a:p>
+            <a:pPr marL="742950" lvl="1" indent="-285750">
+              <a:buFont typeface="Arial" panose="020B0604020202020204" pitchFamily="34" charset="0"/>
+              <a:buChar char="•"/>
+            </a:pPr>
+            <a:r>
+              <a:rPr lang="hu-HU" sz="2400" dirty="0"/>
+              <a:t>Adatelérési réteg</a:t>
+            </a:r>
+          </a:p>
+          <a:p>
+            <a:pPr marL="285750" indent="-285750">
+              <a:buFont typeface="Arial" panose="020B0604020202020204" pitchFamily="34" charset="0"/>
+              <a:buChar char="•"/>
+            </a:pPr>
+            <a:r>
+              <a:rPr lang="hu-HU" sz="2400" dirty="0"/>
+              <a:t>Változtatás </a:t>
+            </a:r>
+            <a:r>
+              <a:rPr lang="hu-HU" sz="2400" dirty="0">
+                <a:sym typeface="Wingdings" panose="05000000000000000000" pitchFamily="2" charset="2"/>
+              </a:rPr>
+              <a:t> újraindítás</a:t>
+            </a:r>
+          </a:p>
+          <a:p>
+            <a:pPr marL="285750" indent="-285750">
+              <a:buFont typeface="Arial" panose="020B0604020202020204" pitchFamily="34" charset="0"/>
+              <a:buChar char="•"/>
+            </a:pPr>
+            <a:r>
+              <a:rPr lang="hu-HU" sz="2400" dirty="0">
+                <a:sym typeface="Wingdings" panose="05000000000000000000" pitchFamily="2" charset="2"/>
+              </a:rPr>
+              <a:t>Hibákra érzékeny</a:t>
+            </a:r>
+            <a:endParaRPr lang="hu-HU" sz="2400" dirty="0"/>
+          </a:p>
+        </p:txBody>
+      </p:sp>
+      <p:pic>
+        <p:nvPicPr>
+          <p:cNvPr id="12" name="Kép 11">
+            <a:extLst>
+              <a:ext uri="{FF2B5EF4-FFF2-40B4-BE49-F238E27FC236}">
+                <a16:creationId xmlns:a16="http://schemas.microsoft.com/office/drawing/2014/main" id="{62532A7E-C39E-4ABC-9DFD-28D5119020EE}"/>
+              </a:ext>
+            </a:extLst>
+          </p:cNvPr>
+          <p:cNvPicPr>
+            <a:picLocks noChangeAspect="1"/>
+          </p:cNvPicPr>
+          <p:nvPr/>
+        </p:nvPicPr>
+        <p:blipFill>
+          <a:blip r:embed="rId3">
+            <a:clrChange>
+              <a:clrFrom>
+                <a:srgbClr val="FFFFFF"/>
+              </a:clrFrom>
+              <a:clrTo>
+                <a:srgbClr val="FFFFFF">
+                  <a:alpha val="0"/>
+                </a:srgbClr>
+              </a:clrTo>
+            </a:clrChange>
+          </a:blip>
+          <a:stretch>
+            <a:fillRect/>
+          </a:stretch>
+        </p:blipFill>
+        <p:spPr>
+          <a:xfrm>
+            <a:off x="6738936" y="2913410"/>
+            <a:ext cx="4759340" cy="3562205"/>
+          </a:xfrm>
+          <a:prstGeom prst="rect">
+            <a:avLst/>
+          </a:prstGeom>
+        </p:spPr>
+      </p:pic>
+    </p:spTree>
+    <p:extLst>
+      <p:ext uri="{BB962C8B-B14F-4D97-AF65-F5344CB8AC3E}">
+        <p14:creationId xmlns:p14="http://schemas.microsoft.com/office/powerpoint/2010/main" val="2774802525"/>
+      </p:ext>
+    </p:extLst>
+  </p:cSld>
+  <p:clrMapOvr>
+    <a:masterClrMapping/>
+  </p:clrMapOvr>
+</p:sld>
+</file>
+
+<file path=ppt/slides/slide5.xml><?xml version="1.0" encoding="utf-8"?>
+<p:sld xmlns:a="http://schemas.openxmlformats.org/drawingml/2006/main" xmlns:r="http://schemas.openxmlformats.org/officeDocument/2006/relationships" xmlns:p="http://schemas.openxmlformats.org/presentationml/2006/main">
+  <p:cSld>
+    <p:spTree>
+      <p:nvGrpSpPr>
+        <p:cNvPr id="1" name=""/>
+        <p:cNvGrpSpPr/>
+        <p:nvPr/>
+      </p:nvGrpSpPr>
+      <p:grpSpPr>
+        <a:xfrm>
+          <a:off x="0" y="0"/>
+          <a:ext cx="0" cy="0"/>
+          <a:chOff x="0" y="0"/>
+          <a:chExt cx="0" cy="0"/>
+        </a:xfrm>
+      </p:grpSpPr>
+      <p:sp>
+        <p:nvSpPr>
+          <p:cNvPr id="2" name="Cím 1">
+            <a:extLst>
+              <a:ext uri="{FF2B5EF4-FFF2-40B4-BE49-F238E27FC236}">
+                <a16:creationId xmlns:a16="http://schemas.microsoft.com/office/drawing/2014/main" id="{74D7D8AC-452D-464B-8731-19F64AF78F3B}"/>
+              </a:ext>
+            </a:extLst>
+          </p:cNvPr>
+          <p:cNvSpPr>
+            <a:spLocks noGrp="1"/>
+          </p:cNvSpPr>
+          <p:nvPr>
+            <p:ph type="title"/>
+          </p:nvPr>
+        </p:nvSpPr>
+        <p:spPr/>
+        <p:txBody>
+          <a:bodyPr>
+            <a:normAutofit/>
+          </a:bodyPr>
+          <a:lstStyle/>
+          <a:p>
+            <a:r>
+              <a:rPr lang="hu-HU" dirty="0">
+                <a:sym typeface="Wingdings" panose="05000000000000000000" pitchFamily="2" charset="2"/>
+              </a:rPr>
+              <a:t>UPGRADE: </a:t>
+            </a:r>
+            <a:r>
+              <a:rPr lang="hu-HU" dirty="0" err="1">
+                <a:sym typeface="Wingdings" panose="05000000000000000000" pitchFamily="2" charset="2"/>
+              </a:rPr>
+              <a:t>Mikroszolgáltatások</a:t>
+            </a:r>
+            <a:endParaRPr lang="hu-HU" dirty="0"/>
+          </a:p>
+        </p:txBody>
+      </p:sp>
+      <p:sp>
+        <p:nvSpPr>
+          <p:cNvPr id="6" name="Szövegdoboz 5">
+            <a:extLst>
+              <a:ext uri="{FF2B5EF4-FFF2-40B4-BE49-F238E27FC236}">
+                <a16:creationId xmlns:a16="http://schemas.microsoft.com/office/drawing/2014/main" id="{B4986788-94FC-4D2D-83B8-9E498B5C13DC}"/>
+              </a:ext>
+            </a:extLst>
+          </p:cNvPr>
+          <p:cNvSpPr txBox="1"/>
+          <p:nvPr/>
+        </p:nvSpPr>
+        <p:spPr>
+          <a:xfrm>
+            <a:off x="1714499" y="1228725"/>
+            <a:ext cx="3676273" cy="1938992"/>
+          </a:xfrm>
+          <a:prstGeom prst="rect">
+            <a:avLst/>
+          </a:prstGeom>
+          <a:noFill/>
+        </p:spPr>
+        <p:txBody>
+          <a:bodyPr wrap="square" rtlCol="0">
+            <a:spAutoFit/>
+          </a:bodyPr>
+          <a:lstStyle/>
+          <a:p>
+            <a:r>
+              <a:rPr lang="hu-HU" sz="2400" u="sng" dirty="0"/>
+              <a:t>Előnyök:</a:t>
+            </a:r>
+          </a:p>
+          <a:p>
+            <a:pPr marL="285750" indent="-285750">
+              <a:buFont typeface="Arial" panose="020B0604020202020204" pitchFamily="34" charset="0"/>
+              <a:buChar char="•"/>
+            </a:pPr>
+            <a:r>
+              <a:rPr lang="hu-HU" sz="2400" dirty="0"/>
+              <a:t>Elosztott felelősségek</a:t>
+            </a:r>
+          </a:p>
+          <a:p>
+            <a:pPr marL="285750" indent="-285750">
+              <a:buFont typeface="Arial" panose="020B0604020202020204" pitchFamily="34" charset="0"/>
+              <a:buChar char="•"/>
+            </a:pPr>
+            <a:r>
+              <a:rPr lang="hu-HU" sz="2400" dirty="0"/>
+              <a:t>Design </a:t>
+            </a:r>
+            <a:r>
+              <a:rPr lang="hu-HU" sz="2400" dirty="0" err="1"/>
+              <a:t>for</a:t>
+            </a:r>
+            <a:r>
+              <a:rPr lang="hu-HU" sz="2400" dirty="0"/>
+              <a:t> </a:t>
+            </a:r>
+            <a:r>
+              <a:rPr lang="hu-HU" sz="2400" dirty="0" err="1"/>
+              <a:t>failure</a:t>
+            </a:r>
+            <a:endParaRPr lang="hu-HU" sz="2400" dirty="0"/>
+          </a:p>
+          <a:p>
+            <a:pPr marL="285750" indent="-285750">
+              <a:buFont typeface="Arial" panose="020B0604020202020204" pitchFamily="34" charset="0"/>
+              <a:buChar char="•"/>
+            </a:pPr>
+            <a:r>
+              <a:rPr lang="hu-HU" sz="2400" dirty="0" err="1"/>
+              <a:t>Konténerizálás</a:t>
+            </a:r>
+            <a:r>
+              <a:rPr lang="hu-HU" sz="2400" dirty="0"/>
+              <a:t> </a:t>
+            </a:r>
+          </a:p>
+          <a:p>
+            <a:pPr marL="285750" indent="-285750">
+              <a:buFont typeface="Arial" panose="020B0604020202020204" pitchFamily="34" charset="0"/>
+              <a:buChar char="•"/>
+            </a:pPr>
+            <a:r>
+              <a:rPr lang="hu-HU" sz="2400" dirty="0"/>
+              <a:t>Gyors telepítés</a:t>
+            </a:r>
+          </a:p>
+        </p:txBody>
+      </p:sp>
+      <p:sp>
+        <p:nvSpPr>
+          <p:cNvPr id="9" name="Szövegdoboz 8">
+            <a:extLst>
+              <a:ext uri="{FF2B5EF4-FFF2-40B4-BE49-F238E27FC236}">
+                <a16:creationId xmlns:a16="http://schemas.microsoft.com/office/drawing/2014/main" id="{7CBE188A-D705-4CB5-9D3E-77B3C13FEFF5}"/>
+              </a:ext>
+            </a:extLst>
+          </p:cNvPr>
+          <p:cNvSpPr txBox="1"/>
+          <p:nvPr/>
+        </p:nvSpPr>
+        <p:spPr>
+          <a:xfrm>
+            <a:off x="1714499" y="3429000"/>
+            <a:ext cx="3514726" cy="1938992"/>
+          </a:xfrm>
+          <a:prstGeom prst="rect">
+            <a:avLst/>
+          </a:prstGeom>
+          <a:noFill/>
+        </p:spPr>
+        <p:txBody>
+          <a:bodyPr wrap="square" rtlCol="0">
+            <a:spAutoFit/>
+          </a:bodyPr>
+          <a:lstStyle/>
+          <a:p>
+            <a:r>
+              <a:rPr lang="hu-HU" sz="2400" u="sng" dirty="0"/>
+              <a:t>Hátrányok:</a:t>
+            </a:r>
+          </a:p>
+          <a:p>
+            <a:pPr marL="285750" indent="-285750">
+              <a:buFont typeface="Arial" panose="020B0604020202020204" pitchFamily="34" charset="0"/>
+              <a:buChar char="•"/>
+            </a:pPr>
+            <a:r>
+              <a:rPr lang="hu-HU" sz="2400" dirty="0"/>
+              <a:t>Belső kommunikáció</a:t>
+            </a:r>
+          </a:p>
+          <a:p>
+            <a:pPr marL="285750" indent="-285750">
+              <a:buFont typeface="Arial" panose="020B0604020202020204" pitchFamily="34" charset="0"/>
+              <a:buChar char="•"/>
+            </a:pPr>
+            <a:r>
+              <a:rPr lang="hu-HU" sz="2400" dirty="0" err="1"/>
+              <a:t>Infrastuktúra</a:t>
+            </a:r>
+            <a:r>
+              <a:rPr lang="hu-HU" sz="2400" dirty="0"/>
+              <a:t> management</a:t>
+            </a:r>
+          </a:p>
+          <a:p>
+            <a:pPr marL="285750" indent="-285750">
+              <a:buFont typeface="Arial" panose="020B0604020202020204" pitchFamily="34" charset="0"/>
+              <a:buChar char="•"/>
+            </a:pPr>
+            <a:r>
+              <a:rPr lang="hu-HU" sz="2400" dirty="0" err="1"/>
+              <a:t>Debugging</a:t>
+            </a:r>
+            <a:r>
+              <a:rPr lang="hu-HU" sz="2400" dirty="0"/>
+              <a:t> nehéz</a:t>
+            </a:r>
+          </a:p>
+        </p:txBody>
+      </p:sp>
+      <p:pic>
+        <p:nvPicPr>
+          <p:cNvPr id="11" name="Kép 10">
+            <a:extLst>
+              <a:ext uri="{FF2B5EF4-FFF2-40B4-BE49-F238E27FC236}">
+                <a16:creationId xmlns:a16="http://schemas.microsoft.com/office/drawing/2014/main" id="{44B8BDF4-1083-4973-9F04-35F991E34CDF}"/>
+              </a:ext>
+            </a:extLst>
+          </p:cNvPr>
+          <p:cNvPicPr>
+            <a:picLocks noChangeAspect="1"/>
+          </p:cNvPicPr>
+          <p:nvPr/>
+        </p:nvPicPr>
+        <p:blipFill>
+          <a:blip r:embed="rId3">
+            <a:clrChange>
+              <a:clrFrom>
+                <a:srgbClr val="FFFFFF"/>
+              </a:clrFrom>
+              <a:clrTo>
+                <a:srgbClr val="FFFFFF">
+                  <a:alpha val="0"/>
+                </a:srgbClr>
+              </a:clrTo>
+            </a:clrChange>
+          </a:blip>
+          <a:stretch>
+            <a:fillRect/>
+          </a:stretch>
+        </p:blipFill>
+        <p:spPr>
+          <a:xfrm>
+            <a:off x="4743039" y="2486889"/>
+            <a:ext cx="7020335" cy="4028715"/>
+          </a:xfrm>
+          <a:prstGeom prst="rect">
+            <a:avLst/>
+          </a:prstGeom>
+        </p:spPr>
+      </p:pic>
+    </p:spTree>
+    <p:extLst>
+      <p:ext uri="{BB962C8B-B14F-4D97-AF65-F5344CB8AC3E}">
+        <p14:creationId xmlns:p14="http://schemas.microsoft.com/office/powerpoint/2010/main" val="1838323368"/>
+      </p:ext>
+    </p:extLst>
+  </p:cSld>
+  <p:clrMapOvr>
+    <a:masterClrMapping/>
+  </p:clrMapOvr>
+</p:sld>
+</file>
+
+<file path=ppt/slides/slide6.xml><?xml version="1.0" encoding="utf-8"?>
+<p:sld xmlns:a="http://schemas.openxmlformats.org/drawingml/2006/main" xmlns:r="http://schemas.openxmlformats.org/officeDocument/2006/relationships" xmlns:p="http://schemas.openxmlformats.org/presentationml/2006/main">
+  <p:cSld>
+    <p:spTree>
+      <p:nvGrpSpPr>
+        <p:cNvPr id="1" name=""/>
+        <p:cNvGrpSpPr/>
+        <p:nvPr/>
+      </p:nvGrpSpPr>
+      <p:grpSpPr>
+        <a:xfrm>
+          <a:off x="0" y="0"/>
+          <a:ext cx="0" cy="0"/>
+          <a:chOff x="0" y="0"/>
+          <a:chExt cx="0" cy="0"/>
+        </a:xfrm>
+      </p:grpSpPr>
+      <p:sp>
+        <p:nvSpPr>
+          <p:cNvPr id="2" name="Cím 1">
+            <a:extLst>
+              <a:ext uri="{FF2B5EF4-FFF2-40B4-BE49-F238E27FC236}">
+                <a16:creationId xmlns:a16="http://schemas.microsoft.com/office/drawing/2014/main" id="{DB8A601A-BE3A-4B45-AE1D-402F9E888703}"/>
+              </a:ext>
+            </a:extLst>
+          </p:cNvPr>
+          <p:cNvSpPr>
+            <a:spLocks noGrp="1"/>
+          </p:cNvSpPr>
+          <p:nvPr>
+            <p:ph type="title"/>
+          </p:nvPr>
+        </p:nvSpPr>
+        <p:spPr/>
+        <p:txBody>
+          <a:bodyPr>
+            <a:normAutofit/>
+          </a:bodyPr>
+          <a:lstStyle/>
+          <a:p>
+            <a:r>
+              <a:rPr lang="hu-HU" dirty="0"/>
+              <a:t>UPGRADE: </a:t>
+            </a:r>
+            <a:r>
+              <a:rPr lang="hu-HU" dirty="0" err="1"/>
+              <a:t>Serverless</a:t>
+            </a:r>
+            <a:endParaRPr lang="hu-HU" dirty="0"/>
+          </a:p>
+        </p:txBody>
+      </p:sp>
+      <p:pic>
+        <p:nvPicPr>
+          <p:cNvPr id="16" name="Kép 15">
+            <a:extLst>
+              <a:ext uri="{FF2B5EF4-FFF2-40B4-BE49-F238E27FC236}">
+                <a16:creationId xmlns:a16="http://schemas.microsoft.com/office/drawing/2014/main" id="{44D95DA9-D324-4CE5-A02D-D012417A8531}"/>
+              </a:ext>
+            </a:extLst>
+          </p:cNvPr>
+          <p:cNvPicPr>
+            <a:picLocks noChangeAspect="1"/>
+          </p:cNvPicPr>
+          <p:nvPr/>
+        </p:nvPicPr>
+        <p:blipFill>
+          <a:blip r:embed="rId3">
+            <a:clrChange>
+              <a:clrFrom>
+                <a:srgbClr val="FFFFFF"/>
+              </a:clrFrom>
+              <a:clrTo>
+                <a:srgbClr val="FFFFFF">
+                  <a:alpha val="0"/>
+                </a:srgbClr>
+              </a:clrTo>
+            </a:clrChange>
+          </a:blip>
+          <a:stretch>
+            <a:fillRect/>
+          </a:stretch>
+        </p:blipFill>
+        <p:spPr>
+          <a:xfrm>
+            <a:off x="2114550" y="1228725"/>
+            <a:ext cx="8571848" cy="5108633"/>
+          </a:xfrm>
+          <a:prstGeom prst="rect">
+            <a:avLst/>
+          </a:prstGeom>
+        </p:spPr>
+      </p:pic>
+    </p:spTree>
+    <p:extLst>
+      <p:ext uri="{BB962C8B-B14F-4D97-AF65-F5344CB8AC3E}">
+        <p14:creationId xmlns:p14="http://schemas.microsoft.com/office/powerpoint/2010/main" val="3259480864"/>
+      </p:ext>
+    </p:extLst>
+  </p:cSld>
+  <p:clrMapOvr>
+    <a:masterClrMapping/>
+  </p:clrMapOvr>
+</p:sld>
+</file>
+
+<file path=ppt/slides/slide7.xml><?xml version="1.0" encoding="utf-8"?>
+<p:sld xmlns:a="http://schemas.openxmlformats.org/drawingml/2006/main" xmlns:r="http://schemas.openxmlformats.org/officeDocument/2006/relationships" xmlns:p="http://schemas.openxmlformats.org/presentationml/2006/main">
+  <p:cSld>
+    <p:spTree>
+      <p:nvGrpSpPr>
+        <p:cNvPr id="1" name=""/>
+        <p:cNvGrpSpPr/>
+        <p:nvPr/>
+      </p:nvGrpSpPr>
+      <p:grpSpPr>
+        <a:xfrm>
+          <a:off x="0" y="0"/>
+          <a:ext cx="0" cy="0"/>
+          <a:chOff x="0" y="0"/>
+          <a:chExt cx="0" cy="0"/>
+        </a:xfrm>
+      </p:grpSpPr>
+      <p:sp>
+        <p:nvSpPr>
+          <p:cNvPr id="2" name="Cím 1">
+            <a:extLst>
+              <a:ext uri="{FF2B5EF4-FFF2-40B4-BE49-F238E27FC236}">
+                <a16:creationId xmlns:a16="http://schemas.microsoft.com/office/drawing/2014/main" id="{DB8A601A-BE3A-4B45-AE1D-402F9E888703}"/>
+              </a:ext>
+            </a:extLst>
+          </p:cNvPr>
+          <p:cNvSpPr>
+            <a:spLocks noGrp="1"/>
+          </p:cNvSpPr>
+          <p:nvPr>
+            <p:ph type="title"/>
+          </p:nvPr>
+        </p:nvSpPr>
+        <p:spPr/>
+        <p:txBody>
+          <a:bodyPr>
+            <a:normAutofit/>
+          </a:bodyPr>
+          <a:lstStyle/>
+          <a:p>
+            <a:r>
+              <a:rPr lang="hu-HU" dirty="0"/>
+              <a:t>Megvalósítás felhőben + </a:t>
+            </a:r>
+            <a:r>
+              <a:rPr lang="hu-HU" dirty="0" err="1"/>
+              <a:t>serverless</a:t>
+            </a:r>
+            <a:endParaRPr lang="hu-HU" dirty="0"/>
+          </a:p>
+        </p:txBody>
+      </p:sp>
+      <p:sp>
+        <p:nvSpPr>
+          <p:cNvPr id="5" name="Szövegdoboz 4">
+            <a:extLst>
+              <a:ext uri="{FF2B5EF4-FFF2-40B4-BE49-F238E27FC236}">
+                <a16:creationId xmlns:a16="http://schemas.microsoft.com/office/drawing/2014/main" id="{A9D5EEB3-15B9-44E2-BC80-E991C7253F98}"/>
+              </a:ext>
+            </a:extLst>
+          </p:cNvPr>
+          <p:cNvSpPr txBox="1"/>
+          <p:nvPr/>
+        </p:nvSpPr>
+        <p:spPr>
+          <a:xfrm>
+            <a:off x="1714499" y="1695591"/>
+            <a:ext cx="5024437" cy="3416320"/>
+          </a:xfrm>
+          <a:prstGeom prst="rect">
+            <a:avLst/>
+          </a:prstGeom>
+          <a:noFill/>
+        </p:spPr>
+        <p:txBody>
+          <a:bodyPr wrap="square" rtlCol="0">
+            <a:spAutoFit/>
+          </a:bodyPr>
+          <a:lstStyle/>
+          <a:p>
+            <a:r>
+              <a:rPr lang="hu-HU" sz="2400" u="sng" dirty="0"/>
+              <a:t>Előnyök:</a:t>
+            </a:r>
+          </a:p>
+          <a:p>
+            <a:pPr marL="285750" indent="-285750">
+              <a:buFont typeface="Arial" panose="020B0604020202020204" pitchFamily="34" charset="0"/>
+              <a:buChar char="•"/>
+            </a:pPr>
+            <a:r>
+              <a:rPr lang="hu-HU" sz="2400" dirty="0"/>
+              <a:t>Skálázhatóság</a:t>
+            </a:r>
+          </a:p>
+          <a:p>
+            <a:pPr marL="285750" indent="-285750">
+              <a:buFont typeface="Arial" panose="020B0604020202020204" pitchFamily="34" charset="0"/>
+              <a:buChar char="•"/>
+            </a:pPr>
+            <a:r>
+              <a:rPr lang="hu-HU" sz="2400" b="1" dirty="0"/>
+              <a:t>Nincs szükség infrastruktúra menedzsmentre</a:t>
+            </a:r>
+          </a:p>
+          <a:p>
+            <a:pPr marL="285750" indent="-285750">
+              <a:buFont typeface="Arial" panose="020B0604020202020204" pitchFamily="34" charset="0"/>
+              <a:buChar char="•"/>
+            </a:pPr>
+            <a:r>
+              <a:rPr lang="hu-HU" sz="2400" dirty="0"/>
+              <a:t>Dinamikus szolgáltatásbekötés (agilitás)</a:t>
+            </a:r>
+          </a:p>
+          <a:p>
+            <a:pPr marL="285750" indent="-285750">
+              <a:buFont typeface="Arial" panose="020B0604020202020204" pitchFamily="34" charset="0"/>
+              <a:buChar char="•"/>
+            </a:pPr>
+            <a:r>
+              <a:rPr lang="hu-HU" sz="2400" dirty="0"/>
+              <a:t>Felelősségek hatékony elosztása</a:t>
+            </a:r>
+          </a:p>
+          <a:p>
+            <a:pPr marL="285750" indent="-285750">
+              <a:buFont typeface="Arial" panose="020B0604020202020204" pitchFamily="34" charset="0"/>
+              <a:buChar char="•"/>
+            </a:pPr>
+            <a:r>
+              <a:rPr lang="hu-HU" sz="2400" dirty="0"/>
+              <a:t>Cserélhető komponensek</a:t>
+            </a:r>
+          </a:p>
+          <a:p>
+            <a:pPr marL="285750" indent="-285750">
+              <a:buFont typeface="Arial" panose="020B0604020202020204" pitchFamily="34" charset="0"/>
+              <a:buChar char="•"/>
+            </a:pPr>
+            <a:r>
+              <a:rPr lang="hu-HU" sz="2400" dirty="0"/>
+              <a:t>Költséghatékony</a:t>
+            </a:r>
+          </a:p>
+        </p:txBody>
+      </p:sp>
+      <p:sp>
+        <p:nvSpPr>
+          <p:cNvPr id="12" name="Szövegdoboz 11">
+            <a:extLst>
+              <a:ext uri="{FF2B5EF4-FFF2-40B4-BE49-F238E27FC236}">
+                <a16:creationId xmlns:a16="http://schemas.microsoft.com/office/drawing/2014/main" id="{251592D7-BA85-40F7-B1A9-095E5B2E7F70}"/>
+              </a:ext>
+            </a:extLst>
+          </p:cNvPr>
+          <p:cNvSpPr txBox="1"/>
+          <p:nvPr/>
+        </p:nvSpPr>
+        <p:spPr>
+          <a:xfrm>
+            <a:off x="6738936" y="1695591"/>
+            <a:ext cx="4757739" cy="2308324"/>
+          </a:xfrm>
+          <a:prstGeom prst="rect">
+            <a:avLst/>
+          </a:prstGeom>
+          <a:noFill/>
+        </p:spPr>
+        <p:txBody>
+          <a:bodyPr wrap="square" rtlCol="0">
+            <a:spAutoFit/>
+          </a:bodyPr>
+          <a:lstStyle/>
+          <a:p>
+            <a:r>
+              <a:rPr lang="hu-HU" sz="2400" u="sng" dirty="0"/>
+              <a:t>Hátrányok:</a:t>
+            </a:r>
+          </a:p>
+          <a:p>
+            <a:pPr marL="285750" indent="-285750">
+              <a:buFont typeface="Arial" panose="020B0604020202020204" pitchFamily="34" charset="0"/>
+              <a:buChar char="•"/>
+            </a:pPr>
+            <a:r>
+              <a:rPr lang="hu-HU" sz="2400" dirty="0" err="1"/>
+              <a:t>Vendor</a:t>
+            </a:r>
+            <a:r>
+              <a:rPr lang="hu-HU" sz="2400" dirty="0"/>
+              <a:t> </a:t>
+            </a:r>
+            <a:r>
+              <a:rPr lang="hu-HU" sz="2400" dirty="0" err="1"/>
+              <a:t>lock</a:t>
+            </a:r>
+            <a:r>
+              <a:rPr lang="hu-HU" sz="2400" dirty="0"/>
+              <a:t>-in</a:t>
+            </a:r>
+          </a:p>
+          <a:p>
+            <a:pPr marL="285750" indent="-285750">
+              <a:buFont typeface="Arial" panose="020B0604020202020204" pitchFamily="34" charset="0"/>
+              <a:buChar char="•"/>
+            </a:pPr>
+            <a:r>
+              <a:rPr lang="hu-HU" sz="2400" dirty="0"/>
+              <a:t>Számításigényes feladatokra érzékeny</a:t>
+            </a:r>
+          </a:p>
+          <a:p>
+            <a:pPr marL="285750" indent="-285750">
+              <a:buFont typeface="Arial" panose="020B0604020202020204" pitchFamily="34" charset="0"/>
+              <a:buChar char="•"/>
+            </a:pPr>
+            <a:r>
+              <a:rPr lang="hu-HU" sz="2400" dirty="0" err="1"/>
+              <a:t>Cold</a:t>
+            </a:r>
+            <a:r>
+              <a:rPr lang="hu-HU" sz="2400" dirty="0"/>
+              <a:t> start</a:t>
+            </a:r>
+          </a:p>
+          <a:p>
+            <a:pPr marL="285750" indent="-285750">
+              <a:buFont typeface="Arial" panose="020B0604020202020204" pitchFamily="34" charset="0"/>
+              <a:buChar char="•"/>
+            </a:pPr>
+            <a:endParaRPr lang="hu-HU" sz="2400" dirty="0"/>
+          </a:p>
+        </p:txBody>
+      </p:sp>
+    </p:spTree>
+    <p:extLst>
+      <p:ext uri="{BB962C8B-B14F-4D97-AF65-F5344CB8AC3E}">
+        <p14:creationId xmlns:p14="http://schemas.microsoft.com/office/powerpoint/2010/main" val="102249716"/>
+      </p:ext>
+    </p:extLst>
+  </p:cSld>
+  <p:clrMapOvr>
+    <a:masterClrMapping/>
+  </p:clrMapOvr>
+</p:sld>
+</file>
+
+<file path=ppt/slides/slide8.xml><?xml version="1.0" encoding="utf-8"?>
+<p:sld xmlns:a="http://schemas.openxmlformats.org/drawingml/2006/main" xmlns:r="http://schemas.openxmlformats.org/officeDocument/2006/relationships" xmlns:p="http://schemas.openxmlformats.org/presentationml/2006/main">
+  <p:cSld>
+    <p:spTree>
+      <p:nvGrpSpPr>
+        <p:cNvPr id="1" name=""/>
+        <p:cNvGrpSpPr/>
+        <p:nvPr/>
+      </p:nvGrpSpPr>
+      <p:grpSpPr>
+        <a:xfrm>
+          <a:off x="0" y="0"/>
+          <a:ext cx="0" cy="0"/>
+          <a:chOff x="0" y="0"/>
+          <a:chExt cx="0" cy="0"/>
+        </a:xfrm>
+      </p:grpSpPr>
+      <p:sp>
+        <p:nvSpPr>
+          <p:cNvPr id="2" name="Cím 1">
+            <a:extLst>
+              <a:ext uri="{FF2B5EF4-FFF2-40B4-BE49-F238E27FC236}">
+                <a16:creationId xmlns:a16="http://schemas.microsoft.com/office/drawing/2014/main" id="{74D7D8AC-452D-464B-8731-19F64AF78F3B}"/>
+              </a:ext>
+            </a:extLst>
+          </p:cNvPr>
+          <p:cNvSpPr>
+            <a:spLocks noGrp="1"/>
+          </p:cNvSpPr>
+          <p:nvPr>
+            <p:ph type="title"/>
+          </p:nvPr>
+        </p:nvSpPr>
+        <p:spPr/>
+        <p:txBody>
+          <a:bodyPr/>
+          <a:lstStyle/>
+          <a:p>
+            <a:r>
+              <a:rPr lang="hu-HU" dirty="0">
+                <a:sym typeface="Wingdings" panose="05000000000000000000" pitchFamily="2" charset="2"/>
+              </a:rPr>
+              <a:t>Felhasználóhitelesítés</a:t>
+            </a:r>
+            <a:endParaRPr lang="hu-HU" dirty="0"/>
+          </a:p>
+        </p:txBody>
+      </p:sp>
+      <p:pic>
+        <p:nvPicPr>
+          <p:cNvPr id="6" name="Kép 5">
+            <a:extLst>
+              <a:ext uri="{FF2B5EF4-FFF2-40B4-BE49-F238E27FC236}">
+                <a16:creationId xmlns:a16="http://schemas.microsoft.com/office/drawing/2014/main" id="{3B78777C-45DB-4A15-9D11-5E8989FDB5D3}"/>
+              </a:ext>
+            </a:extLst>
+          </p:cNvPr>
+          <p:cNvPicPr>
+            <a:picLocks noChangeAspect="1"/>
+          </p:cNvPicPr>
+          <p:nvPr/>
+        </p:nvPicPr>
+        <p:blipFill>
+          <a:blip r:embed="rId3">
+            <a:clrChange>
+              <a:clrFrom>
+                <a:srgbClr val="FFFFFF"/>
+              </a:clrFrom>
+              <a:clrTo>
+                <a:srgbClr val="FFFFFF">
+                  <a:alpha val="0"/>
+                </a:srgbClr>
+              </a:clrTo>
+            </a:clrChange>
+          </a:blip>
+          <a:stretch>
+            <a:fillRect/>
+          </a:stretch>
+        </p:blipFill>
+        <p:spPr>
+          <a:xfrm>
+            <a:off x="1185274" y="1362075"/>
+            <a:ext cx="10333760" cy="5113540"/>
+          </a:xfrm>
+          <a:prstGeom prst="rect">
+            <a:avLst/>
+          </a:prstGeom>
+        </p:spPr>
+      </p:pic>
     </p:spTree>
     <p:extLst>
       <p:ext uri="{BB962C8B-B14F-4D97-AF65-F5344CB8AC3E}">
         <p14:creationId xmlns:p14="http://schemas.microsoft.com/office/powerpoint/2010/main" val="2595685985"/>
+      </p:ext>
+    </p:extLst>
+  </p:cSld>
+  <p:clrMapOvr>
+    <a:masterClrMapping/>
+  </p:clrMapOvr>
+</p:sld>
+</file>
+
+<file path=ppt/slides/slide9.xml><?xml version="1.0" encoding="utf-8"?>
+<p:sld xmlns:a="http://schemas.openxmlformats.org/drawingml/2006/main" xmlns:r="http://schemas.openxmlformats.org/officeDocument/2006/relationships" xmlns:p="http://schemas.openxmlformats.org/presentationml/2006/main">
+  <p:cSld>
+    <p:spTree>
+      <p:nvGrpSpPr>
+        <p:cNvPr id="1" name=""/>
+        <p:cNvGrpSpPr/>
+        <p:nvPr/>
+      </p:nvGrpSpPr>
+      <p:grpSpPr>
+        <a:xfrm>
+          <a:off x="0" y="0"/>
+          <a:ext cx="0" cy="0"/>
+          <a:chOff x="0" y="0"/>
+          <a:chExt cx="0" cy="0"/>
+        </a:xfrm>
+      </p:grpSpPr>
+      <p:sp>
+        <p:nvSpPr>
+          <p:cNvPr id="2" name="Cím 1">
+            <a:extLst>
+              <a:ext uri="{FF2B5EF4-FFF2-40B4-BE49-F238E27FC236}">
+                <a16:creationId xmlns:a16="http://schemas.microsoft.com/office/drawing/2014/main" id="{74D7D8AC-452D-464B-8731-19F64AF78F3B}"/>
+              </a:ext>
+            </a:extLst>
+          </p:cNvPr>
+          <p:cNvSpPr>
+            <a:spLocks noGrp="1"/>
+          </p:cNvSpPr>
+          <p:nvPr>
+            <p:ph type="title"/>
+          </p:nvPr>
+        </p:nvSpPr>
+        <p:spPr/>
+        <p:txBody>
+          <a:bodyPr/>
+          <a:lstStyle/>
+          <a:p>
+            <a:r>
+              <a:rPr lang="hu-HU" dirty="0">
+                <a:sym typeface="Wingdings" panose="05000000000000000000" pitchFamily="2" charset="2"/>
+              </a:rPr>
+              <a:t>Értesítéskiküldés folyamata</a:t>
+            </a:r>
+            <a:endParaRPr lang="hu-HU" dirty="0"/>
+          </a:p>
+        </p:txBody>
+      </p:sp>
+      <p:pic>
+        <p:nvPicPr>
+          <p:cNvPr id="7" name="Kép 6">
+            <a:extLst>
+              <a:ext uri="{FF2B5EF4-FFF2-40B4-BE49-F238E27FC236}">
+                <a16:creationId xmlns:a16="http://schemas.microsoft.com/office/drawing/2014/main" id="{FCF3A708-CBD5-4D8A-9AF9-E13E50DE57DA}"/>
+              </a:ext>
+            </a:extLst>
+          </p:cNvPr>
+          <p:cNvPicPr>
+            <a:picLocks noChangeAspect="1"/>
+          </p:cNvPicPr>
+          <p:nvPr/>
+        </p:nvPicPr>
+        <p:blipFill>
+          <a:blip r:embed="rId3">
+            <a:clrChange>
+              <a:clrFrom>
+                <a:srgbClr val="FFFFFF"/>
+              </a:clrFrom>
+              <a:clrTo>
+                <a:srgbClr val="FFFFFF">
+                  <a:alpha val="0"/>
+                </a:srgbClr>
+              </a:clrTo>
+            </a:clrChange>
+          </a:blip>
+          <a:stretch>
+            <a:fillRect/>
+          </a:stretch>
+        </p:blipFill>
+        <p:spPr>
+          <a:xfrm>
+            <a:off x="383623" y="1529395"/>
+            <a:ext cx="11424753" cy="4727025"/>
+          </a:xfrm>
+          <a:prstGeom prst="rect">
+            <a:avLst/>
+          </a:prstGeom>
+        </p:spPr>
+      </p:pic>
+    </p:spTree>
+    <p:extLst>
+      <p:ext uri="{BB962C8B-B14F-4D97-AF65-F5344CB8AC3E}">
+        <p14:creationId xmlns:p14="http://schemas.microsoft.com/office/powerpoint/2010/main" val="325031110"/>
       </p:ext>
     </p:extLst>
   </p:cSld>
@@ -5684,4 +9634,299 @@
     </a:ext>
   </a:extLst>
 </a:theme>
+</file>
+
+<file path=ppt/theme/theme2.xml><?xml version="1.0" encoding="utf-8"?>
+<a:theme xmlns:a="http://schemas.openxmlformats.org/drawingml/2006/main" name="Office-téma">
+  <a:themeElements>
+    <a:clrScheme name="Office">
+      <a:dk1>
+        <a:sysClr val="windowText" lastClr="000000"/>
+      </a:dk1>
+      <a:lt1>
+        <a:sysClr val="window" lastClr="FFFFFF"/>
+      </a:lt1>
+      <a:dk2>
+        <a:srgbClr val="44546A"/>
+      </a:dk2>
+      <a:lt2>
+        <a:srgbClr val="E7E6E6"/>
+      </a:lt2>
+      <a:accent1>
+        <a:srgbClr val="4472C4"/>
+      </a:accent1>
+      <a:accent2>
+        <a:srgbClr val="ED7D31"/>
+      </a:accent2>
+      <a:accent3>
+        <a:srgbClr val="A5A5A5"/>
+      </a:accent3>
+      <a:accent4>
+        <a:srgbClr val="FFC000"/>
+      </a:accent4>
+      <a:accent5>
+        <a:srgbClr val="5B9BD5"/>
+      </a:accent5>
+      <a:accent6>
+        <a:srgbClr val="70AD47"/>
+      </a:accent6>
+      <a:hlink>
+        <a:srgbClr val="0563C1"/>
+      </a:hlink>
+      <a:folHlink>
+        <a:srgbClr val="954F72"/>
+      </a:folHlink>
+    </a:clrScheme>
+    <a:fontScheme name="Office">
+      <a:majorFont>
+        <a:latin typeface="Calibri Light" panose="020F0302020204030204"/>
+        <a:ea typeface=""/>
+        <a:cs typeface=""/>
+        <a:font script="Jpan" typeface="游ゴシック Light"/>
+        <a:font script="Hang" typeface="맑은 고딕"/>
+        <a:font script="Hans" typeface="等线 Light"/>
+        <a:font script="Hant" typeface="新細明體"/>
+        <a:font script="Arab" typeface="Times New Roman"/>
+        <a:font script="Hebr" typeface="Times New Roman"/>
+        <a:font script="Thai" typeface="Angsana New"/>
+        <a:font script="Ethi" typeface="Nyala"/>
+        <a:font script="Beng" typeface="Vrinda"/>
+        <a:font script="Gujr" typeface="Shruti"/>
+        <a:font script="Khmr" typeface="MoolBoran"/>
+        <a:font script="Knda" typeface="Tunga"/>
+        <a:font script="Guru" typeface="Raavi"/>
+        <a:font script="Cans" typeface="Euphemia"/>
+        <a:font script="Cher" typeface="Plantagenet Cherokee"/>
+        <a:font script="Yiii" typeface="Microsoft Yi Baiti"/>
+        <a:font script="Tibt" typeface="Microsoft Himalaya"/>
+        <a:font script="Thaa" typeface="MV Boli"/>
+        <a:font script="Deva" typeface="Mangal"/>
+        <a:font script="Telu" typeface="Gautami"/>
+        <a:font script="Taml" typeface="Latha"/>
+        <a:font script="Syrc" typeface="Estrangelo Edessa"/>
+        <a:font script="Orya" typeface="Kalinga"/>
+        <a:font script="Mlym" typeface="Kartika"/>
+        <a:font script="Laoo" typeface="DokChampa"/>
+        <a:font script="Sinh" typeface="Iskoola Pota"/>
+        <a:font script="Mong" typeface="Mongolian Baiti"/>
+        <a:font script="Viet" typeface="Times New Roman"/>
+        <a:font script="Uigh" typeface="Microsoft Uighur"/>
+        <a:font script="Geor" typeface="Sylfaen"/>
+        <a:font script="Armn" typeface="Arial"/>
+        <a:font script="Bugi" typeface="Leelawadee UI"/>
+        <a:font script="Bopo" typeface="Microsoft JhengHei"/>
+        <a:font script="Java" typeface="Javanese Text"/>
+        <a:font script="Lisu" typeface="Segoe UI"/>
+        <a:font script="Mymr" typeface="Myanmar Text"/>
+        <a:font script="Nkoo" typeface="Ebrima"/>
+        <a:font script="Olck" typeface="Nirmala UI"/>
+        <a:font script="Osma" typeface="Ebrima"/>
+        <a:font script="Phag" typeface="Phagspa"/>
+        <a:font script="Syrn" typeface="Estrangelo Edessa"/>
+        <a:font script="Syrj" typeface="Estrangelo Edessa"/>
+        <a:font script="Syre" typeface="Estrangelo Edessa"/>
+        <a:font script="Sora" typeface="Nirmala UI"/>
+        <a:font script="Tale" typeface="Microsoft Tai Le"/>
+        <a:font script="Talu" typeface="Microsoft New Tai Lue"/>
+        <a:font script="Tfng" typeface="Ebrima"/>
+      </a:majorFont>
+      <a:minorFont>
+        <a:latin typeface="Calibri" panose="020F0502020204030204"/>
+        <a:ea typeface=""/>
+        <a:cs typeface=""/>
+        <a:font script="Jpan" typeface="游ゴシック"/>
+        <a:font script="Hang" typeface="맑은 고딕"/>
+        <a:font script="Hans" typeface="等线"/>
+        <a:font script="Hant" typeface="新細明體"/>
+        <a:font script="Arab" typeface="Arial"/>
+        <a:font script="Hebr" typeface="Arial"/>
+        <a:font script="Thai" typeface="Cordia New"/>
+        <a:font script="Ethi" typeface="Nyala"/>
+        <a:font script="Beng" typeface="Vrinda"/>
+        <a:font script="Gujr" typeface="Shruti"/>
+        <a:font script="Khmr" typeface="DaunPenh"/>
+        <a:font script="Knda" typeface="Tunga"/>
+        <a:font script="Guru" typeface="Raavi"/>
+        <a:font script="Cans" typeface="Euphemia"/>
+        <a:font script="Cher" typeface="Plantagenet Cherokee"/>
+        <a:font script="Yiii" typeface="Microsoft Yi Baiti"/>
+        <a:font script="Tibt" typeface="Microsoft Himalaya"/>
+        <a:font script="Thaa" typeface="MV Boli"/>
+        <a:font script="Deva" typeface="Mangal"/>
+        <a:font script="Telu" typeface="Gautami"/>
+        <a:font script="Taml" typeface="Latha"/>
+        <a:font script="Syrc" typeface="Estrangelo Edessa"/>
+        <a:font script="Orya" typeface="Kalinga"/>
+        <a:font script="Mlym" typeface="Kartika"/>
+        <a:font script="Laoo" typeface="DokChampa"/>
+        <a:font script="Sinh" typeface="Iskoola Pota"/>
+        <a:font script="Mong" typeface="Mongolian Baiti"/>
+        <a:font script="Viet" typeface="Arial"/>
+        <a:font script="Uigh" typeface="Microsoft Uighur"/>
+        <a:font script="Geor" typeface="Sylfaen"/>
+        <a:font script="Armn" typeface="Arial"/>
+        <a:font script="Bugi" typeface="Leelawadee UI"/>
+        <a:font script="Bopo" typeface="Microsoft JhengHei"/>
+        <a:font script="Java" typeface="Javanese Text"/>
+        <a:font script="Lisu" typeface="Segoe UI"/>
+        <a:font script="Mymr" typeface="Myanmar Text"/>
+        <a:font script="Nkoo" typeface="Ebrima"/>
+        <a:font script="Olck" typeface="Nirmala UI"/>
+        <a:font script="Osma" typeface="Ebrima"/>
+        <a:font script="Phag" typeface="Phagspa"/>
+        <a:font script="Syrn" typeface="Estrangelo Edessa"/>
+        <a:font script="Syrj" typeface="Estrangelo Edessa"/>
+        <a:font script="Syre" typeface="Estrangelo Edessa"/>
+        <a:font script="Sora" typeface="Nirmala UI"/>
+        <a:font script="Tale" typeface="Microsoft Tai Le"/>
+        <a:font script="Talu" typeface="Microsoft New Tai Lue"/>
+        <a:font script="Tfng" typeface="Ebrima"/>
+      </a:minorFont>
+    </a:fontScheme>
+    <a:fmtScheme name="Office">
+      <a:fillStyleLst>
+        <a:solidFill>
+          <a:schemeClr val="phClr"/>
+        </a:solidFill>
+        <a:gradFill rotWithShape="1">
+          <a:gsLst>
+            <a:gs pos="0">
+              <a:schemeClr val="phClr">
+                <a:lumMod val="110000"/>
+                <a:satMod val="105000"/>
+                <a:tint val="67000"/>
+              </a:schemeClr>
+            </a:gs>
+            <a:gs pos="50000">
+              <a:schemeClr val="phClr">
+                <a:lumMod val="105000"/>
+                <a:satMod val="103000"/>
+                <a:tint val="73000"/>
+              </a:schemeClr>
+            </a:gs>
+            <a:gs pos="100000">
+              <a:schemeClr val="phClr">
+                <a:lumMod val="105000"/>
+                <a:satMod val="109000"/>
+                <a:tint val="81000"/>
+              </a:schemeClr>
+            </a:gs>
+          </a:gsLst>
+          <a:lin ang="5400000" scaled="0"/>
+        </a:gradFill>
+        <a:gradFill rotWithShape="1">
+          <a:gsLst>
+            <a:gs pos="0">
+              <a:schemeClr val="phClr">
+                <a:satMod val="103000"/>
+                <a:lumMod val="102000"/>
+                <a:tint val="94000"/>
+              </a:schemeClr>
+            </a:gs>
+            <a:gs pos="50000">
+              <a:schemeClr val="phClr">
+                <a:satMod val="110000"/>
+                <a:lumMod val="100000"/>
+                <a:shade val="100000"/>
+              </a:schemeClr>
+            </a:gs>
+            <a:gs pos="100000">
+              <a:schemeClr val="phClr">
+                <a:lumMod val="99000"/>
+                <a:satMod val="120000"/>
+                <a:shade val="78000"/>
+              </a:schemeClr>
+            </a:gs>
+          </a:gsLst>
+          <a:lin ang="5400000" scaled="0"/>
+        </a:gradFill>
+      </a:fillStyleLst>
+      <a:lnStyleLst>
+        <a:ln w="6350" cap="flat" cmpd="sng" algn="ctr">
+          <a:solidFill>
+            <a:schemeClr val="phClr"/>
+          </a:solidFill>
+          <a:prstDash val="solid"/>
+          <a:miter lim="800000"/>
+        </a:ln>
+        <a:ln w="12700" cap="flat" cmpd="sng" algn="ctr">
+          <a:solidFill>
+            <a:schemeClr val="phClr"/>
+          </a:solidFill>
+          <a:prstDash val="solid"/>
+          <a:miter lim="800000"/>
+        </a:ln>
+        <a:ln w="19050" cap="flat" cmpd="sng" algn="ctr">
+          <a:solidFill>
+            <a:schemeClr val="phClr"/>
+          </a:solidFill>
+          <a:prstDash val="solid"/>
+          <a:miter lim="800000"/>
+        </a:ln>
+      </a:lnStyleLst>
+      <a:effectStyleLst>
+        <a:effectStyle>
+          <a:effectLst/>
+        </a:effectStyle>
+        <a:effectStyle>
+          <a:effectLst/>
+        </a:effectStyle>
+        <a:effectStyle>
+          <a:effectLst>
+            <a:outerShdw blurRad="57150" dist="19050" dir="5400000" algn="ctr" rotWithShape="0">
+              <a:srgbClr val="000000">
+                <a:alpha val="63000"/>
+              </a:srgbClr>
+            </a:outerShdw>
+          </a:effectLst>
+        </a:effectStyle>
+      </a:effectStyleLst>
+      <a:bgFillStyleLst>
+        <a:solidFill>
+          <a:schemeClr val="phClr"/>
+        </a:solidFill>
+        <a:solidFill>
+          <a:schemeClr val="phClr">
+            <a:tint val="95000"/>
+            <a:satMod val="170000"/>
+          </a:schemeClr>
+        </a:solidFill>
+        <a:gradFill rotWithShape="1">
+          <a:gsLst>
+            <a:gs pos="0">
+              <a:schemeClr val="phClr">
+                <a:tint val="93000"/>
+                <a:satMod val="150000"/>
+                <a:shade val="98000"/>
+                <a:lumMod val="102000"/>
+              </a:schemeClr>
+            </a:gs>
+            <a:gs pos="50000">
+              <a:schemeClr val="phClr">
+                <a:tint val="98000"/>
+                <a:satMod val="130000"/>
+                <a:shade val="90000"/>
+                <a:lumMod val="103000"/>
+              </a:schemeClr>
+            </a:gs>
+            <a:gs pos="100000">
+              <a:schemeClr val="phClr">
+                <a:shade val="63000"/>
+                <a:satMod val="120000"/>
+              </a:schemeClr>
+            </a:gs>
+          </a:gsLst>
+          <a:lin ang="5400000" scaled="0"/>
+        </a:gradFill>
+      </a:bgFillStyleLst>
+    </a:fmtScheme>
+  </a:themeElements>
+  <a:objectDefaults/>
+  <a:extraClrSchemeLst/>
+  <a:extLst>
+    <a:ext uri="{05A4C25C-085E-4340-85A3-A5531E510DB2}">
+      <thm15:themeFamily xmlns:thm15="http://schemas.microsoft.com/office/thememl/2012/main" name="Office Theme" id="{62F939B6-93AF-4DB8-9C6B-D6C7DFDC589F}" vid="{4A3C46E8-61CC-4603-A589-7422A47A8E4A}"/>
+    </a:ext>
+  </a:extLst>
+</a:theme>
 </file>
--- a/docs/Presentation_hu.pptx
+++ b/docs/Presentation_hu.pptx
@@ -5,7 +5,7 @@
     <p:sldMasterId id="2147483648" r:id="rId1"/>
   </p:sldMasterIdLst>
   <p:notesMasterIdLst>
-    <p:notesMasterId r:id="rId14"/>
+    <p:notesMasterId r:id="rId13"/>
   </p:notesMasterIdLst>
   <p:sldIdLst>
     <p:sldId id="256" r:id="rId2"/>
@@ -18,8 +18,7 @@
     <p:sldId id="257" r:id="rId9"/>
     <p:sldId id="264" r:id="rId10"/>
     <p:sldId id="265" r:id="rId11"/>
-    <p:sldId id="267" r:id="rId12"/>
-    <p:sldId id="268" r:id="rId13"/>
+    <p:sldId id="268" r:id="rId12"/>
   </p:sldIdLst>
   <p:sldSz cx="12192000" cy="6858000"/>
   <p:notesSz cx="6858000" cy="9144000"/>
@@ -208,7 +207,7 @@
           <a:p>
             <a:fld id="{521332AA-36E7-4ECB-A7EF-F47766F54705}" type="datetimeFigureOut">
               <a:rPr lang="hu-HU" smtClean="0"/>
-              <a:t>2022. 05. 22.</a:t>
+              <a:t>2022. 05. 24.</a:t>
             </a:fld>
             <a:endParaRPr lang="hu-HU"/>
           </a:p>
@@ -608,7 +607,7 @@
           <a:p>
             <a:r>
               <a:rPr lang="hu-HU" dirty="0"/>
-              <a:t>1 perc</a:t>
+              <a:t>1.5 perc</a:t>
             </a:r>
           </a:p>
         </p:txBody>
@@ -640,93 +639,6 @@
     <p:extLst>
       <p:ext uri="{BB962C8B-B14F-4D97-AF65-F5344CB8AC3E}">
         <p14:creationId xmlns:p14="http://schemas.microsoft.com/office/powerpoint/2010/main" val="1440502258"/>
-      </p:ext>
-    </p:extLst>
-  </p:cSld>
-  <p:clrMapOvr>
-    <a:masterClrMapping/>
-  </p:clrMapOvr>
-</p:notes>
-</file>
-
-<file path=ppt/notesSlides/notesSlide11.xml><?xml version="1.0" encoding="utf-8"?>
-<p:notes xmlns:a="http://schemas.openxmlformats.org/drawingml/2006/main" xmlns:r="http://schemas.openxmlformats.org/officeDocument/2006/relationships" xmlns:p="http://schemas.openxmlformats.org/presentationml/2006/main">
-  <p:cSld>
-    <p:spTree>
-      <p:nvGrpSpPr>
-        <p:cNvPr id="1" name=""/>
-        <p:cNvGrpSpPr/>
-        <p:nvPr/>
-      </p:nvGrpSpPr>
-      <p:grpSpPr>
-        <a:xfrm>
-          <a:off x="0" y="0"/>
-          <a:ext cx="0" cy="0"/>
-          <a:chOff x="0" y="0"/>
-          <a:chExt cx="0" cy="0"/>
-        </a:xfrm>
-      </p:grpSpPr>
-      <p:sp>
-        <p:nvSpPr>
-          <p:cNvPr id="2" name="Diakép helye 1"/>
-          <p:cNvSpPr>
-            <a:spLocks noGrp="1" noRot="1" noChangeAspect="1"/>
-          </p:cNvSpPr>
-          <p:nvPr>
-            <p:ph type="sldImg"/>
-          </p:nvPr>
-        </p:nvSpPr>
-        <p:spPr/>
-      </p:sp>
-      <p:sp>
-        <p:nvSpPr>
-          <p:cNvPr id="3" name="Jegyzetek helye 2"/>
-          <p:cNvSpPr>
-            <a:spLocks noGrp="1"/>
-          </p:cNvSpPr>
-          <p:nvPr>
-            <p:ph type="body" idx="1"/>
-          </p:nvPr>
-        </p:nvSpPr>
-        <p:spPr/>
-        <p:txBody>
-          <a:bodyPr/>
-          <a:lstStyle/>
-          <a:p>
-            <a:r>
-              <a:rPr lang="hu-HU" dirty="0"/>
-              <a:t>1 perc</a:t>
-            </a:r>
-          </a:p>
-        </p:txBody>
-      </p:sp>
-      <p:sp>
-        <p:nvSpPr>
-          <p:cNvPr id="4" name="Dia számának helye 3"/>
-          <p:cNvSpPr>
-            <a:spLocks noGrp="1"/>
-          </p:cNvSpPr>
-          <p:nvPr>
-            <p:ph type="sldNum" sz="quarter" idx="5"/>
-          </p:nvPr>
-        </p:nvSpPr>
-        <p:spPr/>
-        <p:txBody>
-          <a:bodyPr/>
-          <a:lstStyle/>
-          <a:p>
-            <a:fld id="{C8A1C36F-F523-4E6B-A501-26EC36B63833}" type="slidenum">
-              <a:rPr lang="hu-HU" smtClean="0"/>
-              <a:t>11</a:t>
-            </a:fld>
-            <a:endParaRPr lang="hu-HU"/>
-          </a:p>
-        </p:txBody>
-      </p:sp>
-    </p:spTree>
-    <p:extLst>
-      <p:ext uri="{BB962C8B-B14F-4D97-AF65-F5344CB8AC3E}">
-        <p14:creationId xmlns:p14="http://schemas.microsoft.com/office/powerpoint/2010/main" val="890584637"/>
       </p:ext>
     </p:extLst>
   </p:cSld>
@@ -1071,6 +983,12 @@
           </a:p>
           <a:p>
             <a:r>
+              <a:rPr lang="hu-HU" dirty="0"/>
+              <a:t>A KÉP ITT CSAK ILLUSZTRÁCIÓ, NEM MAGYARÁZOM, MI VAN RAJTA</a:t>
+            </a:r>
+          </a:p>
+          <a:p>
+            <a:r>
               <a:rPr lang="hu-HU" dirty="0" err="1"/>
               <a:t>Mikroszolgáltatások</a:t>
             </a:r>
@@ -1446,12 +1364,8 @@
           </a:p>
           <a:p>
             <a:r>
-              <a:rPr lang="hu-HU" dirty="0" err="1"/>
-              <a:t>Basically</a:t>
-            </a:r>
-            <a:r>
               <a:rPr lang="hu-HU" dirty="0"/>
-              <a:t> olvasni lehet, ami rá van írva</a:t>
+              <a:t>Megnézünk közelebbről két bonyolultabb flow-t a projektből.</a:t>
             </a:r>
           </a:p>
         </p:txBody>
@@ -1539,12 +1453,6 @@
             <a:r>
               <a:rPr lang="hu-HU" dirty="0"/>
               <a:t>1.5 perc</a:t>
-            </a:r>
-          </a:p>
-          <a:p>
-            <a:r>
-              <a:rPr lang="hu-HU" dirty="0"/>
-              <a:t>Itt is olvasható, de jobb, ha betanulod az egészet.</a:t>
             </a:r>
           </a:p>
         </p:txBody>
@@ -1791,7 +1699,7 @@
             <a:fld id="{9334D819-9F07-4261-B09B-9E467E5D9002}" type="datetimeFigureOut">
               <a:rPr lang="en-US" dirty="0"/>
               <a:pPr/>
-              <a:t>5/22/2022</a:t>
+              <a:t>5/24/2022</a:t>
             </a:fld>
             <a:endParaRPr lang="en-US" dirty="0"/>
           </a:p>
@@ -1987,7 +1895,7 @@
           <a:p>
             <a:fld id="{9334D819-9F07-4261-B09B-9E467E5D9002}" type="datetimeFigureOut">
               <a:rPr lang="en-US" dirty="0"/>
-              <a:t>5/22/2022</a:t>
+              <a:t>5/24/2022</a:t>
             </a:fld>
             <a:endParaRPr lang="en-US" dirty="0"/>
           </a:p>
@@ -2162,7 +2070,7 @@
           <a:p>
             <a:fld id="{9334D819-9F07-4261-B09B-9E467E5D9002}" type="datetimeFigureOut">
               <a:rPr lang="en-US" dirty="0"/>
-              <a:t>5/22/2022</a:t>
+              <a:t>5/24/2022</a:t>
             </a:fld>
             <a:endParaRPr lang="en-US" dirty="0"/>
           </a:p>
@@ -2333,7 +2241,7 @@
           <a:p>
             <a:fld id="{9334D819-9F07-4261-B09B-9E467E5D9002}" type="datetimeFigureOut">
               <a:rPr lang="en-US" dirty="0"/>
-              <a:t>5/22/2022</a:t>
+              <a:t>5/24/2022</a:t>
             </a:fld>
             <a:endParaRPr lang="en-US" dirty="0"/>
           </a:p>
@@ -2605,7 +2513,7 @@
             <a:fld id="{9334D819-9F07-4261-B09B-9E467E5D9002}" type="datetimeFigureOut">
               <a:rPr lang="en-US" dirty="0"/>
               <a:pPr/>
-              <a:t>5/22/2022</a:t>
+              <a:t>5/24/2022</a:t>
             </a:fld>
             <a:endParaRPr lang="en-US" dirty="0"/>
           </a:p>
@@ -3816,7 +3724,7 @@
           <a:p>
             <a:fld id="{9334D819-9F07-4261-B09B-9E467E5D9002}" type="datetimeFigureOut">
               <a:rPr lang="en-US" dirty="0"/>
-              <a:t>5/22/2022</a:t>
+              <a:t>5/24/2022</a:t>
             </a:fld>
             <a:endParaRPr lang="en-US" dirty="0"/>
           </a:p>
@@ -4201,7 +4109,7 @@
           <a:p>
             <a:fld id="{9334D819-9F07-4261-B09B-9E467E5D9002}" type="datetimeFigureOut">
               <a:rPr lang="en-US" dirty="0"/>
-              <a:t>5/22/2022</a:t>
+              <a:t>5/24/2022</a:t>
             </a:fld>
             <a:endParaRPr lang="en-US" dirty="0"/>
           </a:p>
@@ -4319,7 +4227,7 @@
           <a:p>
             <a:fld id="{9334D819-9F07-4261-B09B-9E467E5D9002}" type="datetimeFigureOut">
               <a:rPr lang="en-US" dirty="0"/>
-              <a:t>5/22/2022</a:t>
+              <a:t>5/24/2022</a:t>
             </a:fld>
             <a:endParaRPr lang="en-US" dirty="0"/>
           </a:p>
@@ -4409,7 +4317,7 @@
           <a:p>
             <a:fld id="{9334D819-9F07-4261-B09B-9E467E5D9002}" type="datetimeFigureOut">
               <a:rPr lang="en-US" dirty="0"/>
-              <a:t>5/22/2022</a:t>
+              <a:t>5/24/2022</a:t>
             </a:fld>
             <a:endParaRPr lang="en-US" dirty="0"/>
           </a:p>
@@ -5167,7 +5075,7 @@
           <a:p>
             <a:fld id="{9334D819-9F07-4261-B09B-9E467E5D9002}" type="datetimeFigureOut">
               <a:rPr lang="en-US" dirty="0"/>
-              <a:t>5/22/2022</a:t>
+              <a:t>5/24/2022</a:t>
             </a:fld>
             <a:endParaRPr lang="en-US" dirty="0"/>
           </a:p>
@@ -6002,7 +5910,7 @@
           <a:p>
             <a:fld id="{9334D819-9F07-4261-B09B-9E467E5D9002}" type="datetimeFigureOut">
               <a:rPr lang="en-US" dirty="0"/>
-              <a:t>5/22/2022</a:t>
+              <a:t>5/24/2022</a:t>
             </a:fld>
             <a:endParaRPr lang="en-US" dirty="0"/>
           </a:p>
@@ -6225,7 +6133,7 @@
             <a:fld id="{9334D819-9F07-4261-B09B-9E467E5D9002}" type="datetimeFigureOut">
               <a:rPr lang="en-US" smtClean="0"/>
               <a:pPr/>
-              <a:t>5/22/2022</a:t>
+              <a:t>5/24/2022</a:t>
             </a:fld>
             <a:endParaRPr lang="en-US" dirty="0"/>
           </a:p>
@@ -6954,7 +6862,7 @@
         </p:nvSpPr>
         <p:spPr>
           <a:xfrm>
-            <a:off x="1714499" y="1476375"/>
+            <a:off x="1714499" y="1781042"/>
             <a:ext cx="4772026" cy="4136517"/>
           </a:xfrm>
         </p:spPr>
@@ -7209,46 +7117,7 @@
                   <a:schemeClr val="tx1"/>
                 </a:solidFill>
               </a:rPr>
-              <a:t> DB SDK (ODM </a:t>
-            </a:r>
-            <a:r>
-              <a:rPr lang="hu-HU" sz="2000" dirty="0" err="1">
-                <a:solidFill>
-                  <a:schemeClr val="tx1"/>
-                </a:solidFill>
-              </a:rPr>
-              <a:t>incl</a:t>
-            </a:r>
-            <a:r>
-              <a:rPr lang="hu-HU" sz="2000" dirty="0">
-                <a:solidFill>
-                  <a:schemeClr val="tx1"/>
-                </a:solidFill>
-              </a:rPr>
-              <a:t>.)</a:t>
-            </a:r>
-          </a:p>
-          <a:p>
-            <a:pPr lvl="1">
-              <a:lnSpc>
-                <a:spcPct val="100000"/>
-              </a:lnSpc>
-            </a:pPr>
-            <a:r>
-              <a:rPr lang="hu-HU" sz="2000" dirty="0" err="1">
-                <a:solidFill>
-                  <a:schemeClr val="tx1"/>
-                </a:solidFill>
-              </a:rPr>
-              <a:t>Jsonwebtoken</a:t>
-            </a:r>
-            <a:r>
-              <a:rPr lang="hu-HU" sz="2000" dirty="0">
-                <a:solidFill>
-                  <a:schemeClr val="tx1"/>
-                </a:solidFill>
-              </a:rPr>
-              <a:t> (JWT)</a:t>
+              <a:t> DB SDK</a:t>
             </a:r>
           </a:p>
         </p:txBody>
@@ -7269,7 +7138,7 @@
         </p:nvSpPr>
         <p:spPr>
           <a:xfrm>
-            <a:off x="6738935" y="1466850"/>
+            <a:off x="6624635" y="1782980"/>
             <a:ext cx="5138739" cy="4136517"/>
           </a:xfrm>
           <a:prstGeom prst="rect">
@@ -7505,16 +7374,6 @@
                   <a:schemeClr val="tx1"/>
                 </a:solidFill>
               </a:rPr>
-              <a:t>REST mindenhol</a:t>
-            </a:r>
-          </a:p>
-          <a:p>
-            <a:r>
-              <a:rPr lang="hu-HU" sz="2400" dirty="0">
-                <a:solidFill>
-                  <a:schemeClr val="tx1"/>
-                </a:solidFill>
-              </a:rPr>
               <a:t>NPM</a:t>
             </a:r>
           </a:p>
@@ -7852,7 +7711,7 @@
           <p:cNvPr id="2" name="Cím 1">
             <a:extLst>
               <a:ext uri="{FF2B5EF4-FFF2-40B4-BE49-F238E27FC236}">
-                <a16:creationId xmlns:a16="http://schemas.microsoft.com/office/drawing/2014/main" id="{C23B21D6-D918-43B3-BB76-CF108CFBB6C9}"/>
+                <a16:creationId xmlns:a16="http://schemas.microsoft.com/office/drawing/2014/main" id="{618C4BDD-0748-4AF3-86A2-8CB49803BE13}"/>
               </a:ext>
             </a:extLst>
           </p:cNvPr>
@@ -7860,7 +7719,7 @@
             <a:spLocks noGrp="1"/>
           </p:cNvSpPr>
           <p:nvPr>
-            <p:ph type="title"/>
+            <p:ph type="ctrTitle"/>
           </p:nvPr>
         </p:nvSpPr>
         <p:spPr/>
@@ -7870,17 +7729,17 @@
           <a:p>
             <a:r>
               <a:rPr lang="hu-HU" dirty="0"/>
-              <a:t>Kitekintés</a:t>
-            </a:r>
-          </a:p>
-        </p:txBody>
-      </p:sp>
-      <p:sp>
-        <p:nvSpPr>
-          <p:cNvPr id="3" name="Tartalom helye 2">
+              <a:t>Köszönöm a figyelmet!</a:t>
+            </a:r>
+          </a:p>
+        </p:txBody>
+      </p:sp>
+      <p:sp>
+        <p:nvSpPr>
+          <p:cNvPr id="7" name="Tartalom helye 2">
             <a:extLst>
               <a:ext uri="{FF2B5EF4-FFF2-40B4-BE49-F238E27FC236}">
-                <a16:creationId xmlns:a16="http://schemas.microsoft.com/office/drawing/2014/main" id="{3D8FD86E-51FA-4783-8D81-D648449FEFF2}"/>
+                <a16:creationId xmlns:a16="http://schemas.microsoft.com/office/drawing/2014/main" id="{2D8F2632-3C54-4939-82B2-0D5BF7725199}"/>
               </a:ext>
             </a:extLst>
           </p:cNvPr>
@@ -7888,13 +7747,13 @@
             <a:spLocks noGrp="1"/>
           </p:cNvSpPr>
           <p:nvPr>
-            <p:ph idx="1"/>
+            <p:ph type="subTitle" idx="1"/>
           </p:nvPr>
         </p:nvSpPr>
         <p:spPr>
           <a:xfrm>
-            <a:off x="1714499" y="1657351"/>
-            <a:ext cx="6638926" cy="3516228"/>
+            <a:off x="4972050" y="3765550"/>
+            <a:ext cx="6789738" cy="2111375"/>
           </a:xfrm>
         </p:spPr>
         <p:txBody>
@@ -7903,203 +7762,76 @@
           </a:bodyPr>
           <a:lstStyle/>
           <a:p>
-            <a:r>
-              <a:rPr lang="hu-HU" sz="2400" dirty="0">
-                <a:solidFill>
-                  <a:schemeClr val="tx1"/>
-                </a:solidFill>
-              </a:rPr>
-              <a:t>Ajánlórendszer fejlesztése: relevanciapontok</a:t>
-            </a:r>
-          </a:p>
-          <a:p>
-            <a:pPr lvl="1"/>
-            <a:r>
-              <a:rPr lang="hu-HU" sz="2400" dirty="0">
-                <a:solidFill>
-                  <a:schemeClr val="tx1"/>
-                </a:solidFill>
-              </a:rPr>
-              <a:t>Ajánlott posztok, csatornák</a:t>
-            </a:r>
-          </a:p>
-          <a:p>
-            <a:pPr marL="457200" lvl="1" indent="0">
+            <a:pPr marL="0" lvl="1" indent="0" algn="r">
               <a:buNone/>
             </a:pPr>
-            <a:endParaRPr lang="hu-HU" sz="2400" dirty="0">
-              <a:solidFill>
-                <a:schemeClr val="tx1"/>
-              </a:solidFill>
-            </a:endParaRPr>
-          </a:p>
-          <a:p>
-            <a:pPr marL="0" lvl="1" indent="0">
-              <a:buNone/>
-            </a:pPr>
-            <a:r>
-              <a:rPr lang="hu-HU" sz="2400" dirty="0">
+            <a:r>
+              <a:rPr lang="hu-HU" sz="2000" dirty="0">
                 <a:solidFill>
-                  <a:schemeClr val="tx1"/>
+                  <a:srgbClr val="000000"/>
                 </a:solidFill>
               </a:rPr>
               <a:t>Kipróbálható: </a:t>
             </a:r>
             <a:r>
-              <a:rPr lang="hu-HU" sz="2400" dirty="0">
+              <a:rPr lang="hu-HU" sz="2000" dirty="0">
                 <a:solidFill>
-                  <a:schemeClr val="tx1"/>
+                  <a:srgbClr val="000000"/>
+                </a:solidFill>
+                <a:hlinkClick r:id="rId2"/>
+              </a:rPr>
+              <a:t>https://remark.triszt4n.xyz/</a:t>
+            </a:r>
+            <a:endParaRPr lang="hu-HU" sz="2000" dirty="0">
+              <a:solidFill>
+                <a:srgbClr val="000000"/>
+              </a:solidFill>
+            </a:endParaRPr>
+          </a:p>
+          <a:p>
+            <a:pPr marL="0" lvl="1" indent="0" algn="r">
+              <a:buNone/>
+            </a:pPr>
+            <a:r>
+              <a:rPr lang="hu-HU" sz="2000" dirty="0" err="1">
+                <a:solidFill>
+                  <a:srgbClr val="000000"/>
+                </a:solidFill>
+              </a:rPr>
+              <a:t>Monorepó</a:t>
+            </a:r>
+            <a:r>
+              <a:rPr lang="hu-HU" sz="2000" dirty="0">
+                <a:solidFill>
+                  <a:srgbClr val="000000"/>
+                </a:solidFill>
+              </a:rPr>
+              <a:t>: </a:t>
+            </a:r>
+            <a:r>
+              <a:rPr lang="hu-HU" sz="2000" dirty="0">
+                <a:solidFill>
+                  <a:srgbClr val="000000"/>
                 </a:solidFill>
                 <a:hlinkClick r:id="rId3"/>
               </a:rPr>
-              <a:t>https://remark.triszt4n.xyz/</a:t>
-            </a:r>
-            <a:endParaRPr lang="hu-HU" sz="2400" dirty="0">
+              <a:t>https://github.com/triszt4n/remark</a:t>
+            </a:r>
+            <a:endParaRPr lang="hu-HU" sz="2000" dirty="0">
               <a:solidFill>
-                <a:schemeClr val="tx1"/>
+                <a:srgbClr val="000000"/>
               </a:solidFill>
             </a:endParaRPr>
           </a:p>
           <a:p>
-            <a:pPr marL="0" lvl="1" indent="0">
+            <a:pPr marL="0" lvl="1" indent="0" algn="r">
               <a:buNone/>
             </a:pPr>
-            <a:r>
-              <a:rPr lang="hu-HU" sz="2400" dirty="0" err="1">
-                <a:solidFill>
-                  <a:schemeClr val="tx1"/>
-                </a:solidFill>
-              </a:rPr>
-              <a:t>Monorepó</a:t>
-            </a:r>
-            <a:r>
-              <a:rPr lang="hu-HU" sz="2400" dirty="0">
-                <a:solidFill>
-                  <a:schemeClr val="tx1"/>
-                </a:solidFill>
-              </a:rPr>
-              <a:t>: </a:t>
-            </a:r>
-            <a:r>
-              <a:rPr lang="hu-HU" sz="2400" dirty="0">
-                <a:solidFill>
-                  <a:schemeClr val="tx1"/>
-                </a:solidFill>
-                <a:hlinkClick r:id="rId4"/>
-              </a:rPr>
-              <a:t>https://github.com/triszt4n/remark</a:t>
-            </a:r>
-            <a:endParaRPr lang="hu-HU" sz="2400" dirty="0">
+            <a:endParaRPr lang="hu-HU" dirty="0">
               <a:solidFill>
-                <a:schemeClr val="tx1"/>
+                <a:srgbClr val="000000"/>
               </a:solidFill>
             </a:endParaRPr>
-          </a:p>
-          <a:p>
-            <a:pPr marL="0" lvl="1" indent="0">
-              <a:buNone/>
-            </a:pPr>
-            <a:endParaRPr lang="hu-HU" sz="2400" dirty="0">
-              <a:solidFill>
-                <a:schemeClr val="tx1"/>
-              </a:solidFill>
-            </a:endParaRPr>
-          </a:p>
-          <a:p>
-            <a:pPr marL="0" lvl="1" indent="0">
-              <a:buNone/>
-            </a:pPr>
-            <a:endParaRPr lang="hu-HU" sz="2400" dirty="0">
-              <a:solidFill>
-                <a:schemeClr val="tx1"/>
-              </a:solidFill>
-            </a:endParaRPr>
-          </a:p>
-        </p:txBody>
-      </p:sp>
-    </p:spTree>
-    <p:extLst>
-      <p:ext uri="{BB962C8B-B14F-4D97-AF65-F5344CB8AC3E}">
-        <p14:creationId xmlns:p14="http://schemas.microsoft.com/office/powerpoint/2010/main" val="902370395"/>
-      </p:ext>
-    </p:extLst>
-  </p:cSld>
-  <p:clrMapOvr>
-    <a:masterClrMapping/>
-  </p:clrMapOvr>
-</p:sld>
-</file>
-
-<file path=ppt/slides/slide12.xml><?xml version="1.0" encoding="utf-8"?>
-<p:sld xmlns:a="http://schemas.openxmlformats.org/drawingml/2006/main" xmlns:r="http://schemas.openxmlformats.org/officeDocument/2006/relationships" xmlns:p="http://schemas.openxmlformats.org/presentationml/2006/main">
-  <p:cSld>
-    <p:spTree>
-      <p:nvGrpSpPr>
-        <p:cNvPr id="1" name=""/>
-        <p:cNvGrpSpPr/>
-        <p:nvPr/>
-      </p:nvGrpSpPr>
-      <p:grpSpPr>
-        <a:xfrm>
-          <a:off x="0" y="0"/>
-          <a:ext cx="0" cy="0"/>
-          <a:chOff x="0" y="0"/>
-          <a:chExt cx="0" cy="0"/>
-        </a:xfrm>
-      </p:grpSpPr>
-      <p:sp>
-        <p:nvSpPr>
-          <p:cNvPr id="2" name="Cím 1">
-            <a:extLst>
-              <a:ext uri="{FF2B5EF4-FFF2-40B4-BE49-F238E27FC236}">
-                <a16:creationId xmlns:a16="http://schemas.microsoft.com/office/drawing/2014/main" id="{618C4BDD-0748-4AF3-86A2-8CB49803BE13}"/>
-              </a:ext>
-            </a:extLst>
-          </p:cNvPr>
-          <p:cNvSpPr>
-            <a:spLocks noGrp="1"/>
-          </p:cNvSpPr>
-          <p:nvPr>
-            <p:ph type="ctrTitle"/>
-          </p:nvPr>
-        </p:nvSpPr>
-        <p:spPr/>
-        <p:txBody>
-          <a:bodyPr/>
-          <a:lstStyle/>
-          <a:p>
-            <a:r>
-              <a:rPr lang="hu-HU" dirty="0"/>
-              <a:t>Köszönöm a figyelmet!</a:t>
-            </a:r>
-          </a:p>
-        </p:txBody>
-      </p:sp>
-      <p:sp>
-        <p:nvSpPr>
-          <p:cNvPr id="3" name="Alcím 2">
-            <a:extLst>
-              <a:ext uri="{FF2B5EF4-FFF2-40B4-BE49-F238E27FC236}">
-                <a16:creationId xmlns:a16="http://schemas.microsoft.com/office/drawing/2014/main" id="{28FC6D6B-BB0E-41E8-A2F0-BF3CA52C7BD6}"/>
-              </a:ext>
-            </a:extLst>
-          </p:cNvPr>
-          <p:cNvSpPr>
-            <a:spLocks noGrp="1"/>
-          </p:cNvSpPr>
-          <p:nvPr>
-            <p:ph type="subTitle" idx="1"/>
-          </p:nvPr>
-        </p:nvSpPr>
-        <p:spPr/>
-        <p:txBody>
-          <a:bodyPr/>
-          <a:lstStyle/>
-          <a:p>
-            <a:r>
-              <a:rPr lang="hu-HU" b="0" dirty="0"/>
-              <a:t>Piller Trisztán</a:t>
-            </a:r>
           </a:p>
         </p:txBody>
       </p:sp>
@@ -8584,8 +8316,8 @@
         </p:blipFill>
         <p:spPr>
           <a:xfrm>
-            <a:off x="6738936" y="2913410"/>
-            <a:ext cx="4759340" cy="3562205"/>
+            <a:off x="6211957" y="2518984"/>
+            <a:ext cx="5286319" cy="3956631"/>
           </a:xfrm>
           <a:prstGeom prst="rect">
             <a:avLst/>
@@ -8767,8 +8499,8 @@
         </p:nvSpPr>
         <p:spPr>
           <a:xfrm>
-            <a:off x="1714499" y="3429000"/>
-            <a:ext cx="3514726" cy="1938992"/>
+            <a:off x="1714499" y="3641051"/>
+            <a:ext cx="4179405" cy="1569660"/>
           </a:xfrm>
           <a:prstGeom prst="rect">
             <a:avLst/>
@@ -8859,7 +8591,7 @@
         </p:blipFill>
         <p:spPr>
           <a:xfrm>
-            <a:off x="4743039" y="2486889"/>
+            <a:off x="4971639" y="2446900"/>
             <a:ext cx="7020335" cy="4028715"/>
           </a:xfrm>
           <a:prstGeom prst="rect">
